--- a/doc/Jerimum.pptx
+++ b/doc/Jerimum.pptx
@@ -4,14 +4,16 @@
   <p:sldMasterIdLst>
     <p:sldMasterId id="2147483648" r:id="rId2"/>
     <p:sldMasterId id="2147483661" r:id="rId3"/>
+    <p:sldMasterId id="2147483674" r:id="rId4"/>
   </p:sldMasterIdLst>
   <p:sldIdLst>
-    <p:sldId id="256" r:id="rId4"/>
-    <p:sldId id="257" r:id="rId5"/>
-    <p:sldId id="258" r:id="rId6"/>
-    <p:sldId id="259" r:id="rId7"/>
+    <p:sldId id="256" r:id="rId5"/>
+    <p:sldId id="257" r:id="rId6"/>
+    <p:sldId id="258" r:id="rId7"/>
+    <p:sldId id="259" r:id="rId8"/>
+    <p:sldId id="260" r:id="rId9"/>
   </p:sldIdLst>
-  <p:sldSz cx="12192000" cy="6858000"/>
+  <p:sldSz cx="11998325" cy="7559675"/>
   <p:notesSz cx="7559675" cy="10691812"/>
 </p:presentation>
 </file>
@@ -67,26 +69,28 @@
         </p:nvSpPr>
         <p:spPr>
           <a:xfrm>
-            <a:off x="838080" y="365040"/>
-            <a:ext cx="10515240" cy="1325160"/>
-          </a:xfrm>
-          <a:prstGeom prst="rect">
-            <a:avLst/>
-          </a:prstGeom>
-        </p:spPr>
-        <p:txBody>
-          <a:bodyPr lIns="0" rIns="0" tIns="0" bIns="0" anchor="ctr"/>
-          <a:p>
-            <a:endParaRPr b="0" lang="pt-BR" sz="1800" spc="-1" strike="noStrike">
-              <a:solidFill>
-                <a:srgbClr val="000000"/>
-              </a:solidFill>
-              <a:uFill>
-                <a:solidFill>
-                  <a:srgbClr val="ffffff"/>
-                </a:solidFill>
-              </a:uFill>
-              <a:latin typeface="Calibri"/>
+            <a:off x="599040" y="121320"/>
+            <a:ext cx="10798560" cy="1262160"/>
+          </a:xfrm>
+          <a:prstGeom prst="rect">
+            <a:avLst/>
+          </a:prstGeom>
+        </p:spPr>
+        <p:txBody>
+          <a:bodyPr lIns="0" rIns="0" tIns="0" bIns="0" anchor="b">
+            <a:normAutofit/>
+          </a:bodyPr>
+          <a:p>
+            <a:endParaRPr b="0" lang="pt-BR" sz="6000" spc="-1" strike="noStrike">
+              <a:solidFill>
+                <a:srgbClr val="ffffff"/>
+              </a:solidFill>
+              <a:uFill>
+                <a:solidFill>
+                  <a:srgbClr val="ffffff"/>
+                </a:solidFill>
+              </a:uFill>
+              <a:latin typeface="Source Sans Pro Light"/>
             </a:endParaRPr>
           </a:p>
         </p:txBody>
@@ -103,8 +107,8 @@
         </p:nvSpPr>
         <p:spPr>
           <a:xfrm>
-            <a:off x="838080" y="1825560"/>
-            <a:ext cx="10515240" cy="2075040"/>
+            <a:off x="599040" y="1920240"/>
+            <a:ext cx="10739520" cy="2224440"/>
           </a:xfrm>
           <a:prstGeom prst="rect">
             <a:avLst/>
@@ -115,16 +119,16 @@
             <a:normAutofit/>
           </a:bodyPr>
           <a:p>
-            <a:endParaRPr b="0" lang="pt-BR" sz="2800" spc="-1" strike="noStrike">
-              <a:solidFill>
-                <a:srgbClr val="000000"/>
-              </a:solidFill>
-              <a:uFill>
-                <a:solidFill>
-                  <a:srgbClr val="ffffff"/>
-                </a:solidFill>
-              </a:uFill>
-              <a:latin typeface="Calibri"/>
+            <a:endParaRPr b="0" lang="pt-BR" sz="3200" spc="-1" strike="noStrike">
+              <a:solidFill>
+                <a:srgbClr val="000000"/>
+              </a:solidFill>
+              <a:uFill>
+                <a:solidFill>
+                  <a:srgbClr val="ffffff"/>
+                </a:solidFill>
+              </a:uFill>
+              <a:latin typeface="Source Sans Pro"/>
             </a:endParaRPr>
           </a:p>
         </p:txBody>
@@ -141,8 +145,8 @@
         </p:nvSpPr>
         <p:spPr>
           <a:xfrm>
-            <a:off x="838080" y="4098240"/>
-            <a:ext cx="10515240" cy="2075040"/>
+            <a:off x="599040" y="4356360"/>
+            <a:ext cx="10739520" cy="2224440"/>
           </a:xfrm>
           <a:prstGeom prst="rect">
             <a:avLst/>
@@ -153,16 +157,16 @@
             <a:normAutofit/>
           </a:bodyPr>
           <a:p>
-            <a:endParaRPr b="0" lang="pt-BR" sz="2800" spc="-1" strike="noStrike">
-              <a:solidFill>
-                <a:srgbClr val="000000"/>
-              </a:solidFill>
-              <a:uFill>
-                <a:solidFill>
-                  <a:srgbClr val="ffffff"/>
-                </a:solidFill>
-              </a:uFill>
-              <a:latin typeface="Calibri"/>
+            <a:endParaRPr b="0" lang="pt-BR" sz="3200" spc="-1" strike="noStrike">
+              <a:solidFill>
+                <a:srgbClr val="000000"/>
+              </a:solidFill>
+              <a:uFill>
+                <a:solidFill>
+                  <a:srgbClr val="ffffff"/>
+                </a:solidFill>
+              </a:uFill>
+              <a:latin typeface="Source Sans Pro"/>
             </a:endParaRPr>
           </a:p>
         </p:txBody>
@@ -201,26 +205,28 @@
         </p:nvSpPr>
         <p:spPr>
           <a:xfrm>
-            <a:off x="838080" y="365040"/>
-            <a:ext cx="10515240" cy="1325160"/>
-          </a:xfrm>
-          <a:prstGeom prst="rect">
-            <a:avLst/>
-          </a:prstGeom>
-        </p:spPr>
-        <p:txBody>
-          <a:bodyPr lIns="0" rIns="0" tIns="0" bIns="0" anchor="ctr"/>
-          <a:p>
-            <a:endParaRPr b="0" lang="pt-BR" sz="1800" spc="-1" strike="noStrike">
-              <a:solidFill>
-                <a:srgbClr val="000000"/>
-              </a:solidFill>
-              <a:uFill>
-                <a:solidFill>
-                  <a:srgbClr val="ffffff"/>
-                </a:solidFill>
-              </a:uFill>
-              <a:latin typeface="Calibri"/>
+            <a:off x="599040" y="121320"/>
+            <a:ext cx="10798560" cy="1262160"/>
+          </a:xfrm>
+          <a:prstGeom prst="rect">
+            <a:avLst/>
+          </a:prstGeom>
+        </p:spPr>
+        <p:txBody>
+          <a:bodyPr lIns="0" rIns="0" tIns="0" bIns="0" anchor="b">
+            <a:normAutofit/>
+          </a:bodyPr>
+          <a:p>
+            <a:endParaRPr b="0" lang="pt-BR" sz="6000" spc="-1" strike="noStrike">
+              <a:solidFill>
+                <a:srgbClr val="ffffff"/>
+              </a:solidFill>
+              <a:uFill>
+                <a:solidFill>
+                  <a:srgbClr val="ffffff"/>
+                </a:solidFill>
+              </a:uFill>
+              <a:latin typeface="Source Sans Pro Light"/>
             </a:endParaRPr>
           </a:p>
         </p:txBody>
@@ -237,8 +243,8 @@
         </p:nvSpPr>
         <p:spPr>
           <a:xfrm>
-            <a:off x="838080" y="1825560"/>
-            <a:ext cx="5131080" cy="2075040"/>
+            <a:off x="599040" y="1920240"/>
+            <a:ext cx="5240880" cy="2224440"/>
           </a:xfrm>
           <a:prstGeom prst="rect">
             <a:avLst/>
@@ -249,16 +255,16 @@
             <a:normAutofit/>
           </a:bodyPr>
           <a:p>
-            <a:endParaRPr b="0" lang="pt-BR" sz="2800" spc="-1" strike="noStrike">
-              <a:solidFill>
-                <a:srgbClr val="000000"/>
-              </a:solidFill>
-              <a:uFill>
-                <a:solidFill>
-                  <a:srgbClr val="ffffff"/>
-                </a:solidFill>
-              </a:uFill>
-              <a:latin typeface="Calibri"/>
+            <a:endParaRPr b="0" lang="pt-BR" sz="3200" spc="-1" strike="noStrike">
+              <a:solidFill>
+                <a:srgbClr val="000000"/>
+              </a:solidFill>
+              <a:uFill>
+                <a:solidFill>
+                  <a:srgbClr val="ffffff"/>
+                </a:solidFill>
+              </a:uFill>
+              <a:latin typeface="Source Sans Pro"/>
             </a:endParaRPr>
           </a:p>
         </p:txBody>
@@ -275,8 +281,8 @@
         </p:nvSpPr>
         <p:spPr>
           <a:xfrm>
-            <a:off x="6226200" y="1825560"/>
-            <a:ext cx="5131080" cy="2075040"/>
+            <a:off x="6102360" y="1920240"/>
+            <a:ext cx="5240880" cy="2224440"/>
           </a:xfrm>
           <a:prstGeom prst="rect">
             <a:avLst/>
@@ -287,16 +293,16 @@
             <a:normAutofit/>
           </a:bodyPr>
           <a:p>
-            <a:endParaRPr b="0" lang="pt-BR" sz="2800" spc="-1" strike="noStrike">
-              <a:solidFill>
-                <a:srgbClr val="000000"/>
-              </a:solidFill>
-              <a:uFill>
-                <a:solidFill>
-                  <a:srgbClr val="ffffff"/>
-                </a:solidFill>
-              </a:uFill>
-              <a:latin typeface="Calibri"/>
+            <a:endParaRPr b="0" lang="pt-BR" sz="3200" spc="-1" strike="noStrike">
+              <a:solidFill>
+                <a:srgbClr val="000000"/>
+              </a:solidFill>
+              <a:uFill>
+                <a:solidFill>
+                  <a:srgbClr val="ffffff"/>
+                </a:solidFill>
+              </a:uFill>
+              <a:latin typeface="Source Sans Pro"/>
             </a:endParaRPr>
           </a:p>
         </p:txBody>
@@ -313,8 +319,8 @@
         </p:nvSpPr>
         <p:spPr>
           <a:xfrm>
-            <a:off x="6226200" y="4098240"/>
-            <a:ext cx="5131080" cy="2075040"/>
+            <a:off x="6102360" y="4356360"/>
+            <a:ext cx="5240880" cy="2224440"/>
           </a:xfrm>
           <a:prstGeom prst="rect">
             <a:avLst/>
@@ -325,16 +331,16 @@
             <a:normAutofit/>
           </a:bodyPr>
           <a:p>
-            <a:endParaRPr b="0" lang="pt-BR" sz="2800" spc="-1" strike="noStrike">
-              <a:solidFill>
-                <a:srgbClr val="000000"/>
-              </a:solidFill>
-              <a:uFill>
-                <a:solidFill>
-                  <a:srgbClr val="ffffff"/>
-                </a:solidFill>
-              </a:uFill>
-              <a:latin typeface="Calibri"/>
+            <a:endParaRPr b="0" lang="pt-BR" sz="3200" spc="-1" strike="noStrike">
+              <a:solidFill>
+                <a:srgbClr val="000000"/>
+              </a:solidFill>
+              <a:uFill>
+                <a:solidFill>
+                  <a:srgbClr val="ffffff"/>
+                </a:solidFill>
+              </a:uFill>
+              <a:latin typeface="Source Sans Pro"/>
             </a:endParaRPr>
           </a:p>
         </p:txBody>
@@ -351,8 +357,8 @@
         </p:nvSpPr>
         <p:spPr>
           <a:xfrm>
-            <a:off x="838080" y="4098240"/>
-            <a:ext cx="5131080" cy="2075040"/>
+            <a:off x="599040" y="4356360"/>
+            <a:ext cx="5240880" cy="2224440"/>
           </a:xfrm>
           <a:prstGeom prst="rect">
             <a:avLst/>
@@ -363,16 +369,16 @@
             <a:normAutofit/>
           </a:bodyPr>
           <a:p>
-            <a:endParaRPr b="0" lang="pt-BR" sz="2800" spc="-1" strike="noStrike">
-              <a:solidFill>
-                <a:srgbClr val="000000"/>
-              </a:solidFill>
-              <a:uFill>
-                <a:solidFill>
-                  <a:srgbClr val="ffffff"/>
-                </a:solidFill>
-              </a:uFill>
-              <a:latin typeface="Calibri"/>
+            <a:endParaRPr b="0" lang="pt-BR" sz="3200" spc="-1" strike="noStrike">
+              <a:solidFill>
+                <a:srgbClr val="000000"/>
+              </a:solidFill>
+              <a:uFill>
+                <a:solidFill>
+                  <a:srgbClr val="ffffff"/>
+                </a:solidFill>
+              </a:uFill>
+              <a:latin typeface="Source Sans Pro"/>
             </a:endParaRPr>
           </a:p>
         </p:txBody>
@@ -411,26 +417,28 @@
         </p:nvSpPr>
         <p:spPr>
           <a:xfrm>
-            <a:off x="838080" y="365040"/>
-            <a:ext cx="10515240" cy="1325160"/>
-          </a:xfrm>
-          <a:prstGeom prst="rect">
-            <a:avLst/>
-          </a:prstGeom>
-        </p:spPr>
-        <p:txBody>
-          <a:bodyPr lIns="0" rIns="0" tIns="0" bIns="0" anchor="ctr"/>
-          <a:p>
-            <a:endParaRPr b="0" lang="pt-BR" sz="1800" spc="-1" strike="noStrike">
-              <a:solidFill>
-                <a:srgbClr val="000000"/>
-              </a:solidFill>
-              <a:uFill>
-                <a:solidFill>
-                  <a:srgbClr val="ffffff"/>
-                </a:solidFill>
-              </a:uFill>
-              <a:latin typeface="Calibri"/>
+            <a:off x="599040" y="121320"/>
+            <a:ext cx="10798560" cy="1262160"/>
+          </a:xfrm>
+          <a:prstGeom prst="rect">
+            <a:avLst/>
+          </a:prstGeom>
+        </p:spPr>
+        <p:txBody>
+          <a:bodyPr lIns="0" rIns="0" tIns="0" bIns="0" anchor="b">
+            <a:normAutofit/>
+          </a:bodyPr>
+          <a:p>
+            <a:endParaRPr b="0" lang="pt-BR" sz="6000" spc="-1" strike="noStrike">
+              <a:solidFill>
+                <a:srgbClr val="ffffff"/>
+              </a:solidFill>
+              <a:uFill>
+                <a:solidFill>
+                  <a:srgbClr val="ffffff"/>
+                </a:solidFill>
+              </a:uFill>
+              <a:latin typeface="Source Sans Pro Light"/>
             </a:endParaRPr>
           </a:p>
         </p:txBody>
@@ -447,8 +455,8 @@
         </p:nvSpPr>
         <p:spPr>
           <a:xfrm>
-            <a:off x="838080" y="1825560"/>
-            <a:ext cx="3385800" cy="2075040"/>
+            <a:off x="599040" y="1920240"/>
+            <a:ext cx="3457800" cy="2224440"/>
           </a:xfrm>
           <a:prstGeom prst="rect">
             <a:avLst/>
@@ -459,16 +467,16 @@
             <a:normAutofit/>
           </a:bodyPr>
           <a:p>
-            <a:endParaRPr b="0" lang="pt-BR" sz="2800" spc="-1" strike="noStrike">
-              <a:solidFill>
-                <a:srgbClr val="000000"/>
-              </a:solidFill>
-              <a:uFill>
-                <a:solidFill>
-                  <a:srgbClr val="ffffff"/>
-                </a:solidFill>
-              </a:uFill>
-              <a:latin typeface="Calibri"/>
+            <a:endParaRPr b="0" lang="pt-BR" sz="3200" spc="-1" strike="noStrike">
+              <a:solidFill>
+                <a:srgbClr val="000000"/>
+              </a:solidFill>
+              <a:uFill>
+                <a:solidFill>
+                  <a:srgbClr val="ffffff"/>
+                </a:solidFill>
+              </a:uFill>
+              <a:latin typeface="Source Sans Pro"/>
             </a:endParaRPr>
           </a:p>
         </p:txBody>
@@ -485,8 +493,8 @@
         </p:nvSpPr>
         <p:spPr>
           <a:xfrm>
-            <a:off x="4393440" y="1825560"/>
-            <a:ext cx="3385800" cy="2075040"/>
+            <a:off x="4230000" y="1920240"/>
+            <a:ext cx="3457800" cy="2224440"/>
           </a:xfrm>
           <a:prstGeom prst="rect">
             <a:avLst/>
@@ -497,16 +505,16 @@
             <a:normAutofit/>
           </a:bodyPr>
           <a:p>
-            <a:endParaRPr b="0" lang="pt-BR" sz="2800" spc="-1" strike="noStrike">
-              <a:solidFill>
-                <a:srgbClr val="000000"/>
-              </a:solidFill>
-              <a:uFill>
-                <a:solidFill>
-                  <a:srgbClr val="ffffff"/>
-                </a:solidFill>
-              </a:uFill>
-              <a:latin typeface="Calibri"/>
+            <a:endParaRPr b="0" lang="pt-BR" sz="3200" spc="-1" strike="noStrike">
+              <a:solidFill>
+                <a:srgbClr val="000000"/>
+              </a:solidFill>
+              <a:uFill>
+                <a:solidFill>
+                  <a:srgbClr val="ffffff"/>
+                </a:solidFill>
+              </a:uFill>
+              <a:latin typeface="Source Sans Pro"/>
             </a:endParaRPr>
           </a:p>
         </p:txBody>
@@ -523,8 +531,8 @@
         </p:nvSpPr>
         <p:spPr>
           <a:xfrm>
-            <a:off x="7949160" y="1825560"/>
-            <a:ext cx="3385800" cy="2075040"/>
+            <a:off x="7861320" y="1920240"/>
+            <a:ext cx="3457800" cy="2224440"/>
           </a:xfrm>
           <a:prstGeom prst="rect">
             <a:avLst/>
@@ -535,16 +543,16 @@
             <a:normAutofit/>
           </a:bodyPr>
           <a:p>
-            <a:endParaRPr b="0" lang="pt-BR" sz="2800" spc="-1" strike="noStrike">
-              <a:solidFill>
-                <a:srgbClr val="000000"/>
-              </a:solidFill>
-              <a:uFill>
-                <a:solidFill>
-                  <a:srgbClr val="ffffff"/>
-                </a:solidFill>
-              </a:uFill>
-              <a:latin typeface="Calibri"/>
+            <a:endParaRPr b="0" lang="pt-BR" sz="3200" spc="-1" strike="noStrike">
+              <a:solidFill>
+                <a:srgbClr val="000000"/>
+              </a:solidFill>
+              <a:uFill>
+                <a:solidFill>
+                  <a:srgbClr val="ffffff"/>
+                </a:solidFill>
+              </a:uFill>
+              <a:latin typeface="Source Sans Pro"/>
             </a:endParaRPr>
           </a:p>
         </p:txBody>
@@ -561,8 +569,8 @@
         </p:nvSpPr>
         <p:spPr>
           <a:xfrm>
-            <a:off x="7949160" y="4098240"/>
-            <a:ext cx="3385800" cy="2075040"/>
+            <a:off x="7861320" y="4356360"/>
+            <a:ext cx="3457800" cy="2224440"/>
           </a:xfrm>
           <a:prstGeom prst="rect">
             <a:avLst/>
@@ -573,16 +581,16 @@
             <a:normAutofit/>
           </a:bodyPr>
           <a:p>
-            <a:endParaRPr b="0" lang="pt-BR" sz="2800" spc="-1" strike="noStrike">
-              <a:solidFill>
-                <a:srgbClr val="000000"/>
-              </a:solidFill>
-              <a:uFill>
-                <a:solidFill>
-                  <a:srgbClr val="ffffff"/>
-                </a:solidFill>
-              </a:uFill>
-              <a:latin typeface="Calibri"/>
+            <a:endParaRPr b="0" lang="pt-BR" sz="3200" spc="-1" strike="noStrike">
+              <a:solidFill>
+                <a:srgbClr val="000000"/>
+              </a:solidFill>
+              <a:uFill>
+                <a:solidFill>
+                  <a:srgbClr val="ffffff"/>
+                </a:solidFill>
+              </a:uFill>
+              <a:latin typeface="Source Sans Pro"/>
             </a:endParaRPr>
           </a:p>
         </p:txBody>
@@ -599,8 +607,8 @@
         </p:nvSpPr>
         <p:spPr>
           <a:xfrm>
-            <a:off x="4393440" y="4098240"/>
-            <a:ext cx="3385800" cy="2075040"/>
+            <a:off x="4230000" y="4356360"/>
+            <a:ext cx="3457800" cy="2224440"/>
           </a:xfrm>
           <a:prstGeom prst="rect">
             <a:avLst/>
@@ -611,16 +619,16 @@
             <a:normAutofit/>
           </a:bodyPr>
           <a:p>
-            <a:endParaRPr b="0" lang="pt-BR" sz="2800" spc="-1" strike="noStrike">
-              <a:solidFill>
-                <a:srgbClr val="000000"/>
-              </a:solidFill>
-              <a:uFill>
-                <a:solidFill>
-                  <a:srgbClr val="ffffff"/>
-                </a:solidFill>
-              </a:uFill>
-              <a:latin typeface="Calibri"/>
+            <a:endParaRPr b="0" lang="pt-BR" sz="3200" spc="-1" strike="noStrike">
+              <a:solidFill>
+                <a:srgbClr val="000000"/>
+              </a:solidFill>
+              <a:uFill>
+                <a:solidFill>
+                  <a:srgbClr val="ffffff"/>
+                </a:solidFill>
+              </a:uFill>
+              <a:latin typeface="Source Sans Pro"/>
             </a:endParaRPr>
           </a:p>
         </p:txBody>
@@ -637,8 +645,8 @@
         </p:nvSpPr>
         <p:spPr>
           <a:xfrm>
-            <a:off x="838080" y="4098240"/>
-            <a:ext cx="3385800" cy="2075040"/>
+            <a:off x="599040" y="4356360"/>
+            <a:ext cx="3457800" cy="2224440"/>
           </a:xfrm>
           <a:prstGeom prst="rect">
             <a:avLst/>
@@ -649,16 +657,16 @@
             <a:normAutofit/>
           </a:bodyPr>
           <a:p>
-            <a:endParaRPr b="0" lang="pt-BR" sz="2800" spc="-1" strike="noStrike">
-              <a:solidFill>
-                <a:srgbClr val="000000"/>
-              </a:solidFill>
-              <a:uFill>
-                <a:solidFill>
-                  <a:srgbClr val="ffffff"/>
-                </a:solidFill>
-              </a:uFill>
-              <a:latin typeface="Calibri"/>
+            <a:endParaRPr b="0" lang="pt-BR" sz="3200" spc="-1" strike="noStrike">
+              <a:solidFill>
+                <a:srgbClr val="000000"/>
+              </a:solidFill>
+              <a:uFill>
+                <a:solidFill>
+                  <a:srgbClr val="ffffff"/>
+                </a:solidFill>
+              </a:uFill>
+              <a:latin typeface="Source Sans Pro"/>
             </a:endParaRPr>
           </a:p>
         </p:txBody>
@@ -719,8 +727,46 @@
         </p:nvSpPr>
         <p:spPr>
           <a:xfrm>
-            <a:off x="838080" y="365040"/>
-            <a:ext cx="10515240" cy="1325160"/>
+            <a:off x="599040" y="121320"/>
+            <a:ext cx="10798560" cy="1262160"/>
+          </a:xfrm>
+          <a:prstGeom prst="rect">
+            <a:avLst/>
+          </a:prstGeom>
+        </p:spPr>
+        <p:txBody>
+          <a:bodyPr lIns="0" rIns="0" tIns="0" bIns="0" anchor="b">
+            <a:normAutofit/>
+          </a:bodyPr>
+          <a:p>
+            <a:endParaRPr b="0" lang="pt-BR" sz="6000" spc="-1" strike="noStrike">
+              <a:solidFill>
+                <a:srgbClr val="ffffff"/>
+              </a:solidFill>
+              <a:uFill>
+                <a:solidFill>
+                  <a:srgbClr val="ffffff"/>
+                </a:solidFill>
+              </a:uFill>
+              <a:latin typeface="Source Sans Pro Light"/>
+            </a:endParaRPr>
+          </a:p>
+        </p:txBody>
+      </p:sp>
+      <p:sp>
+        <p:nvSpPr>
+          <p:cNvPr id="47" name="PlaceHolder 2"/>
+          <p:cNvSpPr>
+            <a:spLocks noGrp="1"/>
+          </p:cNvSpPr>
+          <p:nvPr>
+            <p:ph type="subTitle"/>
+          </p:nvPr>
+        </p:nvSpPr>
+        <p:spPr>
+          <a:xfrm>
+            <a:off x="599040" y="1920240"/>
+            <a:ext cx="10739520" cy="4663440"/>
           </a:xfrm>
           <a:prstGeom prst="rect">
             <a:avLst/>
@@ -729,53 +775,17 @@
         <p:txBody>
           <a:bodyPr lIns="0" rIns="0" tIns="0" bIns="0" anchor="ctr"/>
           <a:p>
-            <a:endParaRPr b="0" lang="pt-BR" sz="1800" spc="-1" strike="noStrike">
-              <a:solidFill>
-                <a:srgbClr val="000000"/>
-              </a:solidFill>
-              <a:uFill>
-                <a:solidFill>
-                  <a:srgbClr val="ffffff"/>
-                </a:solidFill>
-              </a:uFill>
-              <a:latin typeface="Calibri"/>
-            </a:endParaRPr>
-          </a:p>
-        </p:txBody>
-      </p:sp>
-      <p:sp>
-        <p:nvSpPr>
-          <p:cNvPr id="47" name="PlaceHolder 2"/>
-          <p:cNvSpPr>
-            <a:spLocks noGrp="1"/>
-          </p:cNvSpPr>
-          <p:nvPr>
-            <p:ph type="subTitle"/>
-          </p:nvPr>
-        </p:nvSpPr>
-        <p:spPr>
-          <a:xfrm>
-            <a:off x="838080" y="1825560"/>
-            <a:ext cx="10515240" cy="4350960"/>
-          </a:xfrm>
-          <a:prstGeom prst="rect">
-            <a:avLst/>
-          </a:prstGeom>
-        </p:spPr>
-        <p:txBody>
-          <a:bodyPr lIns="0" rIns="0" tIns="0" bIns="0" anchor="ctr"/>
-          <a:p>
             <a:pPr algn="ctr"/>
-            <a:endParaRPr b="0" lang="pt-BR" sz="3200" spc="-1" strike="noStrike">
-              <a:solidFill>
-                <a:srgbClr val="000000"/>
-              </a:solidFill>
-              <a:uFill>
-                <a:solidFill>
-                  <a:srgbClr val="ffffff"/>
-                </a:solidFill>
-              </a:uFill>
-              <a:latin typeface="Arial"/>
+            <a:endParaRPr b="1" lang="pt-BR" sz="3200" spc="-1" strike="noStrike">
+              <a:solidFill>
+                <a:srgbClr val="04617b"/>
+              </a:solidFill>
+              <a:uFill>
+                <a:solidFill>
+                  <a:srgbClr val="ffffff"/>
+                </a:solidFill>
+              </a:uFill>
+              <a:latin typeface="Source Sans Pro"/>
             </a:endParaRPr>
           </a:p>
         </p:txBody>
@@ -814,26 +824,28 @@
         </p:nvSpPr>
         <p:spPr>
           <a:xfrm>
-            <a:off x="838080" y="365040"/>
-            <a:ext cx="10515240" cy="1325160"/>
-          </a:xfrm>
-          <a:prstGeom prst="rect">
-            <a:avLst/>
-          </a:prstGeom>
-        </p:spPr>
-        <p:txBody>
-          <a:bodyPr lIns="0" rIns="0" tIns="0" bIns="0" anchor="ctr"/>
-          <a:p>
-            <a:endParaRPr b="0" lang="pt-BR" sz="1800" spc="-1" strike="noStrike">
-              <a:solidFill>
-                <a:srgbClr val="000000"/>
-              </a:solidFill>
-              <a:uFill>
-                <a:solidFill>
-                  <a:srgbClr val="ffffff"/>
-                </a:solidFill>
-              </a:uFill>
-              <a:latin typeface="Calibri"/>
+            <a:off x="599040" y="121320"/>
+            <a:ext cx="10798560" cy="1262160"/>
+          </a:xfrm>
+          <a:prstGeom prst="rect">
+            <a:avLst/>
+          </a:prstGeom>
+        </p:spPr>
+        <p:txBody>
+          <a:bodyPr lIns="0" rIns="0" tIns="0" bIns="0" anchor="b">
+            <a:normAutofit/>
+          </a:bodyPr>
+          <a:p>
+            <a:endParaRPr b="0" lang="pt-BR" sz="6000" spc="-1" strike="noStrike">
+              <a:solidFill>
+                <a:srgbClr val="ffffff"/>
+              </a:solidFill>
+              <a:uFill>
+                <a:solidFill>
+                  <a:srgbClr val="ffffff"/>
+                </a:solidFill>
+              </a:uFill>
+              <a:latin typeface="Source Sans Pro Light"/>
             </a:endParaRPr>
           </a:p>
         </p:txBody>
@@ -850,8 +862,8 @@
         </p:nvSpPr>
         <p:spPr>
           <a:xfrm>
-            <a:off x="838080" y="1825560"/>
-            <a:ext cx="10515240" cy="4350960"/>
+            <a:off x="599040" y="1920240"/>
+            <a:ext cx="10739520" cy="4663440"/>
           </a:xfrm>
           <a:prstGeom prst="rect">
             <a:avLst/>
@@ -862,16 +874,16 @@
             <a:normAutofit/>
           </a:bodyPr>
           <a:p>
-            <a:endParaRPr b="0" lang="pt-BR" sz="2800" spc="-1" strike="noStrike">
-              <a:solidFill>
-                <a:srgbClr val="000000"/>
-              </a:solidFill>
-              <a:uFill>
-                <a:solidFill>
-                  <a:srgbClr val="ffffff"/>
-                </a:solidFill>
-              </a:uFill>
-              <a:latin typeface="Calibri"/>
+            <a:endParaRPr b="0" lang="pt-BR" sz="3200" spc="-1" strike="noStrike">
+              <a:solidFill>
+                <a:srgbClr val="000000"/>
+              </a:solidFill>
+              <a:uFill>
+                <a:solidFill>
+                  <a:srgbClr val="ffffff"/>
+                </a:solidFill>
+              </a:uFill>
+              <a:latin typeface="Source Sans Pro"/>
             </a:endParaRPr>
           </a:p>
         </p:txBody>
@@ -910,26 +922,28 @@
         </p:nvSpPr>
         <p:spPr>
           <a:xfrm>
-            <a:off x="838080" y="365040"/>
-            <a:ext cx="10515240" cy="1325160"/>
-          </a:xfrm>
-          <a:prstGeom prst="rect">
-            <a:avLst/>
-          </a:prstGeom>
-        </p:spPr>
-        <p:txBody>
-          <a:bodyPr lIns="0" rIns="0" tIns="0" bIns="0" anchor="ctr"/>
-          <a:p>
-            <a:endParaRPr b="0" lang="pt-BR" sz="1800" spc="-1" strike="noStrike">
-              <a:solidFill>
-                <a:srgbClr val="000000"/>
-              </a:solidFill>
-              <a:uFill>
-                <a:solidFill>
-                  <a:srgbClr val="ffffff"/>
-                </a:solidFill>
-              </a:uFill>
-              <a:latin typeface="Calibri"/>
+            <a:off x="599040" y="121320"/>
+            <a:ext cx="10798560" cy="1262160"/>
+          </a:xfrm>
+          <a:prstGeom prst="rect">
+            <a:avLst/>
+          </a:prstGeom>
+        </p:spPr>
+        <p:txBody>
+          <a:bodyPr lIns="0" rIns="0" tIns="0" bIns="0" anchor="b">
+            <a:normAutofit/>
+          </a:bodyPr>
+          <a:p>
+            <a:endParaRPr b="0" lang="pt-BR" sz="6000" spc="-1" strike="noStrike">
+              <a:solidFill>
+                <a:srgbClr val="ffffff"/>
+              </a:solidFill>
+              <a:uFill>
+                <a:solidFill>
+                  <a:srgbClr val="ffffff"/>
+                </a:solidFill>
+              </a:uFill>
+              <a:latin typeface="Source Sans Pro Light"/>
             </a:endParaRPr>
           </a:p>
         </p:txBody>
@@ -946,8 +960,8 @@
         </p:nvSpPr>
         <p:spPr>
           <a:xfrm>
-            <a:off x="838080" y="1825560"/>
-            <a:ext cx="5131080" cy="4350960"/>
+            <a:off x="599040" y="1920240"/>
+            <a:ext cx="5240880" cy="4663440"/>
           </a:xfrm>
           <a:prstGeom prst="rect">
             <a:avLst/>
@@ -958,16 +972,16 @@
             <a:normAutofit/>
           </a:bodyPr>
           <a:p>
-            <a:endParaRPr b="0" lang="pt-BR" sz="2800" spc="-1" strike="noStrike">
-              <a:solidFill>
-                <a:srgbClr val="000000"/>
-              </a:solidFill>
-              <a:uFill>
-                <a:solidFill>
-                  <a:srgbClr val="ffffff"/>
-                </a:solidFill>
-              </a:uFill>
-              <a:latin typeface="Calibri"/>
+            <a:endParaRPr b="0" lang="pt-BR" sz="3200" spc="-1" strike="noStrike">
+              <a:solidFill>
+                <a:srgbClr val="000000"/>
+              </a:solidFill>
+              <a:uFill>
+                <a:solidFill>
+                  <a:srgbClr val="ffffff"/>
+                </a:solidFill>
+              </a:uFill>
+              <a:latin typeface="Source Sans Pro"/>
             </a:endParaRPr>
           </a:p>
         </p:txBody>
@@ -984,8 +998,8 @@
         </p:nvSpPr>
         <p:spPr>
           <a:xfrm>
-            <a:off x="6226200" y="1825560"/>
-            <a:ext cx="5131080" cy="4350960"/>
+            <a:off x="6102360" y="1920240"/>
+            <a:ext cx="5240880" cy="4663440"/>
           </a:xfrm>
           <a:prstGeom prst="rect">
             <a:avLst/>
@@ -996,16 +1010,16 @@
             <a:normAutofit/>
           </a:bodyPr>
           <a:p>
-            <a:endParaRPr b="0" lang="pt-BR" sz="2800" spc="-1" strike="noStrike">
-              <a:solidFill>
-                <a:srgbClr val="000000"/>
-              </a:solidFill>
-              <a:uFill>
-                <a:solidFill>
-                  <a:srgbClr val="ffffff"/>
-                </a:solidFill>
-              </a:uFill>
-              <a:latin typeface="Calibri"/>
+            <a:endParaRPr b="0" lang="pt-BR" sz="3200" spc="-1" strike="noStrike">
+              <a:solidFill>
+                <a:srgbClr val="000000"/>
+              </a:solidFill>
+              <a:uFill>
+                <a:solidFill>
+                  <a:srgbClr val="ffffff"/>
+                </a:solidFill>
+              </a:uFill>
+              <a:latin typeface="Source Sans Pro"/>
             </a:endParaRPr>
           </a:p>
         </p:txBody>
@@ -1044,26 +1058,28 @@
         </p:nvSpPr>
         <p:spPr>
           <a:xfrm>
-            <a:off x="838080" y="365040"/>
-            <a:ext cx="10515240" cy="1325160"/>
-          </a:xfrm>
-          <a:prstGeom prst="rect">
-            <a:avLst/>
-          </a:prstGeom>
-        </p:spPr>
-        <p:txBody>
-          <a:bodyPr lIns="0" rIns="0" tIns="0" bIns="0" anchor="ctr"/>
-          <a:p>
-            <a:endParaRPr b="0" lang="pt-BR" sz="1800" spc="-1" strike="noStrike">
-              <a:solidFill>
-                <a:srgbClr val="000000"/>
-              </a:solidFill>
-              <a:uFill>
-                <a:solidFill>
-                  <a:srgbClr val="ffffff"/>
-                </a:solidFill>
-              </a:uFill>
-              <a:latin typeface="Calibri"/>
+            <a:off x="599040" y="121320"/>
+            <a:ext cx="10798560" cy="1262160"/>
+          </a:xfrm>
+          <a:prstGeom prst="rect">
+            <a:avLst/>
+          </a:prstGeom>
+        </p:spPr>
+        <p:txBody>
+          <a:bodyPr lIns="0" rIns="0" tIns="0" bIns="0" anchor="b">
+            <a:normAutofit/>
+          </a:bodyPr>
+          <a:p>
+            <a:endParaRPr b="0" lang="pt-BR" sz="6000" spc="-1" strike="noStrike">
+              <a:solidFill>
+                <a:srgbClr val="ffffff"/>
+              </a:solidFill>
+              <a:uFill>
+                <a:solidFill>
+                  <a:srgbClr val="ffffff"/>
+                </a:solidFill>
+              </a:uFill>
+              <a:latin typeface="Source Sans Pro Light"/>
             </a:endParaRPr>
           </a:p>
         </p:txBody>
@@ -1102,8 +1118,8 @@
         </p:nvSpPr>
         <p:spPr>
           <a:xfrm>
-            <a:off x="838080" y="365040"/>
-            <a:ext cx="10515240" cy="6144120"/>
+            <a:off x="599040" y="121320"/>
+            <a:ext cx="10798560" cy="5851800"/>
           </a:xfrm>
           <a:prstGeom prst="rect">
             <a:avLst/>
@@ -1113,16 +1129,16 @@
           <a:bodyPr lIns="0" rIns="0" tIns="0" bIns="0" anchor="ctr"/>
           <a:p>
             <a:pPr algn="ctr"/>
-            <a:endParaRPr b="0" lang="pt-BR" sz="3200" spc="-1" strike="noStrike">
-              <a:solidFill>
-                <a:srgbClr val="000000"/>
-              </a:solidFill>
-              <a:uFill>
-                <a:solidFill>
-                  <a:srgbClr val="ffffff"/>
-                </a:solidFill>
-              </a:uFill>
-              <a:latin typeface="Arial"/>
+            <a:endParaRPr b="1" lang="pt-BR" sz="3200" spc="-1" strike="noStrike">
+              <a:solidFill>
+                <a:srgbClr val="04617b"/>
+              </a:solidFill>
+              <a:uFill>
+                <a:solidFill>
+                  <a:srgbClr val="ffffff"/>
+                </a:solidFill>
+              </a:uFill>
+              <a:latin typeface="Source Sans Pro"/>
             </a:endParaRPr>
           </a:p>
         </p:txBody>
@@ -1161,26 +1177,28 @@
         </p:nvSpPr>
         <p:spPr>
           <a:xfrm>
-            <a:off x="838080" y="365040"/>
-            <a:ext cx="10515240" cy="1325160"/>
-          </a:xfrm>
-          <a:prstGeom prst="rect">
-            <a:avLst/>
-          </a:prstGeom>
-        </p:spPr>
-        <p:txBody>
-          <a:bodyPr lIns="0" rIns="0" tIns="0" bIns="0" anchor="ctr"/>
-          <a:p>
-            <a:endParaRPr b="0" lang="pt-BR" sz="1800" spc="-1" strike="noStrike">
-              <a:solidFill>
-                <a:srgbClr val="000000"/>
-              </a:solidFill>
-              <a:uFill>
-                <a:solidFill>
-                  <a:srgbClr val="ffffff"/>
-                </a:solidFill>
-              </a:uFill>
-              <a:latin typeface="Calibri"/>
+            <a:off x="599040" y="121320"/>
+            <a:ext cx="10798560" cy="1262160"/>
+          </a:xfrm>
+          <a:prstGeom prst="rect">
+            <a:avLst/>
+          </a:prstGeom>
+        </p:spPr>
+        <p:txBody>
+          <a:bodyPr lIns="0" rIns="0" tIns="0" bIns="0" anchor="b">
+            <a:normAutofit/>
+          </a:bodyPr>
+          <a:p>
+            <a:endParaRPr b="0" lang="pt-BR" sz="6000" spc="-1" strike="noStrike">
+              <a:solidFill>
+                <a:srgbClr val="ffffff"/>
+              </a:solidFill>
+              <a:uFill>
+                <a:solidFill>
+                  <a:srgbClr val="ffffff"/>
+                </a:solidFill>
+              </a:uFill>
+              <a:latin typeface="Source Sans Pro Light"/>
             </a:endParaRPr>
           </a:p>
         </p:txBody>
@@ -1197,8 +1215,8 @@
         </p:nvSpPr>
         <p:spPr>
           <a:xfrm>
-            <a:off x="838080" y="1825560"/>
-            <a:ext cx="5131080" cy="2075040"/>
+            <a:off x="599040" y="1920240"/>
+            <a:ext cx="5240880" cy="2224440"/>
           </a:xfrm>
           <a:prstGeom prst="rect">
             <a:avLst/>
@@ -1209,16 +1227,16 @@
             <a:normAutofit/>
           </a:bodyPr>
           <a:p>
-            <a:endParaRPr b="0" lang="pt-BR" sz="2800" spc="-1" strike="noStrike">
-              <a:solidFill>
-                <a:srgbClr val="000000"/>
-              </a:solidFill>
-              <a:uFill>
-                <a:solidFill>
-                  <a:srgbClr val="ffffff"/>
-                </a:solidFill>
-              </a:uFill>
-              <a:latin typeface="Calibri"/>
+            <a:endParaRPr b="0" lang="pt-BR" sz="3200" spc="-1" strike="noStrike">
+              <a:solidFill>
+                <a:srgbClr val="000000"/>
+              </a:solidFill>
+              <a:uFill>
+                <a:solidFill>
+                  <a:srgbClr val="ffffff"/>
+                </a:solidFill>
+              </a:uFill>
+              <a:latin typeface="Source Sans Pro"/>
             </a:endParaRPr>
           </a:p>
         </p:txBody>
@@ -1235,8 +1253,8 @@
         </p:nvSpPr>
         <p:spPr>
           <a:xfrm>
-            <a:off x="838080" y="4098240"/>
-            <a:ext cx="5131080" cy="2075040"/>
+            <a:off x="599040" y="4356360"/>
+            <a:ext cx="5240880" cy="2224440"/>
           </a:xfrm>
           <a:prstGeom prst="rect">
             <a:avLst/>
@@ -1247,16 +1265,16 @@
             <a:normAutofit/>
           </a:bodyPr>
           <a:p>
-            <a:endParaRPr b="0" lang="pt-BR" sz="2800" spc="-1" strike="noStrike">
-              <a:solidFill>
-                <a:srgbClr val="000000"/>
-              </a:solidFill>
-              <a:uFill>
-                <a:solidFill>
-                  <a:srgbClr val="ffffff"/>
-                </a:solidFill>
-              </a:uFill>
-              <a:latin typeface="Calibri"/>
+            <a:endParaRPr b="0" lang="pt-BR" sz="3200" spc="-1" strike="noStrike">
+              <a:solidFill>
+                <a:srgbClr val="000000"/>
+              </a:solidFill>
+              <a:uFill>
+                <a:solidFill>
+                  <a:srgbClr val="ffffff"/>
+                </a:solidFill>
+              </a:uFill>
+              <a:latin typeface="Source Sans Pro"/>
             </a:endParaRPr>
           </a:p>
         </p:txBody>
@@ -1273,8 +1291,8 @@
         </p:nvSpPr>
         <p:spPr>
           <a:xfrm>
-            <a:off x="6226200" y="1825560"/>
-            <a:ext cx="5131080" cy="4350960"/>
+            <a:off x="6102360" y="1920240"/>
+            <a:ext cx="5240880" cy="4663440"/>
           </a:xfrm>
           <a:prstGeom prst="rect">
             <a:avLst/>
@@ -1285,16 +1303,16 @@
             <a:normAutofit/>
           </a:bodyPr>
           <a:p>
-            <a:endParaRPr b="0" lang="pt-BR" sz="2800" spc="-1" strike="noStrike">
-              <a:solidFill>
-                <a:srgbClr val="000000"/>
-              </a:solidFill>
-              <a:uFill>
-                <a:solidFill>
-                  <a:srgbClr val="ffffff"/>
-                </a:solidFill>
-              </a:uFill>
-              <a:latin typeface="Calibri"/>
+            <a:endParaRPr b="0" lang="pt-BR" sz="3200" spc="-1" strike="noStrike">
+              <a:solidFill>
+                <a:srgbClr val="000000"/>
+              </a:solidFill>
+              <a:uFill>
+                <a:solidFill>
+                  <a:srgbClr val="ffffff"/>
+                </a:solidFill>
+              </a:uFill>
+              <a:latin typeface="Source Sans Pro"/>
             </a:endParaRPr>
           </a:p>
         </p:txBody>
@@ -1333,8 +1351,46 @@
         </p:nvSpPr>
         <p:spPr>
           <a:xfrm>
-            <a:off x="838080" y="365040"/>
-            <a:ext cx="10515240" cy="1325160"/>
+            <a:off x="599040" y="121320"/>
+            <a:ext cx="10798560" cy="1262160"/>
+          </a:xfrm>
+          <a:prstGeom prst="rect">
+            <a:avLst/>
+          </a:prstGeom>
+        </p:spPr>
+        <p:txBody>
+          <a:bodyPr lIns="0" rIns="0" tIns="0" bIns="0" anchor="b">
+            <a:normAutofit/>
+          </a:bodyPr>
+          <a:p>
+            <a:endParaRPr b="0" lang="pt-BR" sz="6000" spc="-1" strike="noStrike">
+              <a:solidFill>
+                <a:srgbClr val="ffffff"/>
+              </a:solidFill>
+              <a:uFill>
+                <a:solidFill>
+                  <a:srgbClr val="ffffff"/>
+                </a:solidFill>
+              </a:uFill>
+              <a:latin typeface="Source Sans Pro Light"/>
+            </a:endParaRPr>
+          </a:p>
+        </p:txBody>
+      </p:sp>
+      <p:sp>
+        <p:nvSpPr>
+          <p:cNvPr id="6" name="PlaceHolder 2"/>
+          <p:cNvSpPr>
+            <a:spLocks noGrp="1"/>
+          </p:cNvSpPr>
+          <p:nvPr>
+            <p:ph type="subTitle"/>
+          </p:nvPr>
+        </p:nvSpPr>
+        <p:spPr>
+          <a:xfrm>
+            <a:off x="599040" y="1920240"/>
+            <a:ext cx="10739520" cy="4663440"/>
           </a:xfrm>
           <a:prstGeom prst="rect">
             <a:avLst/>
@@ -1343,53 +1399,17 @@
         <p:txBody>
           <a:bodyPr lIns="0" rIns="0" tIns="0" bIns="0" anchor="ctr"/>
           <a:p>
-            <a:endParaRPr b="0" lang="pt-BR" sz="1800" spc="-1" strike="noStrike">
-              <a:solidFill>
-                <a:srgbClr val="000000"/>
-              </a:solidFill>
-              <a:uFill>
-                <a:solidFill>
-                  <a:srgbClr val="ffffff"/>
-                </a:solidFill>
-              </a:uFill>
-              <a:latin typeface="Calibri"/>
-            </a:endParaRPr>
-          </a:p>
-        </p:txBody>
-      </p:sp>
-      <p:sp>
-        <p:nvSpPr>
-          <p:cNvPr id="6" name="PlaceHolder 2"/>
-          <p:cNvSpPr>
-            <a:spLocks noGrp="1"/>
-          </p:cNvSpPr>
-          <p:nvPr>
-            <p:ph type="subTitle"/>
-          </p:nvPr>
-        </p:nvSpPr>
-        <p:spPr>
-          <a:xfrm>
-            <a:off x="838080" y="1825560"/>
-            <a:ext cx="10515240" cy="4350960"/>
-          </a:xfrm>
-          <a:prstGeom prst="rect">
-            <a:avLst/>
-          </a:prstGeom>
-        </p:spPr>
-        <p:txBody>
-          <a:bodyPr lIns="0" rIns="0" tIns="0" bIns="0" anchor="ctr"/>
-          <a:p>
             <a:pPr algn="ctr"/>
-            <a:endParaRPr b="0" lang="pt-BR" sz="3200" spc="-1" strike="noStrike">
-              <a:solidFill>
-                <a:srgbClr val="000000"/>
-              </a:solidFill>
-              <a:uFill>
-                <a:solidFill>
-                  <a:srgbClr val="ffffff"/>
-                </a:solidFill>
-              </a:uFill>
-              <a:latin typeface="Arial"/>
+            <a:endParaRPr b="1" lang="pt-BR" sz="3200" spc="-1" strike="noStrike">
+              <a:solidFill>
+                <a:srgbClr val="04617b"/>
+              </a:solidFill>
+              <a:uFill>
+                <a:solidFill>
+                  <a:srgbClr val="ffffff"/>
+                </a:solidFill>
+              </a:uFill>
+              <a:latin typeface="Source Sans Pro"/>
             </a:endParaRPr>
           </a:p>
         </p:txBody>
@@ -1428,26 +1448,28 @@
         </p:nvSpPr>
         <p:spPr>
           <a:xfrm>
-            <a:off x="838080" y="365040"/>
-            <a:ext cx="10515240" cy="1325160"/>
-          </a:xfrm>
-          <a:prstGeom prst="rect">
-            <a:avLst/>
-          </a:prstGeom>
-        </p:spPr>
-        <p:txBody>
-          <a:bodyPr lIns="0" rIns="0" tIns="0" bIns="0" anchor="ctr"/>
-          <a:p>
-            <a:endParaRPr b="0" lang="pt-BR" sz="1800" spc="-1" strike="noStrike">
-              <a:solidFill>
-                <a:srgbClr val="000000"/>
-              </a:solidFill>
-              <a:uFill>
-                <a:solidFill>
-                  <a:srgbClr val="ffffff"/>
-                </a:solidFill>
-              </a:uFill>
-              <a:latin typeface="Calibri"/>
+            <a:off x="599040" y="121320"/>
+            <a:ext cx="10798560" cy="1262160"/>
+          </a:xfrm>
+          <a:prstGeom prst="rect">
+            <a:avLst/>
+          </a:prstGeom>
+        </p:spPr>
+        <p:txBody>
+          <a:bodyPr lIns="0" rIns="0" tIns="0" bIns="0" anchor="b">
+            <a:normAutofit/>
+          </a:bodyPr>
+          <a:p>
+            <a:endParaRPr b="0" lang="pt-BR" sz="6000" spc="-1" strike="noStrike">
+              <a:solidFill>
+                <a:srgbClr val="ffffff"/>
+              </a:solidFill>
+              <a:uFill>
+                <a:solidFill>
+                  <a:srgbClr val="ffffff"/>
+                </a:solidFill>
+              </a:uFill>
+              <a:latin typeface="Source Sans Pro Light"/>
             </a:endParaRPr>
           </a:p>
         </p:txBody>
@@ -1464,8 +1486,8 @@
         </p:nvSpPr>
         <p:spPr>
           <a:xfrm>
-            <a:off x="838080" y="1825560"/>
-            <a:ext cx="5131080" cy="4350960"/>
+            <a:off x="599040" y="1920240"/>
+            <a:ext cx="5240880" cy="4663440"/>
           </a:xfrm>
           <a:prstGeom prst="rect">
             <a:avLst/>
@@ -1476,16 +1498,16 @@
             <a:normAutofit/>
           </a:bodyPr>
           <a:p>
-            <a:endParaRPr b="0" lang="pt-BR" sz="2800" spc="-1" strike="noStrike">
-              <a:solidFill>
-                <a:srgbClr val="000000"/>
-              </a:solidFill>
-              <a:uFill>
-                <a:solidFill>
-                  <a:srgbClr val="ffffff"/>
-                </a:solidFill>
-              </a:uFill>
-              <a:latin typeface="Calibri"/>
+            <a:endParaRPr b="0" lang="pt-BR" sz="3200" spc="-1" strike="noStrike">
+              <a:solidFill>
+                <a:srgbClr val="000000"/>
+              </a:solidFill>
+              <a:uFill>
+                <a:solidFill>
+                  <a:srgbClr val="ffffff"/>
+                </a:solidFill>
+              </a:uFill>
+              <a:latin typeface="Source Sans Pro"/>
             </a:endParaRPr>
           </a:p>
         </p:txBody>
@@ -1502,8 +1524,8 @@
         </p:nvSpPr>
         <p:spPr>
           <a:xfrm>
-            <a:off x="6226200" y="1825560"/>
-            <a:ext cx="5131080" cy="2075040"/>
+            <a:off x="6102360" y="1920240"/>
+            <a:ext cx="5240880" cy="2224440"/>
           </a:xfrm>
           <a:prstGeom prst="rect">
             <a:avLst/>
@@ -1514,16 +1536,16 @@
             <a:normAutofit/>
           </a:bodyPr>
           <a:p>
-            <a:endParaRPr b="0" lang="pt-BR" sz="2800" spc="-1" strike="noStrike">
-              <a:solidFill>
-                <a:srgbClr val="000000"/>
-              </a:solidFill>
-              <a:uFill>
-                <a:solidFill>
-                  <a:srgbClr val="ffffff"/>
-                </a:solidFill>
-              </a:uFill>
-              <a:latin typeface="Calibri"/>
+            <a:endParaRPr b="0" lang="pt-BR" sz="3200" spc="-1" strike="noStrike">
+              <a:solidFill>
+                <a:srgbClr val="000000"/>
+              </a:solidFill>
+              <a:uFill>
+                <a:solidFill>
+                  <a:srgbClr val="ffffff"/>
+                </a:solidFill>
+              </a:uFill>
+              <a:latin typeface="Source Sans Pro"/>
             </a:endParaRPr>
           </a:p>
         </p:txBody>
@@ -1540,8 +1562,8 @@
         </p:nvSpPr>
         <p:spPr>
           <a:xfrm>
-            <a:off x="6226200" y="4098240"/>
-            <a:ext cx="5131080" cy="2075040"/>
+            <a:off x="6102360" y="4356360"/>
+            <a:ext cx="5240880" cy="2224440"/>
           </a:xfrm>
           <a:prstGeom prst="rect">
             <a:avLst/>
@@ -1552,16 +1574,16 @@
             <a:normAutofit/>
           </a:bodyPr>
           <a:p>
-            <a:endParaRPr b="0" lang="pt-BR" sz="2800" spc="-1" strike="noStrike">
-              <a:solidFill>
-                <a:srgbClr val="000000"/>
-              </a:solidFill>
-              <a:uFill>
-                <a:solidFill>
-                  <a:srgbClr val="ffffff"/>
-                </a:solidFill>
-              </a:uFill>
-              <a:latin typeface="Calibri"/>
+            <a:endParaRPr b="0" lang="pt-BR" sz="3200" spc="-1" strike="noStrike">
+              <a:solidFill>
+                <a:srgbClr val="000000"/>
+              </a:solidFill>
+              <a:uFill>
+                <a:solidFill>
+                  <a:srgbClr val="ffffff"/>
+                </a:solidFill>
+              </a:uFill>
+              <a:latin typeface="Source Sans Pro"/>
             </a:endParaRPr>
           </a:p>
         </p:txBody>
@@ -1600,26 +1622,28 @@
         </p:nvSpPr>
         <p:spPr>
           <a:xfrm>
-            <a:off x="838080" y="365040"/>
-            <a:ext cx="10515240" cy="1325160"/>
-          </a:xfrm>
-          <a:prstGeom prst="rect">
-            <a:avLst/>
-          </a:prstGeom>
-        </p:spPr>
-        <p:txBody>
-          <a:bodyPr lIns="0" rIns="0" tIns="0" bIns="0" anchor="ctr"/>
-          <a:p>
-            <a:endParaRPr b="0" lang="pt-BR" sz="1800" spc="-1" strike="noStrike">
-              <a:solidFill>
-                <a:srgbClr val="000000"/>
-              </a:solidFill>
-              <a:uFill>
-                <a:solidFill>
-                  <a:srgbClr val="ffffff"/>
-                </a:solidFill>
-              </a:uFill>
-              <a:latin typeface="Calibri"/>
+            <a:off x="599040" y="121320"/>
+            <a:ext cx="10798560" cy="1262160"/>
+          </a:xfrm>
+          <a:prstGeom prst="rect">
+            <a:avLst/>
+          </a:prstGeom>
+        </p:spPr>
+        <p:txBody>
+          <a:bodyPr lIns="0" rIns="0" tIns="0" bIns="0" anchor="b">
+            <a:normAutofit/>
+          </a:bodyPr>
+          <a:p>
+            <a:endParaRPr b="0" lang="pt-BR" sz="6000" spc="-1" strike="noStrike">
+              <a:solidFill>
+                <a:srgbClr val="ffffff"/>
+              </a:solidFill>
+              <a:uFill>
+                <a:solidFill>
+                  <a:srgbClr val="ffffff"/>
+                </a:solidFill>
+              </a:uFill>
+              <a:latin typeface="Source Sans Pro Light"/>
             </a:endParaRPr>
           </a:p>
         </p:txBody>
@@ -1636,8 +1660,8 @@
         </p:nvSpPr>
         <p:spPr>
           <a:xfrm>
-            <a:off x="838080" y="1825560"/>
-            <a:ext cx="5131080" cy="2075040"/>
+            <a:off x="599040" y="1920240"/>
+            <a:ext cx="5240880" cy="2224440"/>
           </a:xfrm>
           <a:prstGeom prst="rect">
             <a:avLst/>
@@ -1648,16 +1672,16 @@
             <a:normAutofit/>
           </a:bodyPr>
           <a:p>
-            <a:endParaRPr b="0" lang="pt-BR" sz="2800" spc="-1" strike="noStrike">
-              <a:solidFill>
-                <a:srgbClr val="000000"/>
-              </a:solidFill>
-              <a:uFill>
-                <a:solidFill>
-                  <a:srgbClr val="ffffff"/>
-                </a:solidFill>
-              </a:uFill>
-              <a:latin typeface="Calibri"/>
+            <a:endParaRPr b="0" lang="pt-BR" sz="3200" spc="-1" strike="noStrike">
+              <a:solidFill>
+                <a:srgbClr val="000000"/>
+              </a:solidFill>
+              <a:uFill>
+                <a:solidFill>
+                  <a:srgbClr val="ffffff"/>
+                </a:solidFill>
+              </a:uFill>
+              <a:latin typeface="Source Sans Pro"/>
             </a:endParaRPr>
           </a:p>
         </p:txBody>
@@ -1674,8 +1698,8 @@
         </p:nvSpPr>
         <p:spPr>
           <a:xfrm>
-            <a:off x="6226200" y="1825560"/>
-            <a:ext cx="5131080" cy="2075040"/>
+            <a:off x="6102360" y="1920240"/>
+            <a:ext cx="5240880" cy="2224440"/>
           </a:xfrm>
           <a:prstGeom prst="rect">
             <a:avLst/>
@@ -1686,16 +1710,16 @@
             <a:normAutofit/>
           </a:bodyPr>
           <a:p>
-            <a:endParaRPr b="0" lang="pt-BR" sz="2800" spc="-1" strike="noStrike">
-              <a:solidFill>
-                <a:srgbClr val="000000"/>
-              </a:solidFill>
-              <a:uFill>
-                <a:solidFill>
-                  <a:srgbClr val="ffffff"/>
-                </a:solidFill>
-              </a:uFill>
-              <a:latin typeface="Calibri"/>
+            <a:endParaRPr b="0" lang="pt-BR" sz="3200" spc="-1" strike="noStrike">
+              <a:solidFill>
+                <a:srgbClr val="000000"/>
+              </a:solidFill>
+              <a:uFill>
+                <a:solidFill>
+                  <a:srgbClr val="ffffff"/>
+                </a:solidFill>
+              </a:uFill>
+              <a:latin typeface="Source Sans Pro"/>
             </a:endParaRPr>
           </a:p>
         </p:txBody>
@@ -1712,8 +1736,8 @@
         </p:nvSpPr>
         <p:spPr>
           <a:xfrm>
-            <a:off x="838080" y="4098240"/>
-            <a:ext cx="10515240" cy="2075040"/>
+            <a:off x="599040" y="4356360"/>
+            <a:ext cx="10739520" cy="2224440"/>
           </a:xfrm>
           <a:prstGeom prst="rect">
             <a:avLst/>
@@ -1724,16 +1748,16 @@
             <a:normAutofit/>
           </a:bodyPr>
           <a:p>
-            <a:endParaRPr b="0" lang="pt-BR" sz="2800" spc="-1" strike="noStrike">
-              <a:solidFill>
-                <a:srgbClr val="000000"/>
-              </a:solidFill>
-              <a:uFill>
-                <a:solidFill>
-                  <a:srgbClr val="ffffff"/>
-                </a:solidFill>
-              </a:uFill>
-              <a:latin typeface="Calibri"/>
+            <a:endParaRPr b="0" lang="pt-BR" sz="3200" spc="-1" strike="noStrike">
+              <a:solidFill>
+                <a:srgbClr val="000000"/>
+              </a:solidFill>
+              <a:uFill>
+                <a:solidFill>
+                  <a:srgbClr val="ffffff"/>
+                </a:solidFill>
+              </a:uFill>
+              <a:latin typeface="Source Sans Pro"/>
             </a:endParaRPr>
           </a:p>
         </p:txBody>
@@ -1772,26 +1796,28 @@
         </p:nvSpPr>
         <p:spPr>
           <a:xfrm>
-            <a:off x="838080" y="365040"/>
-            <a:ext cx="10515240" cy="1325160"/>
-          </a:xfrm>
-          <a:prstGeom prst="rect">
-            <a:avLst/>
-          </a:prstGeom>
-        </p:spPr>
-        <p:txBody>
-          <a:bodyPr lIns="0" rIns="0" tIns="0" bIns="0" anchor="ctr"/>
-          <a:p>
-            <a:endParaRPr b="0" lang="pt-BR" sz="1800" spc="-1" strike="noStrike">
-              <a:solidFill>
-                <a:srgbClr val="000000"/>
-              </a:solidFill>
-              <a:uFill>
-                <a:solidFill>
-                  <a:srgbClr val="ffffff"/>
-                </a:solidFill>
-              </a:uFill>
-              <a:latin typeface="Calibri"/>
+            <a:off x="599040" y="121320"/>
+            <a:ext cx="10798560" cy="1262160"/>
+          </a:xfrm>
+          <a:prstGeom prst="rect">
+            <a:avLst/>
+          </a:prstGeom>
+        </p:spPr>
+        <p:txBody>
+          <a:bodyPr lIns="0" rIns="0" tIns="0" bIns="0" anchor="b">
+            <a:normAutofit/>
+          </a:bodyPr>
+          <a:p>
+            <a:endParaRPr b="0" lang="pt-BR" sz="6000" spc="-1" strike="noStrike">
+              <a:solidFill>
+                <a:srgbClr val="ffffff"/>
+              </a:solidFill>
+              <a:uFill>
+                <a:solidFill>
+                  <a:srgbClr val="ffffff"/>
+                </a:solidFill>
+              </a:uFill>
+              <a:latin typeface="Source Sans Pro Light"/>
             </a:endParaRPr>
           </a:p>
         </p:txBody>
@@ -1808,8 +1834,8 @@
         </p:nvSpPr>
         <p:spPr>
           <a:xfrm>
-            <a:off x="838080" y="1825560"/>
-            <a:ext cx="10515240" cy="2075040"/>
+            <a:off x="599040" y="1920240"/>
+            <a:ext cx="10739520" cy="2224440"/>
           </a:xfrm>
           <a:prstGeom prst="rect">
             <a:avLst/>
@@ -1820,16 +1846,16 @@
             <a:normAutofit/>
           </a:bodyPr>
           <a:p>
-            <a:endParaRPr b="0" lang="pt-BR" sz="2800" spc="-1" strike="noStrike">
-              <a:solidFill>
-                <a:srgbClr val="000000"/>
-              </a:solidFill>
-              <a:uFill>
-                <a:solidFill>
-                  <a:srgbClr val="ffffff"/>
-                </a:solidFill>
-              </a:uFill>
-              <a:latin typeface="Calibri"/>
+            <a:endParaRPr b="0" lang="pt-BR" sz="3200" spc="-1" strike="noStrike">
+              <a:solidFill>
+                <a:srgbClr val="000000"/>
+              </a:solidFill>
+              <a:uFill>
+                <a:solidFill>
+                  <a:srgbClr val="ffffff"/>
+                </a:solidFill>
+              </a:uFill>
+              <a:latin typeface="Source Sans Pro"/>
             </a:endParaRPr>
           </a:p>
         </p:txBody>
@@ -1846,8 +1872,8 @@
         </p:nvSpPr>
         <p:spPr>
           <a:xfrm>
-            <a:off x="838080" y="4098240"/>
-            <a:ext cx="10515240" cy="2075040"/>
+            <a:off x="599040" y="4356360"/>
+            <a:ext cx="10739520" cy="2224440"/>
           </a:xfrm>
           <a:prstGeom prst="rect">
             <a:avLst/>
@@ -1858,16 +1884,16 @@
             <a:normAutofit/>
           </a:bodyPr>
           <a:p>
-            <a:endParaRPr b="0" lang="pt-BR" sz="2800" spc="-1" strike="noStrike">
-              <a:solidFill>
-                <a:srgbClr val="000000"/>
-              </a:solidFill>
-              <a:uFill>
-                <a:solidFill>
-                  <a:srgbClr val="ffffff"/>
-                </a:solidFill>
-              </a:uFill>
-              <a:latin typeface="Calibri"/>
+            <a:endParaRPr b="0" lang="pt-BR" sz="3200" spc="-1" strike="noStrike">
+              <a:solidFill>
+                <a:srgbClr val="000000"/>
+              </a:solidFill>
+              <a:uFill>
+                <a:solidFill>
+                  <a:srgbClr val="ffffff"/>
+                </a:solidFill>
+              </a:uFill>
+              <a:latin typeface="Source Sans Pro"/>
             </a:endParaRPr>
           </a:p>
         </p:txBody>
@@ -1906,26 +1932,28 @@
         </p:nvSpPr>
         <p:spPr>
           <a:xfrm>
-            <a:off x="838080" y="365040"/>
-            <a:ext cx="10515240" cy="1325160"/>
-          </a:xfrm>
-          <a:prstGeom prst="rect">
-            <a:avLst/>
-          </a:prstGeom>
-        </p:spPr>
-        <p:txBody>
-          <a:bodyPr lIns="0" rIns="0" tIns="0" bIns="0" anchor="ctr"/>
-          <a:p>
-            <a:endParaRPr b="0" lang="pt-BR" sz="1800" spc="-1" strike="noStrike">
-              <a:solidFill>
-                <a:srgbClr val="000000"/>
-              </a:solidFill>
-              <a:uFill>
-                <a:solidFill>
-                  <a:srgbClr val="ffffff"/>
-                </a:solidFill>
-              </a:uFill>
-              <a:latin typeface="Calibri"/>
+            <a:off x="599040" y="121320"/>
+            <a:ext cx="10798560" cy="1262160"/>
+          </a:xfrm>
+          <a:prstGeom prst="rect">
+            <a:avLst/>
+          </a:prstGeom>
+        </p:spPr>
+        <p:txBody>
+          <a:bodyPr lIns="0" rIns="0" tIns="0" bIns="0" anchor="b">
+            <a:normAutofit/>
+          </a:bodyPr>
+          <a:p>
+            <a:endParaRPr b="0" lang="pt-BR" sz="6000" spc="-1" strike="noStrike">
+              <a:solidFill>
+                <a:srgbClr val="ffffff"/>
+              </a:solidFill>
+              <a:uFill>
+                <a:solidFill>
+                  <a:srgbClr val="ffffff"/>
+                </a:solidFill>
+              </a:uFill>
+              <a:latin typeface="Source Sans Pro Light"/>
             </a:endParaRPr>
           </a:p>
         </p:txBody>
@@ -1942,8 +1970,8 @@
         </p:nvSpPr>
         <p:spPr>
           <a:xfrm>
-            <a:off x="838080" y="1825560"/>
-            <a:ext cx="5131080" cy="2075040"/>
+            <a:off x="599040" y="1920240"/>
+            <a:ext cx="5240880" cy="2224440"/>
           </a:xfrm>
           <a:prstGeom prst="rect">
             <a:avLst/>
@@ -1954,16 +1982,16 @@
             <a:normAutofit/>
           </a:bodyPr>
           <a:p>
-            <a:endParaRPr b="0" lang="pt-BR" sz="2800" spc="-1" strike="noStrike">
-              <a:solidFill>
-                <a:srgbClr val="000000"/>
-              </a:solidFill>
-              <a:uFill>
-                <a:solidFill>
-                  <a:srgbClr val="ffffff"/>
-                </a:solidFill>
-              </a:uFill>
-              <a:latin typeface="Calibri"/>
+            <a:endParaRPr b="0" lang="pt-BR" sz="3200" spc="-1" strike="noStrike">
+              <a:solidFill>
+                <a:srgbClr val="000000"/>
+              </a:solidFill>
+              <a:uFill>
+                <a:solidFill>
+                  <a:srgbClr val="ffffff"/>
+                </a:solidFill>
+              </a:uFill>
+              <a:latin typeface="Source Sans Pro"/>
             </a:endParaRPr>
           </a:p>
         </p:txBody>
@@ -1980,8 +2008,8 @@
         </p:nvSpPr>
         <p:spPr>
           <a:xfrm>
-            <a:off x="6226200" y="1825560"/>
-            <a:ext cx="5131080" cy="2075040"/>
+            <a:off x="6102360" y="1920240"/>
+            <a:ext cx="5240880" cy="2224440"/>
           </a:xfrm>
           <a:prstGeom prst="rect">
             <a:avLst/>
@@ -1992,16 +2020,16 @@
             <a:normAutofit/>
           </a:bodyPr>
           <a:p>
-            <a:endParaRPr b="0" lang="pt-BR" sz="2800" spc="-1" strike="noStrike">
-              <a:solidFill>
-                <a:srgbClr val="000000"/>
-              </a:solidFill>
-              <a:uFill>
-                <a:solidFill>
-                  <a:srgbClr val="ffffff"/>
-                </a:solidFill>
-              </a:uFill>
-              <a:latin typeface="Calibri"/>
+            <a:endParaRPr b="0" lang="pt-BR" sz="3200" spc="-1" strike="noStrike">
+              <a:solidFill>
+                <a:srgbClr val="000000"/>
+              </a:solidFill>
+              <a:uFill>
+                <a:solidFill>
+                  <a:srgbClr val="ffffff"/>
+                </a:solidFill>
+              </a:uFill>
+              <a:latin typeface="Source Sans Pro"/>
             </a:endParaRPr>
           </a:p>
         </p:txBody>
@@ -2018,8 +2046,8 @@
         </p:nvSpPr>
         <p:spPr>
           <a:xfrm>
-            <a:off x="6226200" y="4098240"/>
-            <a:ext cx="5131080" cy="2075040"/>
+            <a:off x="6102360" y="4356360"/>
+            <a:ext cx="5240880" cy="2224440"/>
           </a:xfrm>
           <a:prstGeom prst="rect">
             <a:avLst/>
@@ -2030,16 +2058,16 @@
             <a:normAutofit/>
           </a:bodyPr>
           <a:p>
-            <a:endParaRPr b="0" lang="pt-BR" sz="2800" spc="-1" strike="noStrike">
-              <a:solidFill>
-                <a:srgbClr val="000000"/>
-              </a:solidFill>
-              <a:uFill>
-                <a:solidFill>
-                  <a:srgbClr val="ffffff"/>
-                </a:solidFill>
-              </a:uFill>
-              <a:latin typeface="Calibri"/>
+            <a:endParaRPr b="0" lang="pt-BR" sz="3200" spc="-1" strike="noStrike">
+              <a:solidFill>
+                <a:srgbClr val="000000"/>
+              </a:solidFill>
+              <a:uFill>
+                <a:solidFill>
+                  <a:srgbClr val="ffffff"/>
+                </a:solidFill>
+              </a:uFill>
+              <a:latin typeface="Source Sans Pro"/>
             </a:endParaRPr>
           </a:p>
         </p:txBody>
@@ -2056,8 +2084,8 @@
         </p:nvSpPr>
         <p:spPr>
           <a:xfrm>
-            <a:off x="838080" y="4098240"/>
-            <a:ext cx="5131080" cy="2075040"/>
+            <a:off x="599040" y="4356360"/>
+            <a:ext cx="5240880" cy="2224440"/>
           </a:xfrm>
           <a:prstGeom prst="rect">
             <a:avLst/>
@@ -2068,16 +2096,16 @@
             <a:normAutofit/>
           </a:bodyPr>
           <a:p>
-            <a:endParaRPr b="0" lang="pt-BR" sz="2800" spc="-1" strike="noStrike">
-              <a:solidFill>
-                <a:srgbClr val="000000"/>
-              </a:solidFill>
-              <a:uFill>
-                <a:solidFill>
-                  <a:srgbClr val="ffffff"/>
-                </a:solidFill>
-              </a:uFill>
-              <a:latin typeface="Calibri"/>
+            <a:endParaRPr b="0" lang="pt-BR" sz="3200" spc="-1" strike="noStrike">
+              <a:solidFill>
+                <a:srgbClr val="000000"/>
+              </a:solidFill>
+              <a:uFill>
+                <a:solidFill>
+                  <a:srgbClr val="ffffff"/>
+                </a:solidFill>
+              </a:uFill>
+              <a:latin typeface="Source Sans Pro"/>
             </a:endParaRPr>
           </a:p>
         </p:txBody>
@@ -2116,8 +2144,356 @@
         </p:nvSpPr>
         <p:spPr>
           <a:xfrm>
-            <a:off x="838080" y="365040"/>
-            <a:ext cx="10515240" cy="1325160"/>
+            <a:off x="599040" y="121320"/>
+            <a:ext cx="10798560" cy="1262160"/>
+          </a:xfrm>
+          <a:prstGeom prst="rect">
+            <a:avLst/>
+          </a:prstGeom>
+        </p:spPr>
+        <p:txBody>
+          <a:bodyPr lIns="0" rIns="0" tIns="0" bIns="0" anchor="b">
+            <a:normAutofit/>
+          </a:bodyPr>
+          <a:p>
+            <a:endParaRPr b="0" lang="pt-BR" sz="6000" spc="-1" strike="noStrike">
+              <a:solidFill>
+                <a:srgbClr val="ffffff"/>
+              </a:solidFill>
+              <a:uFill>
+                <a:solidFill>
+                  <a:srgbClr val="ffffff"/>
+                </a:solidFill>
+              </a:uFill>
+              <a:latin typeface="Source Sans Pro Light"/>
+            </a:endParaRPr>
+          </a:p>
+        </p:txBody>
+      </p:sp>
+      <p:sp>
+        <p:nvSpPr>
+          <p:cNvPr id="76" name="PlaceHolder 2"/>
+          <p:cNvSpPr>
+            <a:spLocks noGrp="1"/>
+          </p:cNvSpPr>
+          <p:nvPr>
+            <p:ph type="body"/>
+          </p:nvPr>
+        </p:nvSpPr>
+        <p:spPr>
+          <a:xfrm>
+            <a:off x="599040" y="1920240"/>
+            <a:ext cx="3457800" cy="2224440"/>
+          </a:xfrm>
+          <a:prstGeom prst="rect">
+            <a:avLst/>
+          </a:prstGeom>
+        </p:spPr>
+        <p:txBody>
+          <a:bodyPr lIns="0" rIns="0" tIns="0" bIns="0">
+            <a:normAutofit/>
+          </a:bodyPr>
+          <a:p>
+            <a:endParaRPr b="0" lang="pt-BR" sz="3200" spc="-1" strike="noStrike">
+              <a:solidFill>
+                <a:srgbClr val="000000"/>
+              </a:solidFill>
+              <a:uFill>
+                <a:solidFill>
+                  <a:srgbClr val="ffffff"/>
+                </a:solidFill>
+              </a:uFill>
+              <a:latin typeface="Source Sans Pro"/>
+            </a:endParaRPr>
+          </a:p>
+        </p:txBody>
+      </p:sp>
+      <p:sp>
+        <p:nvSpPr>
+          <p:cNvPr id="77" name="PlaceHolder 3"/>
+          <p:cNvSpPr>
+            <a:spLocks noGrp="1"/>
+          </p:cNvSpPr>
+          <p:nvPr>
+            <p:ph type="body"/>
+          </p:nvPr>
+        </p:nvSpPr>
+        <p:spPr>
+          <a:xfrm>
+            <a:off x="4230000" y="1920240"/>
+            <a:ext cx="3457800" cy="2224440"/>
+          </a:xfrm>
+          <a:prstGeom prst="rect">
+            <a:avLst/>
+          </a:prstGeom>
+        </p:spPr>
+        <p:txBody>
+          <a:bodyPr lIns="0" rIns="0" tIns="0" bIns="0">
+            <a:normAutofit/>
+          </a:bodyPr>
+          <a:p>
+            <a:endParaRPr b="0" lang="pt-BR" sz="3200" spc="-1" strike="noStrike">
+              <a:solidFill>
+                <a:srgbClr val="000000"/>
+              </a:solidFill>
+              <a:uFill>
+                <a:solidFill>
+                  <a:srgbClr val="ffffff"/>
+                </a:solidFill>
+              </a:uFill>
+              <a:latin typeface="Source Sans Pro"/>
+            </a:endParaRPr>
+          </a:p>
+        </p:txBody>
+      </p:sp>
+      <p:sp>
+        <p:nvSpPr>
+          <p:cNvPr id="78" name="PlaceHolder 4"/>
+          <p:cNvSpPr>
+            <a:spLocks noGrp="1"/>
+          </p:cNvSpPr>
+          <p:nvPr>
+            <p:ph type="body"/>
+          </p:nvPr>
+        </p:nvSpPr>
+        <p:spPr>
+          <a:xfrm>
+            <a:off x="7861320" y="1920240"/>
+            <a:ext cx="3457800" cy="2224440"/>
+          </a:xfrm>
+          <a:prstGeom prst="rect">
+            <a:avLst/>
+          </a:prstGeom>
+        </p:spPr>
+        <p:txBody>
+          <a:bodyPr lIns="0" rIns="0" tIns="0" bIns="0">
+            <a:normAutofit/>
+          </a:bodyPr>
+          <a:p>
+            <a:endParaRPr b="0" lang="pt-BR" sz="3200" spc="-1" strike="noStrike">
+              <a:solidFill>
+                <a:srgbClr val="000000"/>
+              </a:solidFill>
+              <a:uFill>
+                <a:solidFill>
+                  <a:srgbClr val="ffffff"/>
+                </a:solidFill>
+              </a:uFill>
+              <a:latin typeface="Source Sans Pro"/>
+            </a:endParaRPr>
+          </a:p>
+        </p:txBody>
+      </p:sp>
+      <p:sp>
+        <p:nvSpPr>
+          <p:cNvPr id="79" name="PlaceHolder 5"/>
+          <p:cNvSpPr>
+            <a:spLocks noGrp="1"/>
+          </p:cNvSpPr>
+          <p:nvPr>
+            <p:ph type="body"/>
+          </p:nvPr>
+        </p:nvSpPr>
+        <p:spPr>
+          <a:xfrm>
+            <a:off x="7861320" y="4356360"/>
+            <a:ext cx="3457800" cy="2224440"/>
+          </a:xfrm>
+          <a:prstGeom prst="rect">
+            <a:avLst/>
+          </a:prstGeom>
+        </p:spPr>
+        <p:txBody>
+          <a:bodyPr lIns="0" rIns="0" tIns="0" bIns="0">
+            <a:normAutofit/>
+          </a:bodyPr>
+          <a:p>
+            <a:endParaRPr b="0" lang="pt-BR" sz="3200" spc="-1" strike="noStrike">
+              <a:solidFill>
+                <a:srgbClr val="000000"/>
+              </a:solidFill>
+              <a:uFill>
+                <a:solidFill>
+                  <a:srgbClr val="ffffff"/>
+                </a:solidFill>
+              </a:uFill>
+              <a:latin typeface="Source Sans Pro"/>
+            </a:endParaRPr>
+          </a:p>
+        </p:txBody>
+      </p:sp>
+      <p:sp>
+        <p:nvSpPr>
+          <p:cNvPr id="80" name="PlaceHolder 6"/>
+          <p:cNvSpPr>
+            <a:spLocks noGrp="1"/>
+          </p:cNvSpPr>
+          <p:nvPr>
+            <p:ph type="body"/>
+          </p:nvPr>
+        </p:nvSpPr>
+        <p:spPr>
+          <a:xfrm>
+            <a:off x="4230000" y="4356360"/>
+            <a:ext cx="3457800" cy="2224440"/>
+          </a:xfrm>
+          <a:prstGeom prst="rect">
+            <a:avLst/>
+          </a:prstGeom>
+        </p:spPr>
+        <p:txBody>
+          <a:bodyPr lIns="0" rIns="0" tIns="0" bIns="0">
+            <a:normAutofit/>
+          </a:bodyPr>
+          <a:p>
+            <a:endParaRPr b="0" lang="pt-BR" sz="3200" spc="-1" strike="noStrike">
+              <a:solidFill>
+                <a:srgbClr val="000000"/>
+              </a:solidFill>
+              <a:uFill>
+                <a:solidFill>
+                  <a:srgbClr val="ffffff"/>
+                </a:solidFill>
+              </a:uFill>
+              <a:latin typeface="Source Sans Pro"/>
+            </a:endParaRPr>
+          </a:p>
+        </p:txBody>
+      </p:sp>
+      <p:sp>
+        <p:nvSpPr>
+          <p:cNvPr id="81" name="PlaceHolder 7"/>
+          <p:cNvSpPr>
+            <a:spLocks noGrp="1"/>
+          </p:cNvSpPr>
+          <p:nvPr>
+            <p:ph type="body"/>
+          </p:nvPr>
+        </p:nvSpPr>
+        <p:spPr>
+          <a:xfrm>
+            <a:off x="599040" y="4356360"/>
+            <a:ext cx="3457800" cy="2224440"/>
+          </a:xfrm>
+          <a:prstGeom prst="rect">
+            <a:avLst/>
+          </a:prstGeom>
+        </p:spPr>
+        <p:txBody>
+          <a:bodyPr lIns="0" rIns="0" tIns="0" bIns="0">
+            <a:normAutofit/>
+          </a:bodyPr>
+          <a:p>
+            <a:endParaRPr b="0" lang="pt-BR" sz="3200" spc="-1" strike="noStrike">
+              <a:solidFill>
+                <a:srgbClr val="000000"/>
+              </a:solidFill>
+              <a:uFill>
+                <a:solidFill>
+                  <a:srgbClr val="ffffff"/>
+                </a:solidFill>
+              </a:uFill>
+              <a:latin typeface="Source Sans Pro"/>
+            </a:endParaRPr>
+          </a:p>
+        </p:txBody>
+      </p:sp>
+    </p:spTree>
+  </p:cSld>
+</p:sldLayout>
+</file>
+
+<file path=ppt/slideLayouts/slideLayout25.xml><?xml version="1.0" encoding="utf-8"?>
+<p:sldLayout xmlns:a="http://schemas.openxmlformats.org/drawingml/2006/main" xmlns:p="http://schemas.openxmlformats.org/presentationml/2006/main" xmlns:r="http://schemas.openxmlformats.org/officeDocument/2006/relationships" xmlns:p14="http://schemas.microsoft.com/office/powerpoint/2010/main" xmlns:p15="http://schemas.microsoft.com/office/powerpoint/2012/main" xmlns:mc="http://schemas.openxmlformats.org/markup-compatibility/2006" type="blank" preserve="1">
+  <p:cSld name="Blank Slide">
+    <p:spTree>
+      <p:nvGrpSpPr>
+        <p:cNvPr id="1" name=""/>
+        <p:cNvGrpSpPr/>
+        <p:nvPr/>
+      </p:nvGrpSpPr>
+      <p:grpSpPr>
+        <a:xfrm>
+          <a:off x="0" y="0"/>
+          <a:ext cx="0" cy="0"/>
+          <a:chOff x="0" y="0"/>
+          <a:chExt cx="0" cy="0"/>
+        </a:xfrm>
+      </p:grpSpPr>
+    </p:spTree>
+  </p:cSld>
+</p:sldLayout>
+</file>
+
+<file path=ppt/slideLayouts/slideLayout26.xml><?xml version="1.0" encoding="utf-8"?>
+<p:sldLayout xmlns:a="http://schemas.openxmlformats.org/drawingml/2006/main" xmlns:p="http://schemas.openxmlformats.org/presentationml/2006/main" xmlns:r="http://schemas.openxmlformats.org/officeDocument/2006/relationships" xmlns:p14="http://schemas.microsoft.com/office/powerpoint/2010/main" xmlns:p15="http://schemas.microsoft.com/office/powerpoint/2012/main" xmlns:mc="http://schemas.openxmlformats.org/markup-compatibility/2006" type="tx" preserve="1">
+  <p:cSld name="Title Slide">
+    <p:spTree>
+      <p:nvGrpSpPr>
+        <p:cNvPr id="1" name=""/>
+        <p:cNvGrpSpPr/>
+        <p:nvPr/>
+      </p:nvGrpSpPr>
+      <p:grpSpPr>
+        <a:xfrm>
+          <a:off x="0" y="0"/>
+          <a:ext cx="0" cy="0"/>
+          <a:chOff x="0" y="0"/>
+          <a:chExt cx="0" cy="0"/>
+        </a:xfrm>
+      </p:grpSpPr>
+      <p:sp>
+        <p:nvSpPr>
+          <p:cNvPr id="87" name="PlaceHolder 1"/>
+          <p:cNvSpPr>
+            <a:spLocks noGrp="1"/>
+          </p:cNvSpPr>
+          <p:nvPr>
+            <p:ph type="title"/>
+          </p:nvPr>
+        </p:nvSpPr>
+        <p:spPr>
+          <a:xfrm>
+            <a:off x="599040" y="121320"/>
+            <a:ext cx="10798560" cy="1262160"/>
+          </a:xfrm>
+          <a:prstGeom prst="rect">
+            <a:avLst/>
+          </a:prstGeom>
+        </p:spPr>
+        <p:txBody>
+          <a:bodyPr lIns="0" rIns="0" tIns="0" bIns="0" anchor="b">
+            <a:normAutofit/>
+          </a:bodyPr>
+          <a:p>
+            <a:endParaRPr b="0" lang="pt-BR" sz="6000" spc="-1" strike="noStrike">
+              <a:solidFill>
+                <a:srgbClr val="ffffff"/>
+              </a:solidFill>
+              <a:uFill>
+                <a:solidFill>
+                  <a:srgbClr val="ffffff"/>
+                </a:solidFill>
+              </a:uFill>
+              <a:latin typeface="Source Sans Pro Light"/>
+            </a:endParaRPr>
+          </a:p>
+        </p:txBody>
+      </p:sp>
+      <p:sp>
+        <p:nvSpPr>
+          <p:cNvPr id="88" name="PlaceHolder 2"/>
+          <p:cNvSpPr>
+            <a:spLocks noGrp="1"/>
+          </p:cNvSpPr>
+          <p:nvPr>
+            <p:ph type="subTitle"/>
+          </p:nvPr>
+        </p:nvSpPr>
+        <p:spPr>
+          <a:xfrm>
+            <a:off x="599040" y="1920240"/>
+            <a:ext cx="10739520" cy="4663440"/>
           </a:xfrm>
           <a:prstGeom prst="rect">
             <a:avLst/>
@@ -2126,23 +2502,84 @@
         <p:txBody>
           <a:bodyPr lIns="0" rIns="0" tIns="0" bIns="0" anchor="ctr"/>
           <a:p>
-            <a:endParaRPr b="0" lang="pt-BR" sz="1800" spc="-1" strike="noStrike">
-              <a:solidFill>
-                <a:srgbClr val="000000"/>
-              </a:solidFill>
-              <a:uFill>
-                <a:solidFill>
-                  <a:srgbClr val="ffffff"/>
-                </a:solidFill>
-              </a:uFill>
-              <a:latin typeface="Calibri"/>
-            </a:endParaRPr>
-          </a:p>
-        </p:txBody>
-      </p:sp>
-      <p:sp>
-        <p:nvSpPr>
-          <p:cNvPr id="76" name="PlaceHolder 2"/>
+            <a:pPr algn="ctr"/>
+            <a:endParaRPr b="1" lang="pt-BR" sz="3200" spc="-1" strike="noStrike">
+              <a:solidFill>
+                <a:srgbClr val="04617b"/>
+              </a:solidFill>
+              <a:uFill>
+                <a:solidFill>
+                  <a:srgbClr val="ffffff"/>
+                </a:solidFill>
+              </a:uFill>
+              <a:latin typeface="Source Sans Pro"/>
+            </a:endParaRPr>
+          </a:p>
+        </p:txBody>
+      </p:sp>
+    </p:spTree>
+  </p:cSld>
+</p:sldLayout>
+</file>
+
+<file path=ppt/slideLayouts/slideLayout27.xml><?xml version="1.0" encoding="utf-8"?>
+<p:sldLayout xmlns:a="http://schemas.openxmlformats.org/drawingml/2006/main" xmlns:p="http://schemas.openxmlformats.org/presentationml/2006/main" xmlns:r="http://schemas.openxmlformats.org/officeDocument/2006/relationships" xmlns:p14="http://schemas.microsoft.com/office/powerpoint/2010/main" xmlns:p15="http://schemas.microsoft.com/office/powerpoint/2012/main" xmlns:mc="http://schemas.openxmlformats.org/markup-compatibility/2006" type="obj" preserve="1">
+  <p:cSld name="Title, Content">
+    <p:spTree>
+      <p:nvGrpSpPr>
+        <p:cNvPr id="1" name=""/>
+        <p:cNvGrpSpPr/>
+        <p:nvPr/>
+      </p:nvGrpSpPr>
+      <p:grpSpPr>
+        <a:xfrm>
+          <a:off x="0" y="0"/>
+          <a:ext cx="0" cy="0"/>
+          <a:chOff x="0" y="0"/>
+          <a:chExt cx="0" cy="0"/>
+        </a:xfrm>
+      </p:grpSpPr>
+      <p:sp>
+        <p:nvSpPr>
+          <p:cNvPr id="89" name="PlaceHolder 1"/>
+          <p:cNvSpPr>
+            <a:spLocks noGrp="1"/>
+          </p:cNvSpPr>
+          <p:nvPr>
+            <p:ph type="title"/>
+          </p:nvPr>
+        </p:nvSpPr>
+        <p:spPr>
+          <a:xfrm>
+            <a:off x="599040" y="121320"/>
+            <a:ext cx="10798560" cy="1262160"/>
+          </a:xfrm>
+          <a:prstGeom prst="rect">
+            <a:avLst/>
+          </a:prstGeom>
+        </p:spPr>
+        <p:txBody>
+          <a:bodyPr lIns="0" rIns="0" tIns="0" bIns="0" anchor="b">
+            <a:normAutofit/>
+          </a:bodyPr>
+          <a:p>
+            <a:endParaRPr b="0" lang="pt-BR" sz="6000" spc="-1" strike="noStrike">
+              <a:solidFill>
+                <a:srgbClr val="ffffff"/>
+              </a:solidFill>
+              <a:uFill>
+                <a:solidFill>
+                  <a:srgbClr val="ffffff"/>
+                </a:solidFill>
+              </a:uFill>
+              <a:latin typeface="Source Sans Pro Light"/>
+            </a:endParaRPr>
+          </a:p>
+        </p:txBody>
+      </p:sp>
+      <p:sp>
+        <p:nvSpPr>
+          <p:cNvPr id="90" name="PlaceHolder 2"/>
           <p:cNvSpPr>
             <a:spLocks noGrp="1"/>
           </p:cNvSpPr>
@@ -2152,8 +2589,8 @@
         </p:nvSpPr>
         <p:spPr>
           <a:xfrm>
-            <a:off x="838080" y="1825560"/>
-            <a:ext cx="3385800" cy="2075040"/>
+            <a:off x="599040" y="1920240"/>
+            <a:ext cx="10739520" cy="4663440"/>
           </a:xfrm>
           <a:prstGeom prst="rect">
             <a:avLst/>
@@ -2164,23 +2601,83 @@
             <a:normAutofit/>
           </a:bodyPr>
           <a:p>
-            <a:endParaRPr b="0" lang="pt-BR" sz="2800" spc="-1" strike="noStrike">
-              <a:solidFill>
-                <a:srgbClr val="000000"/>
-              </a:solidFill>
-              <a:uFill>
-                <a:solidFill>
-                  <a:srgbClr val="ffffff"/>
-                </a:solidFill>
-              </a:uFill>
-              <a:latin typeface="Calibri"/>
-            </a:endParaRPr>
-          </a:p>
-        </p:txBody>
-      </p:sp>
-      <p:sp>
-        <p:nvSpPr>
-          <p:cNvPr id="77" name="PlaceHolder 3"/>
+            <a:endParaRPr b="0" lang="pt-BR" sz="3200" spc="-1" strike="noStrike">
+              <a:solidFill>
+                <a:srgbClr val="000000"/>
+              </a:solidFill>
+              <a:uFill>
+                <a:solidFill>
+                  <a:srgbClr val="ffffff"/>
+                </a:solidFill>
+              </a:uFill>
+              <a:latin typeface="Source Sans Pro"/>
+            </a:endParaRPr>
+          </a:p>
+        </p:txBody>
+      </p:sp>
+    </p:spTree>
+  </p:cSld>
+</p:sldLayout>
+</file>
+
+<file path=ppt/slideLayouts/slideLayout28.xml><?xml version="1.0" encoding="utf-8"?>
+<p:sldLayout xmlns:a="http://schemas.openxmlformats.org/drawingml/2006/main" xmlns:p="http://schemas.openxmlformats.org/presentationml/2006/main" xmlns:r="http://schemas.openxmlformats.org/officeDocument/2006/relationships" xmlns:p14="http://schemas.microsoft.com/office/powerpoint/2010/main" xmlns:p15="http://schemas.microsoft.com/office/powerpoint/2012/main" xmlns:mc="http://schemas.openxmlformats.org/markup-compatibility/2006" type="twoObj" preserve="1">
+  <p:cSld name="Title, 2 Content">
+    <p:spTree>
+      <p:nvGrpSpPr>
+        <p:cNvPr id="1" name=""/>
+        <p:cNvGrpSpPr/>
+        <p:nvPr/>
+      </p:nvGrpSpPr>
+      <p:grpSpPr>
+        <a:xfrm>
+          <a:off x="0" y="0"/>
+          <a:ext cx="0" cy="0"/>
+          <a:chOff x="0" y="0"/>
+          <a:chExt cx="0" cy="0"/>
+        </a:xfrm>
+      </p:grpSpPr>
+      <p:sp>
+        <p:nvSpPr>
+          <p:cNvPr id="91" name="PlaceHolder 1"/>
+          <p:cNvSpPr>
+            <a:spLocks noGrp="1"/>
+          </p:cNvSpPr>
+          <p:nvPr>
+            <p:ph type="title"/>
+          </p:nvPr>
+        </p:nvSpPr>
+        <p:spPr>
+          <a:xfrm>
+            <a:off x="599040" y="121320"/>
+            <a:ext cx="10798560" cy="1262160"/>
+          </a:xfrm>
+          <a:prstGeom prst="rect">
+            <a:avLst/>
+          </a:prstGeom>
+        </p:spPr>
+        <p:txBody>
+          <a:bodyPr lIns="0" rIns="0" tIns="0" bIns="0" anchor="b">
+            <a:normAutofit/>
+          </a:bodyPr>
+          <a:p>
+            <a:endParaRPr b="0" lang="pt-BR" sz="6000" spc="-1" strike="noStrike">
+              <a:solidFill>
+                <a:srgbClr val="ffffff"/>
+              </a:solidFill>
+              <a:uFill>
+                <a:solidFill>
+                  <a:srgbClr val="ffffff"/>
+                </a:solidFill>
+              </a:uFill>
+              <a:latin typeface="Source Sans Pro Light"/>
+            </a:endParaRPr>
+          </a:p>
+        </p:txBody>
+      </p:sp>
+      <p:sp>
+        <p:nvSpPr>
+          <p:cNvPr id="92" name="PlaceHolder 2"/>
           <p:cNvSpPr>
             <a:spLocks noGrp="1"/>
           </p:cNvSpPr>
@@ -2190,8 +2687,8 @@
         </p:nvSpPr>
         <p:spPr>
           <a:xfrm>
-            <a:off x="4393440" y="1825560"/>
-            <a:ext cx="3385800" cy="2075040"/>
+            <a:off x="599040" y="1920240"/>
+            <a:ext cx="5240880" cy="4663440"/>
           </a:xfrm>
           <a:prstGeom prst="rect">
             <a:avLst/>
@@ -2202,23 +2699,23 @@
             <a:normAutofit/>
           </a:bodyPr>
           <a:p>
-            <a:endParaRPr b="0" lang="pt-BR" sz="2800" spc="-1" strike="noStrike">
-              <a:solidFill>
-                <a:srgbClr val="000000"/>
-              </a:solidFill>
-              <a:uFill>
-                <a:solidFill>
-                  <a:srgbClr val="ffffff"/>
-                </a:solidFill>
-              </a:uFill>
-              <a:latin typeface="Calibri"/>
-            </a:endParaRPr>
-          </a:p>
-        </p:txBody>
-      </p:sp>
-      <p:sp>
-        <p:nvSpPr>
-          <p:cNvPr id="78" name="PlaceHolder 4"/>
+            <a:endParaRPr b="0" lang="pt-BR" sz="3200" spc="-1" strike="noStrike">
+              <a:solidFill>
+                <a:srgbClr val="000000"/>
+              </a:solidFill>
+              <a:uFill>
+                <a:solidFill>
+                  <a:srgbClr val="ffffff"/>
+                </a:solidFill>
+              </a:uFill>
+              <a:latin typeface="Source Sans Pro"/>
+            </a:endParaRPr>
+          </a:p>
+        </p:txBody>
+      </p:sp>
+      <p:sp>
+        <p:nvSpPr>
+          <p:cNvPr id="93" name="PlaceHolder 3"/>
           <p:cNvSpPr>
             <a:spLocks noGrp="1"/>
           </p:cNvSpPr>
@@ -2228,8 +2725,8 @@
         </p:nvSpPr>
         <p:spPr>
           <a:xfrm>
-            <a:off x="7949160" y="1825560"/>
-            <a:ext cx="3385800" cy="2075040"/>
+            <a:off x="6102360" y="1920240"/>
+            <a:ext cx="5240880" cy="4663440"/>
           </a:xfrm>
           <a:prstGeom prst="rect">
             <a:avLst/>
@@ -2240,130 +2737,76 @@
             <a:normAutofit/>
           </a:bodyPr>
           <a:p>
-            <a:endParaRPr b="0" lang="pt-BR" sz="2800" spc="-1" strike="noStrike">
-              <a:solidFill>
-                <a:srgbClr val="000000"/>
-              </a:solidFill>
-              <a:uFill>
-                <a:solidFill>
-                  <a:srgbClr val="ffffff"/>
-                </a:solidFill>
-              </a:uFill>
-              <a:latin typeface="Calibri"/>
-            </a:endParaRPr>
-          </a:p>
-        </p:txBody>
-      </p:sp>
-      <p:sp>
-        <p:nvSpPr>
-          <p:cNvPr id="79" name="PlaceHolder 5"/>
-          <p:cNvSpPr>
-            <a:spLocks noGrp="1"/>
-          </p:cNvSpPr>
-          <p:nvPr>
-            <p:ph type="body"/>
-          </p:nvPr>
-        </p:nvSpPr>
-        <p:spPr>
-          <a:xfrm>
-            <a:off x="7949160" y="4098240"/>
-            <a:ext cx="3385800" cy="2075040"/>
-          </a:xfrm>
-          <a:prstGeom prst="rect">
-            <a:avLst/>
-          </a:prstGeom>
-        </p:spPr>
-        <p:txBody>
-          <a:bodyPr lIns="0" rIns="0" tIns="0" bIns="0">
-            <a:normAutofit/>
-          </a:bodyPr>
-          <a:p>
-            <a:endParaRPr b="0" lang="pt-BR" sz="2800" spc="-1" strike="noStrike">
-              <a:solidFill>
-                <a:srgbClr val="000000"/>
-              </a:solidFill>
-              <a:uFill>
-                <a:solidFill>
-                  <a:srgbClr val="ffffff"/>
-                </a:solidFill>
-              </a:uFill>
-              <a:latin typeface="Calibri"/>
-            </a:endParaRPr>
-          </a:p>
-        </p:txBody>
-      </p:sp>
-      <p:sp>
-        <p:nvSpPr>
-          <p:cNvPr id="80" name="PlaceHolder 6"/>
-          <p:cNvSpPr>
-            <a:spLocks noGrp="1"/>
-          </p:cNvSpPr>
-          <p:nvPr>
-            <p:ph type="body"/>
-          </p:nvPr>
-        </p:nvSpPr>
-        <p:spPr>
-          <a:xfrm>
-            <a:off x="4393440" y="4098240"/>
-            <a:ext cx="3385800" cy="2075040"/>
-          </a:xfrm>
-          <a:prstGeom prst="rect">
-            <a:avLst/>
-          </a:prstGeom>
-        </p:spPr>
-        <p:txBody>
-          <a:bodyPr lIns="0" rIns="0" tIns="0" bIns="0">
-            <a:normAutofit/>
-          </a:bodyPr>
-          <a:p>
-            <a:endParaRPr b="0" lang="pt-BR" sz="2800" spc="-1" strike="noStrike">
-              <a:solidFill>
-                <a:srgbClr val="000000"/>
-              </a:solidFill>
-              <a:uFill>
-                <a:solidFill>
-                  <a:srgbClr val="ffffff"/>
-                </a:solidFill>
-              </a:uFill>
-              <a:latin typeface="Calibri"/>
-            </a:endParaRPr>
-          </a:p>
-        </p:txBody>
-      </p:sp>
-      <p:sp>
-        <p:nvSpPr>
-          <p:cNvPr id="81" name="PlaceHolder 7"/>
-          <p:cNvSpPr>
-            <a:spLocks noGrp="1"/>
-          </p:cNvSpPr>
-          <p:nvPr>
-            <p:ph type="body"/>
-          </p:nvPr>
-        </p:nvSpPr>
-        <p:spPr>
-          <a:xfrm>
-            <a:off x="838080" y="4098240"/>
-            <a:ext cx="3385800" cy="2075040"/>
-          </a:xfrm>
-          <a:prstGeom prst="rect">
-            <a:avLst/>
-          </a:prstGeom>
-        </p:spPr>
-        <p:txBody>
-          <a:bodyPr lIns="0" rIns="0" tIns="0" bIns="0">
-            <a:normAutofit/>
-          </a:bodyPr>
-          <a:p>
-            <a:endParaRPr b="0" lang="pt-BR" sz="2800" spc="-1" strike="noStrike">
-              <a:solidFill>
-                <a:srgbClr val="000000"/>
-              </a:solidFill>
-              <a:uFill>
-                <a:solidFill>
-                  <a:srgbClr val="ffffff"/>
-                </a:solidFill>
-              </a:uFill>
-              <a:latin typeface="Calibri"/>
+            <a:endParaRPr b="0" lang="pt-BR" sz="3200" spc="-1" strike="noStrike">
+              <a:solidFill>
+                <a:srgbClr val="000000"/>
+              </a:solidFill>
+              <a:uFill>
+                <a:solidFill>
+                  <a:srgbClr val="ffffff"/>
+                </a:solidFill>
+              </a:uFill>
+              <a:latin typeface="Source Sans Pro"/>
+            </a:endParaRPr>
+          </a:p>
+        </p:txBody>
+      </p:sp>
+    </p:spTree>
+  </p:cSld>
+</p:sldLayout>
+</file>
+
+<file path=ppt/slideLayouts/slideLayout29.xml><?xml version="1.0" encoding="utf-8"?>
+<p:sldLayout xmlns:a="http://schemas.openxmlformats.org/drawingml/2006/main" xmlns:p="http://schemas.openxmlformats.org/presentationml/2006/main" xmlns:r="http://schemas.openxmlformats.org/officeDocument/2006/relationships" xmlns:p14="http://schemas.microsoft.com/office/powerpoint/2010/main" xmlns:p15="http://schemas.microsoft.com/office/powerpoint/2012/main" xmlns:mc="http://schemas.openxmlformats.org/markup-compatibility/2006" type="titleOnly" preserve="1">
+  <p:cSld name="Title Only">
+    <p:spTree>
+      <p:nvGrpSpPr>
+        <p:cNvPr id="1" name=""/>
+        <p:cNvGrpSpPr/>
+        <p:nvPr/>
+      </p:nvGrpSpPr>
+      <p:grpSpPr>
+        <a:xfrm>
+          <a:off x="0" y="0"/>
+          <a:ext cx="0" cy="0"/>
+          <a:chOff x="0" y="0"/>
+          <a:chExt cx="0" cy="0"/>
+        </a:xfrm>
+      </p:grpSpPr>
+      <p:sp>
+        <p:nvSpPr>
+          <p:cNvPr id="94" name="PlaceHolder 1"/>
+          <p:cNvSpPr>
+            <a:spLocks noGrp="1"/>
+          </p:cNvSpPr>
+          <p:nvPr>
+            <p:ph type="title"/>
+          </p:nvPr>
+        </p:nvSpPr>
+        <p:spPr>
+          <a:xfrm>
+            <a:off x="599040" y="121320"/>
+            <a:ext cx="10798560" cy="1262160"/>
+          </a:xfrm>
+          <a:prstGeom prst="rect">
+            <a:avLst/>
+          </a:prstGeom>
+        </p:spPr>
+        <p:txBody>
+          <a:bodyPr lIns="0" rIns="0" tIns="0" bIns="0" anchor="b">
+            <a:normAutofit/>
+          </a:bodyPr>
+          <a:p>
+            <a:endParaRPr b="0" lang="pt-BR" sz="6000" spc="-1" strike="noStrike">
+              <a:solidFill>
+                <a:srgbClr val="ffffff"/>
+              </a:solidFill>
+              <a:uFill>
+                <a:solidFill>
+                  <a:srgbClr val="ffffff"/>
+                </a:solidFill>
+              </a:uFill>
+              <a:latin typeface="Source Sans Pro Light"/>
             </a:endParaRPr>
           </a:p>
         </p:txBody>
@@ -2402,8 +2845,106 @@
         </p:nvSpPr>
         <p:spPr>
           <a:xfrm>
-            <a:off x="838080" y="365040"/>
-            <a:ext cx="10515240" cy="1325160"/>
+            <a:off x="599040" y="121320"/>
+            <a:ext cx="10798560" cy="1262160"/>
+          </a:xfrm>
+          <a:prstGeom prst="rect">
+            <a:avLst/>
+          </a:prstGeom>
+        </p:spPr>
+        <p:txBody>
+          <a:bodyPr lIns="0" rIns="0" tIns="0" bIns="0" anchor="b">
+            <a:normAutofit/>
+          </a:bodyPr>
+          <a:p>
+            <a:endParaRPr b="0" lang="pt-BR" sz="6000" spc="-1" strike="noStrike">
+              <a:solidFill>
+                <a:srgbClr val="ffffff"/>
+              </a:solidFill>
+              <a:uFill>
+                <a:solidFill>
+                  <a:srgbClr val="ffffff"/>
+                </a:solidFill>
+              </a:uFill>
+              <a:latin typeface="Source Sans Pro Light"/>
+            </a:endParaRPr>
+          </a:p>
+        </p:txBody>
+      </p:sp>
+      <p:sp>
+        <p:nvSpPr>
+          <p:cNvPr id="8" name="PlaceHolder 2"/>
+          <p:cNvSpPr>
+            <a:spLocks noGrp="1"/>
+          </p:cNvSpPr>
+          <p:nvPr>
+            <p:ph type="body"/>
+          </p:nvPr>
+        </p:nvSpPr>
+        <p:spPr>
+          <a:xfrm>
+            <a:off x="599040" y="1920240"/>
+            <a:ext cx="10739520" cy="4663440"/>
+          </a:xfrm>
+          <a:prstGeom prst="rect">
+            <a:avLst/>
+          </a:prstGeom>
+        </p:spPr>
+        <p:txBody>
+          <a:bodyPr lIns="0" rIns="0" tIns="0" bIns="0">
+            <a:normAutofit/>
+          </a:bodyPr>
+          <a:p>
+            <a:endParaRPr b="0" lang="pt-BR" sz="3200" spc="-1" strike="noStrike">
+              <a:solidFill>
+                <a:srgbClr val="000000"/>
+              </a:solidFill>
+              <a:uFill>
+                <a:solidFill>
+                  <a:srgbClr val="ffffff"/>
+                </a:solidFill>
+              </a:uFill>
+              <a:latin typeface="Source Sans Pro"/>
+            </a:endParaRPr>
+          </a:p>
+        </p:txBody>
+      </p:sp>
+    </p:spTree>
+  </p:cSld>
+</p:sldLayout>
+</file>
+
+<file path=ppt/slideLayouts/slideLayout30.xml><?xml version="1.0" encoding="utf-8"?>
+<p:sldLayout xmlns:a="http://schemas.openxmlformats.org/drawingml/2006/main" xmlns:p="http://schemas.openxmlformats.org/presentationml/2006/main" xmlns:r="http://schemas.openxmlformats.org/officeDocument/2006/relationships" xmlns:p14="http://schemas.microsoft.com/office/powerpoint/2010/main" xmlns:p15="http://schemas.microsoft.com/office/powerpoint/2012/main" xmlns:mc="http://schemas.openxmlformats.org/markup-compatibility/2006" type="objOnly" preserve="1">
+  <p:cSld name="Centered Text">
+    <p:spTree>
+      <p:nvGrpSpPr>
+        <p:cNvPr id="1" name=""/>
+        <p:cNvGrpSpPr/>
+        <p:nvPr/>
+      </p:nvGrpSpPr>
+      <p:grpSpPr>
+        <a:xfrm>
+          <a:off x="0" y="0"/>
+          <a:ext cx="0" cy="0"/>
+          <a:chOff x="0" y="0"/>
+          <a:chExt cx="0" cy="0"/>
+        </a:xfrm>
+      </p:grpSpPr>
+      <p:sp>
+        <p:nvSpPr>
+          <p:cNvPr id="95" name="PlaceHolder 1"/>
+          <p:cNvSpPr>
+            <a:spLocks noGrp="1"/>
+          </p:cNvSpPr>
+          <p:nvPr>
+            <p:ph type="subTitle"/>
+          </p:nvPr>
+        </p:nvSpPr>
+        <p:spPr>
+          <a:xfrm>
+            <a:off x="599040" y="121320"/>
+            <a:ext cx="10798560" cy="5851800"/>
           </a:xfrm>
           <a:prstGeom prst="rect">
             <a:avLst/>
@@ -2412,23 +2953,84 @@
         <p:txBody>
           <a:bodyPr lIns="0" rIns="0" tIns="0" bIns="0" anchor="ctr"/>
           <a:p>
-            <a:endParaRPr b="0" lang="pt-BR" sz="1800" spc="-1" strike="noStrike">
-              <a:solidFill>
-                <a:srgbClr val="000000"/>
-              </a:solidFill>
-              <a:uFill>
-                <a:solidFill>
-                  <a:srgbClr val="ffffff"/>
-                </a:solidFill>
-              </a:uFill>
-              <a:latin typeface="Calibri"/>
-            </a:endParaRPr>
-          </a:p>
-        </p:txBody>
-      </p:sp>
-      <p:sp>
-        <p:nvSpPr>
-          <p:cNvPr id="8" name="PlaceHolder 2"/>
+            <a:pPr algn="ctr"/>
+            <a:endParaRPr b="1" lang="pt-BR" sz="3200" spc="-1" strike="noStrike">
+              <a:solidFill>
+                <a:srgbClr val="04617b"/>
+              </a:solidFill>
+              <a:uFill>
+                <a:solidFill>
+                  <a:srgbClr val="ffffff"/>
+                </a:solidFill>
+              </a:uFill>
+              <a:latin typeface="Source Sans Pro"/>
+            </a:endParaRPr>
+          </a:p>
+        </p:txBody>
+      </p:sp>
+    </p:spTree>
+  </p:cSld>
+</p:sldLayout>
+</file>
+
+<file path=ppt/slideLayouts/slideLayout31.xml><?xml version="1.0" encoding="utf-8"?>
+<p:sldLayout xmlns:a="http://schemas.openxmlformats.org/drawingml/2006/main" xmlns:p="http://schemas.openxmlformats.org/presentationml/2006/main" xmlns:r="http://schemas.openxmlformats.org/officeDocument/2006/relationships" xmlns:p14="http://schemas.microsoft.com/office/powerpoint/2010/main" xmlns:p15="http://schemas.microsoft.com/office/powerpoint/2012/main" xmlns:mc="http://schemas.openxmlformats.org/markup-compatibility/2006" type="twoObjAndObj" preserve="1">
+  <p:cSld name="Title, 2 Content and Content">
+    <p:spTree>
+      <p:nvGrpSpPr>
+        <p:cNvPr id="1" name=""/>
+        <p:cNvGrpSpPr/>
+        <p:nvPr/>
+      </p:nvGrpSpPr>
+      <p:grpSpPr>
+        <a:xfrm>
+          <a:off x="0" y="0"/>
+          <a:ext cx="0" cy="0"/>
+          <a:chOff x="0" y="0"/>
+          <a:chExt cx="0" cy="0"/>
+        </a:xfrm>
+      </p:grpSpPr>
+      <p:sp>
+        <p:nvSpPr>
+          <p:cNvPr id="96" name="PlaceHolder 1"/>
+          <p:cNvSpPr>
+            <a:spLocks noGrp="1"/>
+          </p:cNvSpPr>
+          <p:nvPr>
+            <p:ph type="title"/>
+          </p:nvPr>
+        </p:nvSpPr>
+        <p:spPr>
+          <a:xfrm>
+            <a:off x="599040" y="121320"/>
+            <a:ext cx="10798560" cy="1262160"/>
+          </a:xfrm>
+          <a:prstGeom prst="rect">
+            <a:avLst/>
+          </a:prstGeom>
+        </p:spPr>
+        <p:txBody>
+          <a:bodyPr lIns="0" rIns="0" tIns="0" bIns="0" anchor="b">
+            <a:normAutofit/>
+          </a:bodyPr>
+          <a:p>
+            <a:endParaRPr b="0" lang="pt-BR" sz="6000" spc="-1" strike="noStrike">
+              <a:solidFill>
+                <a:srgbClr val="ffffff"/>
+              </a:solidFill>
+              <a:uFill>
+                <a:solidFill>
+                  <a:srgbClr val="ffffff"/>
+                </a:solidFill>
+              </a:uFill>
+              <a:latin typeface="Source Sans Pro Light"/>
+            </a:endParaRPr>
+          </a:p>
+        </p:txBody>
+      </p:sp>
+      <p:sp>
+        <p:nvSpPr>
+          <p:cNvPr id="97" name="PlaceHolder 2"/>
           <p:cNvSpPr>
             <a:spLocks noGrp="1"/>
           </p:cNvSpPr>
@@ -2438,8 +3040,8 @@
         </p:nvSpPr>
         <p:spPr>
           <a:xfrm>
-            <a:off x="838080" y="1825560"/>
-            <a:ext cx="10515240" cy="4350960"/>
+            <a:off x="599040" y="1920240"/>
+            <a:ext cx="5240880" cy="2224440"/>
           </a:xfrm>
           <a:prstGeom prst="rect">
             <a:avLst/>
@@ -2450,16 +3052,1076 @@
             <a:normAutofit/>
           </a:bodyPr>
           <a:p>
-            <a:endParaRPr b="0" lang="pt-BR" sz="2800" spc="-1" strike="noStrike">
-              <a:solidFill>
-                <a:srgbClr val="000000"/>
-              </a:solidFill>
-              <a:uFill>
-                <a:solidFill>
-                  <a:srgbClr val="ffffff"/>
-                </a:solidFill>
-              </a:uFill>
-              <a:latin typeface="Calibri"/>
+            <a:endParaRPr b="0" lang="pt-BR" sz="3200" spc="-1" strike="noStrike">
+              <a:solidFill>
+                <a:srgbClr val="000000"/>
+              </a:solidFill>
+              <a:uFill>
+                <a:solidFill>
+                  <a:srgbClr val="ffffff"/>
+                </a:solidFill>
+              </a:uFill>
+              <a:latin typeface="Source Sans Pro"/>
+            </a:endParaRPr>
+          </a:p>
+        </p:txBody>
+      </p:sp>
+      <p:sp>
+        <p:nvSpPr>
+          <p:cNvPr id="98" name="PlaceHolder 3"/>
+          <p:cNvSpPr>
+            <a:spLocks noGrp="1"/>
+          </p:cNvSpPr>
+          <p:nvPr>
+            <p:ph type="body"/>
+          </p:nvPr>
+        </p:nvSpPr>
+        <p:spPr>
+          <a:xfrm>
+            <a:off x="599040" y="4356360"/>
+            <a:ext cx="5240880" cy="2224440"/>
+          </a:xfrm>
+          <a:prstGeom prst="rect">
+            <a:avLst/>
+          </a:prstGeom>
+        </p:spPr>
+        <p:txBody>
+          <a:bodyPr lIns="0" rIns="0" tIns="0" bIns="0">
+            <a:normAutofit/>
+          </a:bodyPr>
+          <a:p>
+            <a:endParaRPr b="0" lang="pt-BR" sz="3200" spc="-1" strike="noStrike">
+              <a:solidFill>
+                <a:srgbClr val="000000"/>
+              </a:solidFill>
+              <a:uFill>
+                <a:solidFill>
+                  <a:srgbClr val="ffffff"/>
+                </a:solidFill>
+              </a:uFill>
+              <a:latin typeface="Source Sans Pro"/>
+            </a:endParaRPr>
+          </a:p>
+        </p:txBody>
+      </p:sp>
+      <p:sp>
+        <p:nvSpPr>
+          <p:cNvPr id="99" name="PlaceHolder 4"/>
+          <p:cNvSpPr>
+            <a:spLocks noGrp="1"/>
+          </p:cNvSpPr>
+          <p:nvPr>
+            <p:ph type="body"/>
+          </p:nvPr>
+        </p:nvSpPr>
+        <p:spPr>
+          <a:xfrm>
+            <a:off x="6102360" y="1920240"/>
+            <a:ext cx="5240880" cy="4663440"/>
+          </a:xfrm>
+          <a:prstGeom prst="rect">
+            <a:avLst/>
+          </a:prstGeom>
+        </p:spPr>
+        <p:txBody>
+          <a:bodyPr lIns="0" rIns="0" tIns="0" bIns="0">
+            <a:normAutofit/>
+          </a:bodyPr>
+          <a:p>
+            <a:endParaRPr b="0" lang="pt-BR" sz="3200" spc="-1" strike="noStrike">
+              <a:solidFill>
+                <a:srgbClr val="000000"/>
+              </a:solidFill>
+              <a:uFill>
+                <a:solidFill>
+                  <a:srgbClr val="ffffff"/>
+                </a:solidFill>
+              </a:uFill>
+              <a:latin typeface="Source Sans Pro"/>
+            </a:endParaRPr>
+          </a:p>
+        </p:txBody>
+      </p:sp>
+    </p:spTree>
+  </p:cSld>
+</p:sldLayout>
+</file>
+
+<file path=ppt/slideLayouts/slideLayout32.xml><?xml version="1.0" encoding="utf-8"?>
+<p:sldLayout xmlns:a="http://schemas.openxmlformats.org/drawingml/2006/main" xmlns:p="http://schemas.openxmlformats.org/presentationml/2006/main" xmlns:r="http://schemas.openxmlformats.org/officeDocument/2006/relationships" xmlns:p14="http://schemas.microsoft.com/office/powerpoint/2010/main" xmlns:p15="http://schemas.microsoft.com/office/powerpoint/2012/main" xmlns:mc="http://schemas.openxmlformats.org/markup-compatibility/2006" type="objAndTwoObj" preserve="1">
+  <p:cSld name="Title Content and 2 Content">
+    <p:spTree>
+      <p:nvGrpSpPr>
+        <p:cNvPr id="1" name=""/>
+        <p:cNvGrpSpPr/>
+        <p:nvPr/>
+      </p:nvGrpSpPr>
+      <p:grpSpPr>
+        <a:xfrm>
+          <a:off x="0" y="0"/>
+          <a:ext cx="0" cy="0"/>
+          <a:chOff x="0" y="0"/>
+          <a:chExt cx="0" cy="0"/>
+        </a:xfrm>
+      </p:grpSpPr>
+      <p:sp>
+        <p:nvSpPr>
+          <p:cNvPr id="100" name="PlaceHolder 1"/>
+          <p:cNvSpPr>
+            <a:spLocks noGrp="1"/>
+          </p:cNvSpPr>
+          <p:nvPr>
+            <p:ph type="title"/>
+          </p:nvPr>
+        </p:nvSpPr>
+        <p:spPr>
+          <a:xfrm>
+            <a:off x="599040" y="121320"/>
+            <a:ext cx="10798560" cy="1262160"/>
+          </a:xfrm>
+          <a:prstGeom prst="rect">
+            <a:avLst/>
+          </a:prstGeom>
+        </p:spPr>
+        <p:txBody>
+          <a:bodyPr lIns="0" rIns="0" tIns="0" bIns="0" anchor="b">
+            <a:normAutofit/>
+          </a:bodyPr>
+          <a:p>
+            <a:endParaRPr b="0" lang="pt-BR" sz="6000" spc="-1" strike="noStrike">
+              <a:solidFill>
+                <a:srgbClr val="ffffff"/>
+              </a:solidFill>
+              <a:uFill>
+                <a:solidFill>
+                  <a:srgbClr val="ffffff"/>
+                </a:solidFill>
+              </a:uFill>
+              <a:latin typeface="Source Sans Pro Light"/>
+            </a:endParaRPr>
+          </a:p>
+        </p:txBody>
+      </p:sp>
+      <p:sp>
+        <p:nvSpPr>
+          <p:cNvPr id="101" name="PlaceHolder 2"/>
+          <p:cNvSpPr>
+            <a:spLocks noGrp="1"/>
+          </p:cNvSpPr>
+          <p:nvPr>
+            <p:ph type="body"/>
+          </p:nvPr>
+        </p:nvSpPr>
+        <p:spPr>
+          <a:xfrm>
+            <a:off x="599040" y="1920240"/>
+            <a:ext cx="5240880" cy="4663440"/>
+          </a:xfrm>
+          <a:prstGeom prst="rect">
+            <a:avLst/>
+          </a:prstGeom>
+        </p:spPr>
+        <p:txBody>
+          <a:bodyPr lIns="0" rIns="0" tIns="0" bIns="0">
+            <a:normAutofit/>
+          </a:bodyPr>
+          <a:p>
+            <a:endParaRPr b="0" lang="pt-BR" sz="3200" spc="-1" strike="noStrike">
+              <a:solidFill>
+                <a:srgbClr val="000000"/>
+              </a:solidFill>
+              <a:uFill>
+                <a:solidFill>
+                  <a:srgbClr val="ffffff"/>
+                </a:solidFill>
+              </a:uFill>
+              <a:latin typeface="Source Sans Pro"/>
+            </a:endParaRPr>
+          </a:p>
+        </p:txBody>
+      </p:sp>
+      <p:sp>
+        <p:nvSpPr>
+          <p:cNvPr id="102" name="PlaceHolder 3"/>
+          <p:cNvSpPr>
+            <a:spLocks noGrp="1"/>
+          </p:cNvSpPr>
+          <p:nvPr>
+            <p:ph type="body"/>
+          </p:nvPr>
+        </p:nvSpPr>
+        <p:spPr>
+          <a:xfrm>
+            <a:off x="6102360" y="1920240"/>
+            <a:ext cx="5240880" cy="2224440"/>
+          </a:xfrm>
+          <a:prstGeom prst="rect">
+            <a:avLst/>
+          </a:prstGeom>
+        </p:spPr>
+        <p:txBody>
+          <a:bodyPr lIns="0" rIns="0" tIns="0" bIns="0">
+            <a:normAutofit/>
+          </a:bodyPr>
+          <a:p>
+            <a:endParaRPr b="0" lang="pt-BR" sz="3200" spc="-1" strike="noStrike">
+              <a:solidFill>
+                <a:srgbClr val="000000"/>
+              </a:solidFill>
+              <a:uFill>
+                <a:solidFill>
+                  <a:srgbClr val="ffffff"/>
+                </a:solidFill>
+              </a:uFill>
+              <a:latin typeface="Source Sans Pro"/>
+            </a:endParaRPr>
+          </a:p>
+        </p:txBody>
+      </p:sp>
+      <p:sp>
+        <p:nvSpPr>
+          <p:cNvPr id="103" name="PlaceHolder 4"/>
+          <p:cNvSpPr>
+            <a:spLocks noGrp="1"/>
+          </p:cNvSpPr>
+          <p:nvPr>
+            <p:ph type="body"/>
+          </p:nvPr>
+        </p:nvSpPr>
+        <p:spPr>
+          <a:xfrm>
+            <a:off x="6102360" y="4356360"/>
+            <a:ext cx="5240880" cy="2224440"/>
+          </a:xfrm>
+          <a:prstGeom prst="rect">
+            <a:avLst/>
+          </a:prstGeom>
+        </p:spPr>
+        <p:txBody>
+          <a:bodyPr lIns="0" rIns="0" tIns="0" bIns="0">
+            <a:normAutofit/>
+          </a:bodyPr>
+          <a:p>
+            <a:endParaRPr b="0" lang="pt-BR" sz="3200" spc="-1" strike="noStrike">
+              <a:solidFill>
+                <a:srgbClr val="000000"/>
+              </a:solidFill>
+              <a:uFill>
+                <a:solidFill>
+                  <a:srgbClr val="ffffff"/>
+                </a:solidFill>
+              </a:uFill>
+              <a:latin typeface="Source Sans Pro"/>
+            </a:endParaRPr>
+          </a:p>
+        </p:txBody>
+      </p:sp>
+    </p:spTree>
+  </p:cSld>
+</p:sldLayout>
+</file>
+
+<file path=ppt/slideLayouts/slideLayout33.xml><?xml version="1.0" encoding="utf-8"?>
+<p:sldLayout xmlns:a="http://schemas.openxmlformats.org/drawingml/2006/main" xmlns:p="http://schemas.openxmlformats.org/presentationml/2006/main" xmlns:r="http://schemas.openxmlformats.org/officeDocument/2006/relationships" xmlns:p14="http://schemas.microsoft.com/office/powerpoint/2010/main" xmlns:p15="http://schemas.microsoft.com/office/powerpoint/2012/main" xmlns:mc="http://schemas.openxmlformats.org/markup-compatibility/2006" type="twoObjOverTx" preserve="1">
+  <p:cSld name="Title, 2 Content over Content">
+    <p:spTree>
+      <p:nvGrpSpPr>
+        <p:cNvPr id="1" name=""/>
+        <p:cNvGrpSpPr/>
+        <p:nvPr/>
+      </p:nvGrpSpPr>
+      <p:grpSpPr>
+        <a:xfrm>
+          <a:off x="0" y="0"/>
+          <a:ext cx="0" cy="0"/>
+          <a:chOff x="0" y="0"/>
+          <a:chExt cx="0" cy="0"/>
+        </a:xfrm>
+      </p:grpSpPr>
+      <p:sp>
+        <p:nvSpPr>
+          <p:cNvPr id="104" name="PlaceHolder 1"/>
+          <p:cNvSpPr>
+            <a:spLocks noGrp="1"/>
+          </p:cNvSpPr>
+          <p:nvPr>
+            <p:ph type="title"/>
+          </p:nvPr>
+        </p:nvSpPr>
+        <p:spPr>
+          <a:xfrm>
+            <a:off x="599040" y="121320"/>
+            <a:ext cx="10798560" cy="1262160"/>
+          </a:xfrm>
+          <a:prstGeom prst="rect">
+            <a:avLst/>
+          </a:prstGeom>
+        </p:spPr>
+        <p:txBody>
+          <a:bodyPr lIns="0" rIns="0" tIns="0" bIns="0" anchor="b">
+            <a:normAutofit/>
+          </a:bodyPr>
+          <a:p>
+            <a:endParaRPr b="0" lang="pt-BR" sz="6000" spc="-1" strike="noStrike">
+              <a:solidFill>
+                <a:srgbClr val="ffffff"/>
+              </a:solidFill>
+              <a:uFill>
+                <a:solidFill>
+                  <a:srgbClr val="ffffff"/>
+                </a:solidFill>
+              </a:uFill>
+              <a:latin typeface="Source Sans Pro Light"/>
+            </a:endParaRPr>
+          </a:p>
+        </p:txBody>
+      </p:sp>
+      <p:sp>
+        <p:nvSpPr>
+          <p:cNvPr id="105" name="PlaceHolder 2"/>
+          <p:cNvSpPr>
+            <a:spLocks noGrp="1"/>
+          </p:cNvSpPr>
+          <p:nvPr>
+            <p:ph type="body"/>
+          </p:nvPr>
+        </p:nvSpPr>
+        <p:spPr>
+          <a:xfrm>
+            <a:off x="599040" y="1920240"/>
+            <a:ext cx="5240880" cy="2224440"/>
+          </a:xfrm>
+          <a:prstGeom prst="rect">
+            <a:avLst/>
+          </a:prstGeom>
+        </p:spPr>
+        <p:txBody>
+          <a:bodyPr lIns="0" rIns="0" tIns="0" bIns="0">
+            <a:normAutofit/>
+          </a:bodyPr>
+          <a:p>
+            <a:endParaRPr b="0" lang="pt-BR" sz="3200" spc="-1" strike="noStrike">
+              <a:solidFill>
+                <a:srgbClr val="000000"/>
+              </a:solidFill>
+              <a:uFill>
+                <a:solidFill>
+                  <a:srgbClr val="ffffff"/>
+                </a:solidFill>
+              </a:uFill>
+              <a:latin typeface="Source Sans Pro"/>
+            </a:endParaRPr>
+          </a:p>
+        </p:txBody>
+      </p:sp>
+      <p:sp>
+        <p:nvSpPr>
+          <p:cNvPr id="106" name="PlaceHolder 3"/>
+          <p:cNvSpPr>
+            <a:spLocks noGrp="1"/>
+          </p:cNvSpPr>
+          <p:nvPr>
+            <p:ph type="body"/>
+          </p:nvPr>
+        </p:nvSpPr>
+        <p:spPr>
+          <a:xfrm>
+            <a:off x="6102360" y="1920240"/>
+            <a:ext cx="5240880" cy="2224440"/>
+          </a:xfrm>
+          <a:prstGeom prst="rect">
+            <a:avLst/>
+          </a:prstGeom>
+        </p:spPr>
+        <p:txBody>
+          <a:bodyPr lIns="0" rIns="0" tIns="0" bIns="0">
+            <a:normAutofit/>
+          </a:bodyPr>
+          <a:p>
+            <a:endParaRPr b="0" lang="pt-BR" sz="3200" spc="-1" strike="noStrike">
+              <a:solidFill>
+                <a:srgbClr val="000000"/>
+              </a:solidFill>
+              <a:uFill>
+                <a:solidFill>
+                  <a:srgbClr val="ffffff"/>
+                </a:solidFill>
+              </a:uFill>
+              <a:latin typeface="Source Sans Pro"/>
+            </a:endParaRPr>
+          </a:p>
+        </p:txBody>
+      </p:sp>
+      <p:sp>
+        <p:nvSpPr>
+          <p:cNvPr id="107" name="PlaceHolder 4"/>
+          <p:cNvSpPr>
+            <a:spLocks noGrp="1"/>
+          </p:cNvSpPr>
+          <p:nvPr>
+            <p:ph type="body"/>
+          </p:nvPr>
+        </p:nvSpPr>
+        <p:spPr>
+          <a:xfrm>
+            <a:off x="599040" y="4356360"/>
+            <a:ext cx="10739520" cy="2224440"/>
+          </a:xfrm>
+          <a:prstGeom prst="rect">
+            <a:avLst/>
+          </a:prstGeom>
+        </p:spPr>
+        <p:txBody>
+          <a:bodyPr lIns="0" rIns="0" tIns="0" bIns="0">
+            <a:normAutofit/>
+          </a:bodyPr>
+          <a:p>
+            <a:endParaRPr b="0" lang="pt-BR" sz="3200" spc="-1" strike="noStrike">
+              <a:solidFill>
+                <a:srgbClr val="000000"/>
+              </a:solidFill>
+              <a:uFill>
+                <a:solidFill>
+                  <a:srgbClr val="ffffff"/>
+                </a:solidFill>
+              </a:uFill>
+              <a:latin typeface="Source Sans Pro"/>
+            </a:endParaRPr>
+          </a:p>
+        </p:txBody>
+      </p:sp>
+    </p:spTree>
+  </p:cSld>
+</p:sldLayout>
+</file>
+
+<file path=ppt/slideLayouts/slideLayout34.xml><?xml version="1.0" encoding="utf-8"?>
+<p:sldLayout xmlns:a="http://schemas.openxmlformats.org/drawingml/2006/main" xmlns:p="http://schemas.openxmlformats.org/presentationml/2006/main" xmlns:r="http://schemas.openxmlformats.org/officeDocument/2006/relationships" xmlns:p14="http://schemas.microsoft.com/office/powerpoint/2010/main" xmlns:p15="http://schemas.microsoft.com/office/powerpoint/2012/main" xmlns:mc="http://schemas.openxmlformats.org/markup-compatibility/2006" type="objOverTx" preserve="1">
+  <p:cSld name="Title, Content over Content">
+    <p:spTree>
+      <p:nvGrpSpPr>
+        <p:cNvPr id="1" name=""/>
+        <p:cNvGrpSpPr/>
+        <p:nvPr/>
+      </p:nvGrpSpPr>
+      <p:grpSpPr>
+        <a:xfrm>
+          <a:off x="0" y="0"/>
+          <a:ext cx="0" cy="0"/>
+          <a:chOff x="0" y="0"/>
+          <a:chExt cx="0" cy="0"/>
+        </a:xfrm>
+      </p:grpSpPr>
+      <p:sp>
+        <p:nvSpPr>
+          <p:cNvPr id="108" name="PlaceHolder 1"/>
+          <p:cNvSpPr>
+            <a:spLocks noGrp="1"/>
+          </p:cNvSpPr>
+          <p:nvPr>
+            <p:ph type="title"/>
+          </p:nvPr>
+        </p:nvSpPr>
+        <p:spPr>
+          <a:xfrm>
+            <a:off x="599040" y="121320"/>
+            <a:ext cx="10798560" cy="1262160"/>
+          </a:xfrm>
+          <a:prstGeom prst="rect">
+            <a:avLst/>
+          </a:prstGeom>
+        </p:spPr>
+        <p:txBody>
+          <a:bodyPr lIns="0" rIns="0" tIns="0" bIns="0" anchor="b">
+            <a:normAutofit/>
+          </a:bodyPr>
+          <a:p>
+            <a:endParaRPr b="0" lang="pt-BR" sz="6000" spc="-1" strike="noStrike">
+              <a:solidFill>
+                <a:srgbClr val="ffffff"/>
+              </a:solidFill>
+              <a:uFill>
+                <a:solidFill>
+                  <a:srgbClr val="ffffff"/>
+                </a:solidFill>
+              </a:uFill>
+              <a:latin typeface="Source Sans Pro Light"/>
+            </a:endParaRPr>
+          </a:p>
+        </p:txBody>
+      </p:sp>
+      <p:sp>
+        <p:nvSpPr>
+          <p:cNvPr id="109" name="PlaceHolder 2"/>
+          <p:cNvSpPr>
+            <a:spLocks noGrp="1"/>
+          </p:cNvSpPr>
+          <p:nvPr>
+            <p:ph type="body"/>
+          </p:nvPr>
+        </p:nvSpPr>
+        <p:spPr>
+          <a:xfrm>
+            <a:off x="599040" y="1920240"/>
+            <a:ext cx="10739520" cy="2224440"/>
+          </a:xfrm>
+          <a:prstGeom prst="rect">
+            <a:avLst/>
+          </a:prstGeom>
+        </p:spPr>
+        <p:txBody>
+          <a:bodyPr lIns="0" rIns="0" tIns="0" bIns="0">
+            <a:normAutofit/>
+          </a:bodyPr>
+          <a:p>
+            <a:endParaRPr b="0" lang="pt-BR" sz="3200" spc="-1" strike="noStrike">
+              <a:solidFill>
+                <a:srgbClr val="000000"/>
+              </a:solidFill>
+              <a:uFill>
+                <a:solidFill>
+                  <a:srgbClr val="ffffff"/>
+                </a:solidFill>
+              </a:uFill>
+              <a:latin typeface="Source Sans Pro"/>
+            </a:endParaRPr>
+          </a:p>
+        </p:txBody>
+      </p:sp>
+      <p:sp>
+        <p:nvSpPr>
+          <p:cNvPr id="110" name="PlaceHolder 3"/>
+          <p:cNvSpPr>
+            <a:spLocks noGrp="1"/>
+          </p:cNvSpPr>
+          <p:nvPr>
+            <p:ph type="body"/>
+          </p:nvPr>
+        </p:nvSpPr>
+        <p:spPr>
+          <a:xfrm>
+            <a:off x="599040" y="4356360"/>
+            <a:ext cx="10739520" cy="2224440"/>
+          </a:xfrm>
+          <a:prstGeom prst="rect">
+            <a:avLst/>
+          </a:prstGeom>
+        </p:spPr>
+        <p:txBody>
+          <a:bodyPr lIns="0" rIns="0" tIns="0" bIns="0">
+            <a:normAutofit/>
+          </a:bodyPr>
+          <a:p>
+            <a:endParaRPr b="0" lang="pt-BR" sz="3200" spc="-1" strike="noStrike">
+              <a:solidFill>
+                <a:srgbClr val="000000"/>
+              </a:solidFill>
+              <a:uFill>
+                <a:solidFill>
+                  <a:srgbClr val="ffffff"/>
+                </a:solidFill>
+              </a:uFill>
+              <a:latin typeface="Source Sans Pro"/>
+            </a:endParaRPr>
+          </a:p>
+        </p:txBody>
+      </p:sp>
+    </p:spTree>
+  </p:cSld>
+</p:sldLayout>
+</file>
+
+<file path=ppt/slideLayouts/slideLayout35.xml><?xml version="1.0" encoding="utf-8"?>
+<p:sldLayout xmlns:a="http://schemas.openxmlformats.org/drawingml/2006/main" xmlns:p="http://schemas.openxmlformats.org/presentationml/2006/main" xmlns:r="http://schemas.openxmlformats.org/officeDocument/2006/relationships" xmlns:p14="http://schemas.microsoft.com/office/powerpoint/2010/main" xmlns:p15="http://schemas.microsoft.com/office/powerpoint/2012/main" xmlns:mc="http://schemas.openxmlformats.org/markup-compatibility/2006" type="fourObj" preserve="1">
+  <p:cSld name="Title, 4 Content">
+    <p:spTree>
+      <p:nvGrpSpPr>
+        <p:cNvPr id="1" name=""/>
+        <p:cNvGrpSpPr/>
+        <p:nvPr/>
+      </p:nvGrpSpPr>
+      <p:grpSpPr>
+        <a:xfrm>
+          <a:off x="0" y="0"/>
+          <a:ext cx="0" cy="0"/>
+          <a:chOff x="0" y="0"/>
+          <a:chExt cx="0" cy="0"/>
+        </a:xfrm>
+      </p:grpSpPr>
+      <p:sp>
+        <p:nvSpPr>
+          <p:cNvPr id="111" name="PlaceHolder 1"/>
+          <p:cNvSpPr>
+            <a:spLocks noGrp="1"/>
+          </p:cNvSpPr>
+          <p:nvPr>
+            <p:ph type="title"/>
+          </p:nvPr>
+        </p:nvSpPr>
+        <p:spPr>
+          <a:xfrm>
+            <a:off x="599040" y="121320"/>
+            <a:ext cx="10798560" cy="1262160"/>
+          </a:xfrm>
+          <a:prstGeom prst="rect">
+            <a:avLst/>
+          </a:prstGeom>
+        </p:spPr>
+        <p:txBody>
+          <a:bodyPr lIns="0" rIns="0" tIns="0" bIns="0" anchor="b">
+            <a:normAutofit/>
+          </a:bodyPr>
+          <a:p>
+            <a:endParaRPr b="0" lang="pt-BR" sz="6000" spc="-1" strike="noStrike">
+              <a:solidFill>
+                <a:srgbClr val="ffffff"/>
+              </a:solidFill>
+              <a:uFill>
+                <a:solidFill>
+                  <a:srgbClr val="ffffff"/>
+                </a:solidFill>
+              </a:uFill>
+              <a:latin typeface="Source Sans Pro Light"/>
+            </a:endParaRPr>
+          </a:p>
+        </p:txBody>
+      </p:sp>
+      <p:sp>
+        <p:nvSpPr>
+          <p:cNvPr id="112" name="PlaceHolder 2"/>
+          <p:cNvSpPr>
+            <a:spLocks noGrp="1"/>
+          </p:cNvSpPr>
+          <p:nvPr>
+            <p:ph type="body"/>
+          </p:nvPr>
+        </p:nvSpPr>
+        <p:spPr>
+          <a:xfrm>
+            <a:off x="599040" y="1920240"/>
+            <a:ext cx="5240880" cy="2224440"/>
+          </a:xfrm>
+          <a:prstGeom prst="rect">
+            <a:avLst/>
+          </a:prstGeom>
+        </p:spPr>
+        <p:txBody>
+          <a:bodyPr lIns="0" rIns="0" tIns="0" bIns="0">
+            <a:normAutofit/>
+          </a:bodyPr>
+          <a:p>
+            <a:endParaRPr b="0" lang="pt-BR" sz="3200" spc="-1" strike="noStrike">
+              <a:solidFill>
+                <a:srgbClr val="000000"/>
+              </a:solidFill>
+              <a:uFill>
+                <a:solidFill>
+                  <a:srgbClr val="ffffff"/>
+                </a:solidFill>
+              </a:uFill>
+              <a:latin typeface="Source Sans Pro"/>
+            </a:endParaRPr>
+          </a:p>
+        </p:txBody>
+      </p:sp>
+      <p:sp>
+        <p:nvSpPr>
+          <p:cNvPr id="113" name="PlaceHolder 3"/>
+          <p:cNvSpPr>
+            <a:spLocks noGrp="1"/>
+          </p:cNvSpPr>
+          <p:nvPr>
+            <p:ph type="body"/>
+          </p:nvPr>
+        </p:nvSpPr>
+        <p:spPr>
+          <a:xfrm>
+            <a:off x="6102360" y="1920240"/>
+            <a:ext cx="5240880" cy="2224440"/>
+          </a:xfrm>
+          <a:prstGeom prst="rect">
+            <a:avLst/>
+          </a:prstGeom>
+        </p:spPr>
+        <p:txBody>
+          <a:bodyPr lIns="0" rIns="0" tIns="0" bIns="0">
+            <a:normAutofit/>
+          </a:bodyPr>
+          <a:p>
+            <a:endParaRPr b="0" lang="pt-BR" sz="3200" spc="-1" strike="noStrike">
+              <a:solidFill>
+                <a:srgbClr val="000000"/>
+              </a:solidFill>
+              <a:uFill>
+                <a:solidFill>
+                  <a:srgbClr val="ffffff"/>
+                </a:solidFill>
+              </a:uFill>
+              <a:latin typeface="Source Sans Pro"/>
+            </a:endParaRPr>
+          </a:p>
+        </p:txBody>
+      </p:sp>
+      <p:sp>
+        <p:nvSpPr>
+          <p:cNvPr id="114" name="PlaceHolder 4"/>
+          <p:cNvSpPr>
+            <a:spLocks noGrp="1"/>
+          </p:cNvSpPr>
+          <p:nvPr>
+            <p:ph type="body"/>
+          </p:nvPr>
+        </p:nvSpPr>
+        <p:spPr>
+          <a:xfrm>
+            <a:off x="6102360" y="4356360"/>
+            <a:ext cx="5240880" cy="2224440"/>
+          </a:xfrm>
+          <a:prstGeom prst="rect">
+            <a:avLst/>
+          </a:prstGeom>
+        </p:spPr>
+        <p:txBody>
+          <a:bodyPr lIns="0" rIns="0" tIns="0" bIns="0">
+            <a:normAutofit/>
+          </a:bodyPr>
+          <a:p>
+            <a:endParaRPr b="0" lang="pt-BR" sz="3200" spc="-1" strike="noStrike">
+              <a:solidFill>
+                <a:srgbClr val="000000"/>
+              </a:solidFill>
+              <a:uFill>
+                <a:solidFill>
+                  <a:srgbClr val="ffffff"/>
+                </a:solidFill>
+              </a:uFill>
+              <a:latin typeface="Source Sans Pro"/>
+            </a:endParaRPr>
+          </a:p>
+        </p:txBody>
+      </p:sp>
+      <p:sp>
+        <p:nvSpPr>
+          <p:cNvPr id="115" name="PlaceHolder 5"/>
+          <p:cNvSpPr>
+            <a:spLocks noGrp="1"/>
+          </p:cNvSpPr>
+          <p:nvPr>
+            <p:ph type="body"/>
+          </p:nvPr>
+        </p:nvSpPr>
+        <p:spPr>
+          <a:xfrm>
+            <a:off x="599040" y="4356360"/>
+            <a:ext cx="5240880" cy="2224440"/>
+          </a:xfrm>
+          <a:prstGeom prst="rect">
+            <a:avLst/>
+          </a:prstGeom>
+        </p:spPr>
+        <p:txBody>
+          <a:bodyPr lIns="0" rIns="0" tIns="0" bIns="0">
+            <a:normAutofit/>
+          </a:bodyPr>
+          <a:p>
+            <a:endParaRPr b="0" lang="pt-BR" sz="3200" spc="-1" strike="noStrike">
+              <a:solidFill>
+                <a:srgbClr val="000000"/>
+              </a:solidFill>
+              <a:uFill>
+                <a:solidFill>
+                  <a:srgbClr val="ffffff"/>
+                </a:solidFill>
+              </a:uFill>
+              <a:latin typeface="Source Sans Pro"/>
+            </a:endParaRPr>
+          </a:p>
+        </p:txBody>
+      </p:sp>
+    </p:spTree>
+  </p:cSld>
+</p:sldLayout>
+</file>
+
+<file path=ppt/slideLayouts/slideLayout36.xml><?xml version="1.0" encoding="utf-8"?>
+<p:sldLayout xmlns:a="http://schemas.openxmlformats.org/drawingml/2006/main" xmlns:p="http://schemas.openxmlformats.org/presentationml/2006/main" xmlns:r="http://schemas.openxmlformats.org/officeDocument/2006/relationships" xmlns:p14="http://schemas.microsoft.com/office/powerpoint/2010/main" xmlns:p15="http://schemas.microsoft.com/office/powerpoint/2012/main" xmlns:mc="http://schemas.openxmlformats.org/markup-compatibility/2006" type="blank" preserve="1">
+  <p:cSld name="Title, 6 Content">
+    <p:spTree>
+      <p:nvGrpSpPr>
+        <p:cNvPr id="1" name=""/>
+        <p:cNvGrpSpPr/>
+        <p:nvPr/>
+      </p:nvGrpSpPr>
+      <p:grpSpPr>
+        <a:xfrm>
+          <a:off x="0" y="0"/>
+          <a:ext cx="0" cy="0"/>
+          <a:chOff x="0" y="0"/>
+          <a:chExt cx="0" cy="0"/>
+        </a:xfrm>
+      </p:grpSpPr>
+      <p:sp>
+        <p:nvSpPr>
+          <p:cNvPr id="116" name="PlaceHolder 1"/>
+          <p:cNvSpPr>
+            <a:spLocks noGrp="1"/>
+          </p:cNvSpPr>
+          <p:nvPr>
+            <p:ph type="title"/>
+          </p:nvPr>
+        </p:nvSpPr>
+        <p:spPr>
+          <a:xfrm>
+            <a:off x="599040" y="121320"/>
+            <a:ext cx="10798560" cy="1262160"/>
+          </a:xfrm>
+          <a:prstGeom prst="rect">
+            <a:avLst/>
+          </a:prstGeom>
+        </p:spPr>
+        <p:txBody>
+          <a:bodyPr lIns="0" rIns="0" tIns="0" bIns="0" anchor="b">
+            <a:normAutofit/>
+          </a:bodyPr>
+          <a:p>
+            <a:endParaRPr b="0" lang="pt-BR" sz="6000" spc="-1" strike="noStrike">
+              <a:solidFill>
+                <a:srgbClr val="ffffff"/>
+              </a:solidFill>
+              <a:uFill>
+                <a:solidFill>
+                  <a:srgbClr val="ffffff"/>
+                </a:solidFill>
+              </a:uFill>
+              <a:latin typeface="Source Sans Pro Light"/>
+            </a:endParaRPr>
+          </a:p>
+        </p:txBody>
+      </p:sp>
+      <p:sp>
+        <p:nvSpPr>
+          <p:cNvPr id="117" name="PlaceHolder 2"/>
+          <p:cNvSpPr>
+            <a:spLocks noGrp="1"/>
+          </p:cNvSpPr>
+          <p:nvPr>
+            <p:ph type="body"/>
+          </p:nvPr>
+        </p:nvSpPr>
+        <p:spPr>
+          <a:xfrm>
+            <a:off x="599040" y="1920240"/>
+            <a:ext cx="3457800" cy="2224440"/>
+          </a:xfrm>
+          <a:prstGeom prst="rect">
+            <a:avLst/>
+          </a:prstGeom>
+        </p:spPr>
+        <p:txBody>
+          <a:bodyPr lIns="0" rIns="0" tIns="0" bIns="0">
+            <a:normAutofit/>
+          </a:bodyPr>
+          <a:p>
+            <a:endParaRPr b="0" lang="pt-BR" sz="3200" spc="-1" strike="noStrike">
+              <a:solidFill>
+                <a:srgbClr val="000000"/>
+              </a:solidFill>
+              <a:uFill>
+                <a:solidFill>
+                  <a:srgbClr val="ffffff"/>
+                </a:solidFill>
+              </a:uFill>
+              <a:latin typeface="Source Sans Pro"/>
+            </a:endParaRPr>
+          </a:p>
+        </p:txBody>
+      </p:sp>
+      <p:sp>
+        <p:nvSpPr>
+          <p:cNvPr id="118" name="PlaceHolder 3"/>
+          <p:cNvSpPr>
+            <a:spLocks noGrp="1"/>
+          </p:cNvSpPr>
+          <p:nvPr>
+            <p:ph type="body"/>
+          </p:nvPr>
+        </p:nvSpPr>
+        <p:spPr>
+          <a:xfrm>
+            <a:off x="4230000" y="1920240"/>
+            <a:ext cx="3457800" cy="2224440"/>
+          </a:xfrm>
+          <a:prstGeom prst="rect">
+            <a:avLst/>
+          </a:prstGeom>
+        </p:spPr>
+        <p:txBody>
+          <a:bodyPr lIns="0" rIns="0" tIns="0" bIns="0">
+            <a:normAutofit/>
+          </a:bodyPr>
+          <a:p>
+            <a:endParaRPr b="0" lang="pt-BR" sz="3200" spc="-1" strike="noStrike">
+              <a:solidFill>
+                <a:srgbClr val="000000"/>
+              </a:solidFill>
+              <a:uFill>
+                <a:solidFill>
+                  <a:srgbClr val="ffffff"/>
+                </a:solidFill>
+              </a:uFill>
+              <a:latin typeface="Source Sans Pro"/>
+            </a:endParaRPr>
+          </a:p>
+        </p:txBody>
+      </p:sp>
+      <p:sp>
+        <p:nvSpPr>
+          <p:cNvPr id="119" name="PlaceHolder 4"/>
+          <p:cNvSpPr>
+            <a:spLocks noGrp="1"/>
+          </p:cNvSpPr>
+          <p:nvPr>
+            <p:ph type="body"/>
+          </p:nvPr>
+        </p:nvSpPr>
+        <p:spPr>
+          <a:xfrm>
+            <a:off x="7861320" y="1920240"/>
+            <a:ext cx="3457800" cy="2224440"/>
+          </a:xfrm>
+          <a:prstGeom prst="rect">
+            <a:avLst/>
+          </a:prstGeom>
+        </p:spPr>
+        <p:txBody>
+          <a:bodyPr lIns="0" rIns="0" tIns="0" bIns="0">
+            <a:normAutofit/>
+          </a:bodyPr>
+          <a:p>
+            <a:endParaRPr b="0" lang="pt-BR" sz="3200" spc="-1" strike="noStrike">
+              <a:solidFill>
+                <a:srgbClr val="000000"/>
+              </a:solidFill>
+              <a:uFill>
+                <a:solidFill>
+                  <a:srgbClr val="ffffff"/>
+                </a:solidFill>
+              </a:uFill>
+              <a:latin typeface="Source Sans Pro"/>
+            </a:endParaRPr>
+          </a:p>
+        </p:txBody>
+      </p:sp>
+      <p:sp>
+        <p:nvSpPr>
+          <p:cNvPr id="120" name="PlaceHolder 5"/>
+          <p:cNvSpPr>
+            <a:spLocks noGrp="1"/>
+          </p:cNvSpPr>
+          <p:nvPr>
+            <p:ph type="body"/>
+          </p:nvPr>
+        </p:nvSpPr>
+        <p:spPr>
+          <a:xfrm>
+            <a:off x="7861320" y="4356360"/>
+            <a:ext cx="3457800" cy="2224440"/>
+          </a:xfrm>
+          <a:prstGeom prst="rect">
+            <a:avLst/>
+          </a:prstGeom>
+        </p:spPr>
+        <p:txBody>
+          <a:bodyPr lIns="0" rIns="0" tIns="0" bIns="0">
+            <a:normAutofit/>
+          </a:bodyPr>
+          <a:p>
+            <a:endParaRPr b="0" lang="pt-BR" sz="3200" spc="-1" strike="noStrike">
+              <a:solidFill>
+                <a:srgbClr val="000000"/>
+              </a:solidFill>
+              <a:uFill>
+                <a:solidFill>
+                  <a:srgbClr val="ffffff"/>
+                </a:solidFill>
+              </a:uFill>
+              <a:latin typeface="Source Sans Pro"/>
+            </a:endParaRPr>
+          </a:p>
+        </p:txBody>
+      </p:sp>
+      <p:sp>
+        <p:nvSpPr>
+          <p:cNvPr id="121" name="PlaceHolder 6"/>
+          <p:cNvSpPr>
+            <a:spLocks noGrp="1"/>
+          </p:cNvSpPr>
+          <p:nvPr>
+            <p:ph type="body"/>
+          </p:nvPr>
+        </p:nvSpPr>
+        <p:spPr>
+          <a:xfrm>
+            <a:off x="4230000" y="4356360"/>
+            <a:ext cx="3457800" cy="2224440"/>
+          </a:xfrm>
+          <a:prstGeom prst="rect">
+            <a:avLst/>
+          </a:prstGeom>
+        </p:spPr>
+        <p:txBody>
+          <a:bodyPr lIns="0" rIns="0" tIns="0" bIns="0">
+            <a:normAutofit/>
+          </a:bodyPr>
+          <a:p>
+            <a:endParaRPr b="0" lang="pt-BR" sz="3200" spc="-1" strike="noStrike">
+              <a:solidFill>
+                <a:srgbClr val="000000"/>
+              </a:solidFill>
+              <a:uFill>
+                <a:solidFill>
+                  <a:srgbClr val="ffffff"/>
+                </a:solidFill>
+              </a:uFill>
+              <a:latin typeface="Source Sans Pro"/>
+            </a:endParaRPr>
+          </a:p>
+        </p:txBody>
+      </p:sp>
+      <p:sp>
+        <p:nvSpPr>
+          <p:cNvPr id="122" name="PlaceHolder 7"/>
+          <p:cNvSpPr>
+            <a:spLocks noGrp="1"/>
+          </p:cNvSpPr>
+          <p:nvPr>
+            <p:ph type="body"/>
+          </p:nvPr>
+        </p:nvSpPr>
+        <p:spPr>
+          <a:xfrm>
+            <a:off x="599040" y="4356360"/>
+            <a:ext cx="3457800" cy="2224440"/>
+          </a:xfrm>
+          <a:prstGeom prst="rect">
+            <a:avLst/>
+          </a:prstGeom>
+        </p:spPr>
+        <p:txBody>
+          <a:bodyPr lIns="0" rIns="0" tIns="0" bIns="0">
+            <a:normAutofit/>
+          </a:bodyPr>
+          <a:p>
+            <a:endParaRPr b="0" lang="pt-BR" sz="3200" spc="-1" strike="noStrike">
+              <a:solidFill>
+                <a:srgbClr val="000000"/>
+              </a:solidFill>
+              <a:uFill>
+                <a:solidFill>
+                  <a:srgbClr val="ffffff"/>
+                </a:solidFill>
+              </a:uFill>
+              <a:latin typeface="Source Sans Pro"/>
             </a:endParaRPr>
           </a:p>
         </p:txBody>
@@ -2498,26 +4160,28 @@
         </p:nvSpPr>
         <p:spPr>
           <a:xfrm>
-            <a:off x="838080" y="365040"/>
-            <a:ext cx="10515240" cy="1325160"/>
-          </a:xfrm>
-          <a:prstGeom prst="rect">
-            <a:avLst/>
-          </a:prstGeom>
-        </p:spPr>
-        <p:txBody>
-          <a:bodyPr lIns="0" rIns="0" tIns="0" bIns="0" anchor="ctr"/>
-          <a:p>
-            <a:endParaRPr b="0" lang="pt-BR" sz="1800" spc="-1" strike="noStrike">
-              <a:solidFill>
-                <a:srgbClr val="000000"/>
-              </a:solidFill>
-              <a:uFill>
-                <a:solidFill>
-                  <a:srgbClr val="ffffff"/>
-                </a:solidFill>
-              </a:uFill>
-              <a:latin typeface="Calibri"/>
+            <a:off x="599040" y="121320"/>
+            <a:ext cx="10798560" cy="1262160"/>
+          </a:xfrm>
+          <a:prstGeom prst="rect">
+            <a:avLst/>
+          </a:prstGeom>
+        </p:spPr>
+        <p:txBody>
+          <a:bodyPr lIns="0" rIns="0" tIns="0" bIns="0" anchor="b">
+            <a:normAutofit/>
+          </a:bodyPr>
+          <a:p>
+            <a:endParaRPr b="0" lang="pt-BR" sz="6000" spc="-1" strike="noStrike">
+              <a:solidFill>
+                <a:srgbClr val="ffffff"/>
+              </a:solidFill>
+              <a:uFill>
+                <a:solidFill>
+                  <a:srgbClr val="ffffff"/>
+                </a:solidFill>
+              </a:uFill>
+              <a:latin typeface="Source Sans Pro Light"/>
             </a:endParaRPr>
           </a:p>
         </p:txBody>
@@ -2534,8 +4198,8 @@
         </p:nvSpPr>
         <p:spPr>
           <a:xfrm>
-            <a:off x="838080" y="1825560"/>
-            <a:ext cx="5131080" cy="4350960"/>
+            <a:off x="599040" y="1920240"/>
+            <a:ext cx="5240880" cy="4663440"/>
           </a:xfrm>
           <a:prstGeom prst="rect">
             <a:avLst/>
@@ -2546,16 +4210,16 @@
             <a:normAutofit/>
           </a:bodyPr>
           <a:p>
-            <a:endParaRPr b="0" lang="pt-BR" sz="2800" spc="-1" strike="noStrike">
-              <a:solidFill>
-                <a:srgbClr val="000000"/>
-              </a:solidFill>
-              <a:uFill>
-                <a:solidFill>
-                  <a:srgbClr val="ffffff"/>
-                </a:solidFill>
-              </a:uFill>
-              <a:latin typeface="Calibri"/>
+            <a:endParaRPr b="0" lang="pt-BR" sz="3200" spc="-1" strike="noStrike">
+              <a:solidFill>
+                <a:srgbClr val="000000"/>
+              </a:solidFill>
+              <a:uFill>
+                <a:solidFill>
+                  <a:srgbClr val="ffffff"/>
+                </a:solidFill>
+              </a:uFill>
+              <a:latin typeface="Source Sans Pro"/>
             </a:endParaRPr>
           </a:p>
         </p:txBody>
@@ -2572,8 +4236,8 @@
         </p:nvSpPr>
         <p:spPr>
           <a:xfrm>
-            <a:off x="6226200" y="1825560"/>
-            <a:ext cx="5131080" cy="4350960"/>
+            <a:off x="6102360" y="1920240"/>
+            <a:ext cx="5240880" cy="4663440"/>
           </a:xfrm>
           <a:prstGeom prst="rect">
             <a:avLst/>
@@ -2584,16 +4248,16 @@
             <a:normAutofit/>
           </a:bodyPr>
           <a:p>
-            <a:endParaRPr b="0" lang="pt-BR" sz="2800" spc="-1" strike="noStrike">
-              <a:solidFill>
-                <a:srgbClr val="000000"/>
-              </a:solidFill>
-              <a:uFill>
-                <a:solidFill>
-                  <a:srgbClr val="ffffff"/>
-                </a:solidFill>
-              </a:uFill>
-              <a:latin typeface="Calibri"/>
+            <a:endParaRPr b="0" lang="pt-BR" sz="3200" spc="-1" strike="noStrike">
+              <a:solidFill>
+                <a:srgbClr val="000000"/>
+              </a:solidFill>
+              <a:uFill>
+                <a:solidFill>
+                  <a:srgbClr val="ffffff"/>
+                </a:solidFill>
+              </a:uFill>
+              <a:latin typeface="Source Sans Pro"/>
             </a:endParaRPr>
           </a:p>
         </p:txBody>
@@ -2632,26 +4296,28 @@
         </p:nvSpPr>
         <p:spPr>
           <a:xfrm>
-            <a:off x="838080" y="365040"/>
-            <a:ext cx="10515240" cy="1325160"/>
-          </a:xfrm>
-          <a:prstGeom prst="rect">
-            <a:avLst/>
-          </a:prstGeom>
-        </p:spPr>
-        <p:txBody>
-          <a:bodyPr lIns="0" rIns="0" tIns="0" bIns="0" anchor="ctr"/>
-          <a:p>
-            <a:endParaRPr b="0" lang="pt-BR" sz="1800" spc="-1" strike="noStrike">
-              <a:solidFill>
-                <a:srgbClr val="000000"/>
-              </a:solidFill>
-              <a:uFill>
-                <a:solidFill>
-                  <a:srgbClr val="ffffff"/>
-                </a:solidFill>
-              </a:uFill>
-              <a:latin typeface="Calibri"/>
+            <a:off x="599040" y="121320"/>
+            <a:ext cx="10798560" cy="1262160"/>
+          </a:xfrm>
+          <a:prstGeom prst="rect">
+            <a:avLst/>
+          </a:prstGeom>
+        </p:spPr>
+        <p:txBody>
+          <a:bodyPr lIns="0" rIns="0" tIns="0" bIns="0" anchor="b">
+            <a:normAutofit/>
+          </a:bodyPr>
+          <a:p>
+            <a:endParaRPr b="0" lang="pt-BR" sz="6000" spc="-1" strike="noStrike">
+              <a:solidFill>
+                <a:srgbClr val="ffffff"/>
+              </a:solidFill>
+              <a:uFill>
+                <a:solidFill>
+                  <a:srgbClr val="ffffff"/>
+                </a:solidFill>
+              </a:uFill>
+              <a:latin typeface="Source Sans Pro Light"/>
             </a:endParaRPr>
           </a:p>
         </p:txBody>
@@ -2690,8 +4356,8 @@
         </p:nvSpPr>
         <p:spPr>
           <a:xfrm>
-            <a:off x="838080" y="365040"/>
-            <a:ext cx="10515240" cy="6144120"/>
+            <a:off x="599040" y="121320"/>
+            <a:ext cx="10798560" cy="5851800"/>
           </a:xfrm>
           <a:prstGeom prst="rect">
             <a:avLst/>
@@ -2701,16 +4367,16 @@
           <a:bodyPr lIns="0" rIns="0" tIns="0" bIns="0" anchor="ctr"/>
           <a:p>
             <a:pPr algn="ctr"/>
-            <a:endParaRPr b="0" lang="pt-BR" sz="3200" spc="-1" strike="noStrike">
-              <a:solidFill>
-                <a:srgbClr val="000000"/>
-              </a:solidFill>
-              <a:uFill>
-                <a:solidFill>
-                  <a:srgbClr val="ffffff"/>
-                </a:solidFill>
-              </a:uFill>
-              <a:latin typeface="Arial"/>
+            <a:endParaRPr b="1" lang="pt-BR" sz="3200" spc="-1" strike="noStrike">
+              <a:solidFill>
+                <a:srgbClr val="04617b"/>
+              </a:solidFill>
+              <a:uFill>
+                <a:solidFill>
+                  <a:srgbClr val="ffffff"/>
+                </a:solidFill>
+              </a:uFill>
+              <a:latin typeface="Source Sans Pro"/>
             </a:endParaRPr>
           </a:p>
         </p:txBody>
@@ -2749,26 +4415,28 @@
         </p:nvSpPr>
         <p:spPr>
           <a:xfrm>
-            <a:off x="838080" y="365040"/>
-            <a:ext cx="10515240" cy="1325160"/>
-          </a:xfrm>
-          <a:prstGeom prst="rect">
-            <a:avLst/>
-          </a:prstGeom>
-        </p:spPr>
-        <p:txBody>
-          <a:bodyPr lIns="0" rIns="0" tIns="0" bIns="0" anchor="ctr"/>
-          <a:p>
-            <a:endParaRPr b="0" lang="pt-BR" sz="1800" spc="-1" strike="noStrike">
-              <a:solidFill>
-                <a:srgbClr val="000000"/>
-              </a:solidFill>
-              <a:uFill>
-                <a:solidFill>
-                  <a:srgbClr val="ffffff"/>
-                </a:solidFill>
-              </a:uFill>
-              <a:latin typeface="Calibri"/>
+            <a:off x="599040" y="121320"/>
+            <a:ext cx="10798560" cy="1262160"/>
+          </a:xfrm>
+          <a:prstGeom prst="rect">
+            <a:avLst/>
+          </a:prstGeom>
+        </p:spPr>
+        <p:txBody>
+          <a:bodyPr lIns="0" rIns="0" tIns="0" bIns="0" anchor="b">
+            <a:normAutofit/>
+          </a:bodyPr>
+          <a:p>
+            <a:endParaRPr b="0" lang="pt-BR" sz="6000" spc="-1" strike="noStrike">
+              <a:solidFill>
+                <a:srgbClr val="ffffff"/>
+              </a:solidFill>
+              <a:uFill>
+                <a:solidFill>
+                  <a:srgbClr val="ffffff"/>
+                </a:solidFill>
+              </a:uFill>
+              <a:latin typeface="Source Sans Pro Light"/>
             </a:endParaRPr>
           </a:p>
         </p:txBody>
@@ -2785,8 +4453,8 @@
         </p:nvSpPr>
         <p:spPr>
           <a:xfrm>
-            <a:off x="838080" y="1825560"/>
-            <a:ext cx="5131080" cy="2075040"/>
+            <a:off x="599040" y="1920240"/>
+            <a:ext cx="5240880" cy="2224440"/>
           </a:xfrm>
           <a:prstGeom prst="rect">
             <a:avLst/>
@@ -2797,16 +4465,16 @@
             <a:normAutofit/>
           </a:bodyPr>
           <a:p>
-            <a:endParaRPr b="0" lang="pt-BR" sz="2800" spc="-1" strike="noStrike">
-              <a:solidFill>
-                <a:srgbClr val="000000"/>
-              </a:solidFill>
-              <a:uFill>
-                <a:solidFill>
-                  <a:srgbClr val="ffffff"/>
-                </a:solidFill>
-              </a:uFill>
-              <a:latin typeface="Calibri"/>
+            <a:endParaRPr b="0" lang="pt-BR" sz="3200" spc="-1" strike="noStrike">
+              <a:solidFill>
+                <a:srgbClr val="000000"/>
+              </a:solidFill>
+              <a:uFill>
+                <a:solidFill>
+                  <a:srgbClr val="ffffff"/>
+                </a:solidFill>
+              </a:uFill>
+              <a:latin typeface="Source Sans Pro"/>
             </a:endParaRPr>
           </a:p>
         </p:txBody>
@@ -2823,8 +4491,8 @@
         </p:nvSpPr>
         <p:spPr>
           <a:xfrm>
-            <a:off x="838080" y="4098240"/>
-            <a:ext cx="5131080" cy="2075040"/>
+            <a:off x="599040" y="4356360"/>
+            <a:ext cx="5240880" cy="2224440"/>
           </a:xfrm>
           <a:prstGeom prst="rect">
             <a:avLst/>
@@ -2835,16 +4503,16 @@
             <a:normAutofit/>
           </a:bodyPr>
           <a:p>
-            <a:endParaRPr b="0" lang="pt-BR" sz="2800" spc="-1" strike="noStrike">
-              <a:solidFill>
-                <a:srgbClr val="000000"/>
-              </a:solidFill>
-              <a:uFill>
-                <a:solidFill>
-                  <a:srgbClr val="ffffff"/>
-                </a:solidFill>
-              </a:uFill>
-              <a:latin typeface="Calibri"/>
+            <a:endParaRPr b="0" lang="pt-BR" sz="3200" spc="-1" strike="noStrike">
+              <a:solidFill>
+                <a:srgbClr val="000000"/>
+              </a:solidFill>
+              <a:uFill>
+                <a:solidFill>
+                  <a:srgbClr val="ffffff"/>
+                </a:solidFill>
+              </a:uFill>
+              <a:latin typeface="Source Sans Pro"/>
             </a:endParaRPr>
           </a:p>
         </p:txBody>
@@ -2861,8 +4529,8 @@
         </p:nvSpPr>
         <p:spPr>
           <a:xfrm>
-            <a:off x="6226200" y="1825560"/>
-            <a:ext cx="5131080" cy="4350960"/>
+            <a:off x="6102360" y="1920240"/>
+            <a:ext cx="5240880" cy="4663440"/>
           </a:xfrm>
           <a:prstGeom prst="rect">
             <a:avLst/>
@@ -2873,16 +4541,16 @@
             <a:normAutofit/>
           </a:bodyPr>
           <a:p>
-            <a:endParaRPr b="0" lang="pt-BR" sz="2800" spc="-1" strike="noStrike">
-              <a:solidFill>
-                <a:srgbClr val="000000"/>
-              </a:solidFill>
-              <a:uFill>
-                <a:solidFill>
-                  <a:srgbClr val="ffffff"/>
-                </a:solidFill>
-              </a:uFill>
-              <a:latin typeface="Calibri"/>
+            <a:endParaRPr b="0" lang="pt-BR" sz="3200" spc="-1" strike="noStrike">
+              <a:solidFill>
+                <a:srgbClr val="000000"/>
+              </a:solidFill>
+              <a:uFill>
+                <a:solidFill>
+                  <a:srgbClr val="ffffff"/>
+                </a:solidFill>
+              </a:uFill>
+              <a:latin typeface="Source Sans Pro"/>
             </a:endParaRPr>
           </a:p>
         </p:txBody>
@@ -2921,26 +4589,28 @@
         </p:nvSpPr>
         <p:spPr>
           <a:xfrm>
-            <a:off x="838080" y="365040"/>
-            <a:ext cx="10515240" cy="1325160"/>
-          </a:xfrm>
-          <a:prstGeom prst="rect">
-            <a:avLst/>
-          </a:prstGeom>
-        </p:spPr>
-        <p:txBody>
-          <a:bodyPr lIns="0" rIns="0" tIns="0" bIns="0" anchor="ctr"/>
-          <a:p>
-            <a:endParaRPr b="0" lang="pt-BR" sz="1800" spc="-1" strike="noStrike">
-              <a:solidFill>
-                <a:srgbClr val="000000"/>
-              </a:solidFill>
-              <a:uFill>
-                <a:solidFill>
-                  <a:srgbClr val="ffffff"/>
-                </a:solidFill>
-              </a:uFill>
-              <a:latin typeface="Calibri"/>
+            <a:off x="599040" y="121320"/>
+            <a:ext cx="10798560" cy="1262160"/>
+          </a:xfrm>
+          <a:prstGeom prst="rect">
+            <a:avLst/>
+          </a:prstGeom>
+        </p:spPr>
+        <p:txBody>
+          <a:bodyPr lIns="0" rIns="0" tIns="0" bIns="0" anchor="b">
+            <a:normAutofit/>
+          </a:bodyPr>
+          <a:p>
+            <a:endParaRPr b="0" lang="pt-BR" sz="6000" spc="-1" strike="noStrike">
+              <a:solidFill>
+                <a:srgbClr val="ffffff"/>
+              </a:solidFill>
+              <a:uFill>
+                <a:solidFill>
+                  <a:srgbClr val="ffffff"/>
+                </a:solidFill>
+              </a:uFill>
+              <a:latin typeface="Source Sans Pro Light"/>
             </a:endParaRPr>
           </a:p>
         </p:txBody>
@@ -2957,8 +4627,8 @@
         </p:nvSpPr>
         <p:spPr>
           <a:xfrm>
-            <a:off x="838080" y="1825560"/>
-            <a:ext cx="5131080" cy="4350960"/>
+            <a:off x="599040" y="1920240"/>
+            <a:ext cx="5240880" cy="4663440"/>
           </a:xfrm>
           <a:prstGeom prst="rect">
             <a:avLst/>
@@ -2969,16 +4639,16 @@
             <a:normAutofit/>
           </a:bodyPr>
           <a:p>
-            <a:endParaRPr b="0" lang="pt-BR" sz="2800" spc="-1" strike="noStrike">
-              <a:solidFill>
-                <a:srgbClr val="000000"/>
-              </a:solidFill>
-              <a:uFill>
-                <a:solidFill>
-                  <a:srgbClr val="ffffff"/>
-                </a:solidFill>
-              </a:uFill>
-              <a:latin typeface="Calibri"/>
+            <a:endParaRPr b="0" lang="pt-BR" sz="3200" spc="-1" strike="noStrike">
+              <a:solidFill>
+                <a:srgbClr val="000000"/>
+              </a:solidFill>
+              <a:uFill>
+                <a:solidFill>
+                  <a:srgbClr val="ffffff"/>
+                </a:solidFill>
+              </a:uFill>
+              <a:latin typeface="Source Sans Pro"/>
             </a:endParaRPr>
           </a:p>
         </p:txBody>
@@ -2995,8 +4665,8 @@
         </p:nvSpPr>
         <p:spPr>
           <a:xfrm>
-            <a:off x="6226200" y="1825560"/>
-            <a:ext cx="5131080" cy="2075040"/>
+            <a:off x="6102360" y="1920240"/>
+            <a:ext cx="5240880" cy="2224440"/>
           </a:xfrm>
           <a:prstGeom prst="rect">
             <a:avLst/>
@@ -3007,16 +4677,16 @@
             <a:normAutofit/>
           </a:bodyPr>
           <a:p>
-            <a:endParaRPr b="0" lang="pt-BR" sz="2800" spc="-1" strike="noStrike">
-              <a:solidFill>
-                <a:srgbClr val="000000"/>
-              </a:solidFill>
-              <a:uFill>
-                <a:solidFill>
-                  <a:srgbClr val="ffffff"/>
-                </a:solidFill>
-              </a:uFill>
-              <a:latin typeface="Calibri"/>
+            <a:endParaRPr b="0" lang="pt-BR" sz="3200" spc="-1" strike="noStrike">
+              <a:solidFill>
+                <a:srgbClr val="000000"/>
+              </a:solidFill>
+              <a:uFill>
+                <a:solidFill>
+                  <a:srgbClr val="ffffff"/>
+                </a:solidFill>
+              </a:uFill>
+              <a:latin typeface="Source Sans Pro"/>
             </a:endParaRPr>
           </a:p>
         </p:txBody>
@@ -3033,8 +4703,8 @@
         </p:nvSpPr>
         <p:spPr>
           <a:xfrm>
-            <a:off x="6226200" y="4098240"/>
-            <a:ext cx="5131080" cy="2075040"/>
+            <a:off x="6102360" y="4356360"/>
+            <a:ext cx="5240880" cy="2224440"/>
           </a:xfrm>
           <a:prstGeom prst="rect">
             <a:avLst/>
@@ -3045,16 +4715,16 @@
             <a:normAutofit/>
           </a:bodyPr>
           <a:p>
-            <a:endParaRPr b="0" lang="pt-BR" sz="2800" spc="-1" strike="noStrike">
-              <a:solidFill>
-                <a:srgbClr val="000000"/>
-              </a:solidFill>
-              <a:uFill>
-                <a:solidFill>
-                  <a:srgbClr val="ffffff"/>
-                </a:solidFill>
-              </a:uFill>
-              <a:latin typeface="Calibri"/>
+            <a:endParaRPr b="0" lang="pt-BR" sz="3200" spc="-1" strike="noStrike">
+              <a:solidFill>
+                <a:srgbClr val="000000"/>
+              </a:solidFill>
+              <a:uFill>
+                <a:solidFill>
+                  <a:srgbClr val="ffffff"/>
+                </a:solidFill>
+              </a:uFill>
+              <a:latin typeface="Source Sans Pro"/>
             </a:endParaRPr>
           </a:p>
         </p:txBody>
@@ -3093,26 +4763,28 @@
         </p:nvSpPr>
         <p:spPr>
           <a:xfrm>
-            <a:off x="838080" y="365040"/>
-            <a:ext cx="10515240" cy="1325160"/>
-          </a:xfrm>
-          <a:prstGeom prst="rect">
-            <a:avLst/>
-          </a:prstGeom>
-        </p:spPr>
-        <p:txBody>
-          <a:bodyPr lIns="0" rIns="0" tIns="0" bIns="0" anchor="ctr"/>
-          <a:p>
-            <a:endParaRPr b="0" lang="pt-BR" sz="1800" spc="-1" strike="noStrike">
-              <a:solidFill>
-                <a:srgbClr val="000000"/>
-              </a:solidFill>
-              <a:uFill>
-                <a:solidFill>
-                  <a:srgbClr val="ffffff"/>
-                </a:solidFill>
-              </a:uFill>
-              <a:latin typeface="Calibri"/>
+            <a:off x="599040" y="121320"/>
+            <a:ext cx="10798560" cy="1262160"/>
+          </a:xfrm>
+          <a:prstGeom prst="rect">
+            <a:avLst/>
+          </a:prstGeom>
+        </p:spPr>
+        <p:txBody>
+          <a:bodyPr lIns="0" rIns="0" tIns="0" bIns="0" anchor="b">
+            <a:normAutofit/>
+          </a:bodyPr>
+          <a:p>
+            <a:endParaRPr b="0" lang="pt-BR" sz="6000" spc="-1" strike="noStrike">
+              <a:solidFill>
+                <a:srgbClr val="ffffff"/>
+              </a:solidFill>
+              <a:uFill>
+                <a:solidFill>
+                  <a:srgbClr val="ffffff"/>
+                </a:solidFill>
+              </a:uFill>
+              <a:latin typeface="Source Sans Pro Light"/>
             </a:endParaRPr>
           </a:p>
         </p:txBody>
@@ -3129,8 +4801,8 @@
         </p:nvSpPr>
         <p:spPr>
           <a:xfrm>
-            <a:off x="838080" y="1825560"/>
-            <a:ext cx="5131080" cy="2075040"/>
+            <a:off x="599040" y="1920240"/>
+            <a:ext cx="5240880" cy="2224440"/>
           </a:xfrm>
           <a:prstGeom prst="rect">
             <a:avLst/>
@@ -3141,16 +4813,16 @@
             <a:normAutofit/>
           </a:bodyPr>
           <a:p>
-            <a:endParaRPr b="0" lang="pt-BR" sz="2800" spc="-1" strike="noStrike">
-              <a:solidFill>
-                <a:srgbClr val="000000"/>
-              </a:solidFill>
-              <a:uFill>
-                <a:solidFill>
-                  <a:srgbClr val="ffffff"/>
-                </a:solidFill>
-              </a:uFill>
-              <a:latin typeface="Calibri"/>
+            <a:endParaRPr b="0" lang="pt-BR" sz="3200" spc="-1" strike="noStrike">
+              <a:solidFill>
+                <a:srgbClr val="000000"/>
+              </a:solidFill>
+              <a:uFill>
+                <a:solidFill>
+                  <a:srgbClr val="ffffff"/>
+                </a:solidFill>
+              </a:uFill>
+              <a:latin typeface="Source Sans Pro"/>
             </a:endParaRPr>
           </a:p>
         </p:txBody>
@@ -3167,8 +4839,8 @@
         </p:nvSpPr>
         <p:spPr>
           <a:xfrm>
-            <a:off x="6226200" y="1825560"/>
-            <a:ext cx="5131080" cy="2075040"/>
+            <a:off x="6102360" y="1920240"/>
+            <a:ext cx="5240880" cy="2224440"/>
           </a:xfrm>
           <a:prstGeom prst="rect">
             <a:avLst/>
@@ -3179,16 +4851,16 @@
             <a:normAutofit/>
           </a:bodyPr>
           <a:p>
-            <a:endParaRPr b="0" lang="pt-BR" sz="2800" spc="-1" strike="noStrike">
-              <a:solidFill>
-                <a:srgbClr val="000000"/>
-              </a:solidFill>
-              <a:uFill>
-                <a:solidFill>
-                  <a:srgbClr val="ffffff"/>
-                </a:solidFill>
-              </a:uFill>
-              <a:latin typeface="Calibri"/>
+            <a:endParaRPr b="0" lang="pt-BR" sz="3200" spc="-1" strike="noStrike">
+              <a:solidFill>
+                <a:srgbClr val="000000"/>
+              </a:solidFill>
+              <a:uFill>
+                <a:solidFill>
+                  <a:srgbClr val="ffffff"/>
+                </a:solidFill>
+              </a:uFill>
+              <a:latin typeface="Source Sans Pro"/>
             </a:endParaRPr>
           </a:p>
         </p:txBody>
@@ -3205,8 +4877,8 @@
         </p:nvSpPr>
         <p:spPr>
           <a:xfrm>
-            <a:off x="838080" y="4098240"/>
-            <a:ext cx="10515240" cy="2075040"/>
+            <a:off x="599040" y="4356360"/>
+            <a:ext cx="10739520" cy="2224440"/>
           </a:xfrm>
           <a:prstGeom prst="rect">
             <a:avLst/>
@@ -3217,16 +4889,16 @@
             <a:normAutofit/>
           </a:bodyPr>
           <a:p>
-            <a:endParaRPr b="0" lang="pt-BR" sz="2800" spc="-1" strike="noStrike">
-              <a:solidFill>
-                <a:srgbClr val="000000"/>
-              </a:solidFill>
-              <a:uFill>
-                <a:solidFill>
-                  <a:srgbClr val="ffffff"/>
-                </a:solidFill>
-              </a:uFill>
-              <a:latin typeface="Calibri"/>
+            <a:endParaRPr b="0" lang="pt-BR" sz="3200" spc="-1" strike="noStrike">
+              <a:solidFill>
+                <a:srgbClr val="000000"/>
+              </a:solidFill>
+              <a:uFill>
+                <a:solidFill>
+                  <a:srgbClr val="ffffff"/>
+                </a:solidFill>
+              </a:uFill>
+              <a:latin typeface="Source Sans Pro"/>
             </a:endParaRPr>
           </a:p>
         </p:txBody>
@@ -3241,9 +4913,12 @@
   <p:cSld>
     <p:bg>
       <p:bgPr>
-        <a:solidFill>
-          <a:srgbClr val="ffffff"/>
-        </a:solidFill>
+        <a:blipFill>
+          <a:blip r:embed="rId2"/>
+          <a:stretch>
+            <a:fillRect/>
+          </a:stretch>
+        </a:blipFill>
       </p:bgPr>
     </p:bg>
     <p:spTree>
@@ -3267,50 +4942,45 @@
             <a:spLocks noGrp="1"/>
           </p:cNvSpPr>
           <p:nvPr>
-            <p:ph type="title"/>
-          </p:nvPr>
-        </p:nvSpPr>
-        <p:spPr>
-          <a:xfrm>
-            <a:off x="1523880" y="1122480"/>
-            <a:ext cx="9143640" cy="2387160"/>
-          </a:xfrm>
-          <a:prstGeom prst="rect">
-            <a:avLst/>
-          </a:prstGeom>
-        </p:spPr>
-        <p:txBody>
-          <a:bodyPr anchor="b"/>
-          <a:p>
-            <a:pPr algn="ctr">
-              <a:lnSpc>
-                <a:spcPct val="100000"/>
-              </a:lnSpc>
-            </a:pPr>
+            <p:ph type="dt"/>
+          </p:nvPr>
+        </p:nvSpPr>
+        <p:spPr>
+          <a:xfrm>
+            <a:off x="563040" y="6887160"/>
+            <a:ext cx="2795400" cy="521640"/>
+          </a:xfrm>
+          <a:prstGeom prst="rect">
+            <a:avLst/>
+          </a:prstGeom>
+        </p:spPr>
+        <p:txBody>
+          <a:bodyPr lIns="0" rIns="0" tIns="0" bIns="0"/>
+          <a:p>
             <a:r>
-              <a:rPr b="0" lang="pt-BR" sz="6000" spc="-1" strike="noStrike">
-                <a:solidFill>
-                  <a:srgbClr val="000000"/>
+              <a:rPr b="0" lang="pt-BR" sz="2400" spc="-1" strike="noStrike">
+                <a:solidFill>
+                  <a:srgbClr val="dbf5f9"/>
                 </a:solidFill>
                 <a:uFill>
                   <a:solidFill>
                     <a:srgbClr val="ffffff"/>
                   </a:solidFill>
                 </a:uFill>
-                <a:latin typeface="Calibri Light"/>
+                <a:latin typeface="Source Sans Pro"/>
               </a:rPr>
-              <a:t>Clique para editar o título mestre</a:t>
+              <a:t>&lt;data/hora&gt;</a:t>
             </a:r>
-            <a:endParaRPr b="0" lang="pt-BR" sz="6000" spc="-1" strike="noStrike">
-              <a:solidFill>
-                <a:srgbClr val="000000"/>
-              </a:solidFill>
-              <a:uFill>
-                <a:solidFill>
-                  <a:srgbClr val="ffffff"/>
-                </a:solidFill>
-              </a:uFill>
-              <a:latin typeface="Calibri"/>
+            <a:endParaRPr b="0" lang="pt-BR" sz="2400" spc="-1" strike="noStrike">
+              <a:solidFill>
+                <a:srgbClr val="dbf5f9"/>
+              </a:solidFill>
+              <a:uFill>
+                <a:solidFill>
+                  <a:srgbClr val="ffffff"/>
+                </a:solidFill>
+              </a:uFill>
+              <a:latin typeface="Source Sans Pro"/>
             </a:endParaRPr>
           </a:p>
         </p:txBody>
@@ -3322,50 +4992,46 @@
             <a:spLocks noGrp="1"/>
           </p:cNvSpPr>
           <p:nvPr>
-            <p:ph type="dt"/>
-          </p:nvPr>
-        </p:nvSpPr>
-        <p:spPr>
-          <a:xfrm>
-            <a:off x="838080" y="6356520"/>
-            <a:ext cx="2742840" cy="364680"/>
-          </a:xfrm>
-          <a:prstGeom prst="rect">
-            <a:avLst/>
-          </a:prstGeom>
-        </p:spPr>
-        <p:txBody>
-          <a:bodyPr anchor="ctr"/>
-          <a:p>
-            <a:pPr>
-              <a:lnSpc>
-                <a:spcPct val="100000"/>
-              </a:lnSpc>
-            </a:pPr>
-            <a:fld id="{2F4A643C-A1B7-4BC7-8F90-2D1E44D97961}" type="datetime">
-              <a:rPr b="0" lang="pt-BR" sz="1200" spc="-1" strike="noStrike">
-                <a:solidFill>
-                  <a:srgbClr val="8b8b8b"/>
+            <p:ph type="ftr"/>
+          </p:nvPr>
+        </p:nvSpPr>
+        <p:spPr>
+          <a:xfrm>
+            <a:off x="4066560" y="6887160"/>
+            <a:ext cx="3803040" cy="521640"/>
+          </a:xfrm>
+          <a:prstGeom prst="rect">
+            <a:avLst/>
+          </a:prstGeom>
+        </p:spPr>
+        <p:txBody>
+          <a:bodyPr lIns="0" rIns="0" tIns="0" bIns="0"/>
+          <a:p>
+            <a:pPr algn="ctr"/>
+            <a:r>
+              <a:rPr b="0" lang="pt-BR" sz="2400" spc="-1" strike="noStrike">
+                <a:solidFill>
+                  <a:srgbClr val="dbf5f9"/>
                 </a:solidFill>
                 <a:uFill>
                   <a:solidFill>
                     <a:srgbClr val="ffffff"/>
                   </a:solidFill>
                 </a:uFill>
-                <a:latin typeface="Calibri"/>
+                <a:latin typeface="Source Sans Pro"/>
               </a:rPr>
-              <a:t>25/11/17</a:t>
-            </a:fld>
-            <a:endParaRPr b="0" lang="pt-BR" sz="1200" spc="-1" strike="noStrike">
-              <a:solidFill>
-                <a:srgbClr val="000000"/>
-              </a:solidFill>
-              <a:uFill>
-                <a:solidFill>
-                  <a:srgbClr val="ffffff"/>
-                </a:solidFill>
-              </a:uFill>
-              <a:latin typeface="Times New Roman"/>
+              <a:t>&lt;rodapé&gt;</a:t>
+            </a:r>
+            <a:endParaRPr b="0" lang="pt-BR" sz="2400" spc="-1" strike="noStrike">
+              <a:solidFill>
+                <a:srgbClr val="dbf5f9"/>
+              </a:solidFill>
+              <a:uFill>
+                <a:solidFill>
+                  <a:srgbClr val="ffffff"/>
+                </a:solidFill>
+              </a:uFill>
+              <a:latin typeface="Source Sans Pro"/>
             </a:endParaRPr>
           </a:p>
         </p:txBody>
@@ -3377,86 +5043,98 @@
             <a:spLocks noGrp="1"/>
           </p:cNvSpPr>
           <p:nvPr>
-            <p:ph type="ftr"/>
-          </p:nvPr>
-        </p:nvSpPr>
-        <p:spPr>
-          <a:xfrm>
-            <a:off x="4038480" y="6356520"/>
-            <a:ext cx="4114440" cy="364680"/>
-          </a:xfrm>
-          <a:prstGeom prst="rect">
-            <a:avLst/>
-          </a:prstGeom>
-        </p:spPr>
-        <p:txBody>
-          <a:bodyPr anchor="ctr"/>
-          <a:p>
-            <a:endParaRPr b="0" lang="pt-BR" sz="2400" spc="-1" strike="noStrike">
-              <a:solidFill>
-                <a:srgbClr val="000000"/>
-              </a:solidFill>
-              <a:uFill>
-                <a:solidFill>
-                  <a:srgbClr val="ffffff"/>
-                </a:solidFill>
-              </a:uFill>
-              <a:latin typeface="Times New Roman"/>
-            </a:endParaRPr>
-          </a:p>
-        </p:txBody>
-      </p:sp>
-      <p:sp>
-        <p:nvSpPr>
-          <p:cNvPr id="3" name="PlaceHolder 4"/>
-          <p:cNvSpPr>
-            <a:spLocks noGrp="1"/>
-          </p:cNvSpPr>
-          <p:nvPr>
             <p:ph type="sldNum"/>
           </p:nvPr>
         </p:nvSpPr>
         <p:spPr>
           <a:xfrm>
-            <a:off x="8610480" y="6356520"/>
-            <a:ext cx="2742840" cy="364680"/>
-          </a:xfrm>
-          <a:prstGeom prst="rect">
-            <a:avLst/>
-          </a:prstGeom>
-        </p:spPr>
-        <p:txBody>
-          <a:bodyPr anchor="ctr"/>
-          <a:p>
-            <a:pPr algn="r">
-              <a:lnSpc>
-                <a:spcPct val="100000"/>
-              </a:lnSpc>
-            </a:pPr>
-            <a:fld id="{5685FDF4-96B2-4BAC-B049-FDA2CF8E9668}" type="slidenum">
-              <a:rPr b="0" lang="pt-BR" sz="1200" spc="-1" strike="noStrike">
-                <a:solidFill>
-                  <a:srgbClr val="8b8b8b"/>
+            <a:off x="8566200" y="6887160"/>
+            <a:ext cx="2795400" cy="521640"/>
+          </a:xfrm>
+          <a:prstGeom prst="rect">
+            <a:avLst/>
+          </a:prstGeom>
+        </p:spPr>
+        <p:txBody>
+          <a:bodyPr lIns="0" rIns="0" tIns="0" bIns="0"/>
+          <a:p>
+            <a:pPr algn="r"/>
+            <a:fld id="{84E26B6B-C149-4C29-9834-B72188A74B35}" type="slidenum">
+              <a:rPr b="0" lang="pt-BR" sz="2400" spc="-1" strike="noStrike">
+                <a:solidFill>
+                  <a:srgbClr val="dbf5f9"/>
                 </a:solidFill>
                 <a:uFill>
                   <a:solidFill>
                     <a:srgbClr val="ffffff"/>
                   </a:solidFill>
                 </a:uFill>
-                <a:latin typeface="Calibri"/>
+                <a:latin typeface="Source Sans Pro"/>
               </a:rPr>
-              <a:t>2</a:t>
+              <a:t>&lt;número&gt;</a:t>
             </a:fld>
-            <a:endParaRPr b="0" lang="pt-BR" sz="1200" spc="-1" strike="noStrike">
-              <a:solidFill>
-                <a:srgbClr val="000000"/>
-              </a:solidFill>
-              <a:uFill>
-                <a:solidFill>
-                  <a:srgbClr val="ffffff"/>
-                </a:solidFill>
-              </a:uFill>
-              <a:latin typeface="Times New Roman"/>
+            <a:endParaRPr b="0" lang="pt-BR" sz="2400" spc="-1" strike="noStrike">
+              <a:solidFill>
+                <a:srgbClr val="dbf5f9"/>
+              </a:solidFill>
+              <a:uFill>
+                <a:solidFill>
+                  <a:srgbClr val="ffffff"/>
+                </a:solidFill>
+              </a:uFill>
+              <a:latin typeface="Source Sans Pro"/>
+            </a:endParaRPr>
+          </a:p>
+        </p:txBody>
+      </p:sp>
+      <p:sp>
+        <p:nvSpPr>
+          <p:cNvPr id="3" name="PlaceHolder 4"/>
+          <p:cNvSpPr>
+            <a:spLocks noGrp="1"/>
+          </p:cNvSpPr>
+          <p:nvPr>
+            <p:ph type="title"/>
+          </p:nvPr>
+        </p:nvSpPr>
+        <p:spPr>
+          <a:xfrm>
+            <a:off x="548640" y="301320"/>
+            <a:ext cx="10798560" cy="4453560"/>
+          </a:xfrm>
+          <a:prstGeom prst="rect">
+            <a:avLst/>
+          </a:prstGeom>
+        </p:spPr>
+        <p:txBody>
+          <a:bodyPr lIns="0" rIns="0" tIns="0" bIns="0" anchor="b">
+            <a:normAutofit/>
+          </a:bodyPr>
+          <a:p>
+            <a:r>
+              <a:rPr b="0" lang="pt-BR" sz="8000" spc="-1" strike="noStrike">
+                <a:solidFill>
+                  <a:srgbClr val="04617b"/>
+                </a:solidFill>
+                <a:uFill>
+                  <a:solidFill>
+                    <a:srgbClr val="ffffff"/>
+                  </a:solidFill>
+                </a:uFill>
+                <a:latin typeface="Source Sans Pro Light"/>
+              </a:rPr>
+              <a:t>Clique para editar o formato do texto do título</a:t>
+            </a:r>
+            <a:endParaRPr b="0" lang="pt-BR" sz="8000" spc="-1" strike="noStrike">
+              <a:solidFill>
+                <a:srgbClr val="04617b"/>
+              </a:solidFill>
+              <a:uFill>
+                <a:solidFill>
+                  <a:srgbClr val="ffffff"/>
+                </a:solidFill>
+              </a:uFill>
+              <a:latin typeface="Source Sans Pro Light"/>
             </a:endParaRPr>
           </a:p>
         </p:txBody>
@@ -3473,8 +5151,8 @@
         </p:nvSpPr>
         <p:spPr>
           <a:xfrm>
-            <a:off x="609480" y="1604520"/>
-            <a:ext cx="10972440" cy="3977280"/>
+            <a:off x="552960" y="5216400"/>
+            <a:ext cx="10789920" cy="1550160"/>
           </a:xfrm>
           <a:prstGeom prst="rect">
             <a:avLst/>
@@ -3486,11 +5164,11 @@
           </a:bodyPr>
           <a:p>
             <a:pPr marL="432000" indent="-324000">
-              <a:spcBef>
-                <a:spcPts val="1417"/>
-              </a:spcBef>
+              <a:spcAft>
+                <a:spcPts val="1233"/>
+              </a:spcAft>
               <a:buClr>
-                <a:srgbClr val="000000"/>
+                <a:srgbClr val="f49100"/>
               </a:buClr>
               <a:buSzPct val="45000"/>
               <a:buFont typeface="Wingdings" charset="2"/>
@@ -3499,36 +5177,112 @@
             <a:r>
               <a:rPr b="0" lang="pt-BR" sz="2800" spc="-1" strike="noStrike">
                 <a:solidFill>
-                  <a:srgbClr val="000000"/>
+                  <a:srgbClr val="dbf5f9"/>
                 </a:solidFill>
                 <a:uFill>
                   <a:solidFill>
                     <a:srgbClr val="ffffff"/>
                   </a:solidFill>
                 </a:uFill>
-                <a:latin typeface="Calibri"/>
+                <a:latin typeface="Source Sans Pro"/>
               </a:rPr>
               <a:t>Clique para editar o formato do texto da estrutura de tópicos</a:t>
             </a:r>
             <a:endParaRPr b="0" lang="pt-BR" sz="2800" spc="-1" strike="noStrike">
               <a:solidFill>
-                <a:srgbClr val="000000"/>
-              </a:solidFill>
-              <a:uFill>
-                <a:solidFill>
-                  <a:srgbClr val="ffffff"/>
-                </a:solidFill>
-              </a:uFill>
-              <a:latin typeface="Calibri"/>
+                <a:srgbClr val="dbf5f9"/>
+              </a:solidFill>
+              <a:uFill>
+                <a:solidFill>
+                  <a:srgbClr val="ffffff"/>
+                </a:solidFill>
+              </a:uFill>
+              <a:latin typeface="Source Sans Pro"/>
             </a:endParaRPr>
           </a:p>
           <a:p>
             <a:pPr lvl="1" marL="864000" indent="-324000">
-              <a:spcBef>
-                <a:spcPts val="1134"/>
-              </a:spcBef>
+              <a:spcAft>
+                <a:spcPts val="1123"/>
+              </a:spcAft>
               <a:buClr>
-                <a:srgbClr val="000000"/>
+                <a:srgbClr val="f49100"/>
+              </a:buClr>
+              <a:buSzPct val="75000"/>
+              <a:buFont typeface="Symbol" charset="2"/>
+              <a:buChar char=""/>
+            </a:pPr>
+            <a:r>
+              <a:rPr b="0" lang="pt-BR" sz="2200" spc="-1" strike="noStrike">
+                <a:solidFill>
+                  <a:srgbClr val="dbf5f9"/>
+                </a:solidFill>
+                <a:uFill>
+                  <a:solidFill>
+                    <a:srgbClr val="ffffff"/>
+                  </a:solidFill>
+                </a:uFill>
+                <a:latin typeface="Source Sans Pro"/>
+              </a:rPr>
+              <a:t>2.º nível da estrutura de tópicos</a:t>
+            </a:r>
+            <a:endParaRPr b="0" lang="pt-BR" sz="2200" spc="-1" strike="noStrike">
+              <a:solidFill>
+                <a:srgbClr val="dbf5f9"/>
+              </a:solidFill>
+              <a:uFill>
+                <a:solidFill>
+                  <a:srgbClr val="ffffff"/>
+                </a:solidFill>
+              </a:uFill>
+              <a:latin typeface="Source Sans Pro"/>
+            </a:endParaRPr>
+          </a:p>
+          <a:p>
+            <a:pPr lvl="2" marL="1296000" indent="-288000">
+              <a:spcAft>
+                <a:spcPts val="850"/>
+              </a:spcAft>
+              <a:buClr>
+                <a:srgbClr val="f49100"/>
+              </a:buClr>
+              <a:buSzPct val="45000"/>
+              <a:buFont typeface="Wingdings" charset="2"/>
+              <a:buChar char=""/>
+            </a:pPr>
+            <a:r>
+              <a:rPr b="0" lang="pt-BR" sz="2400" spc="-1" strike="noStrike">
+                <a:solidFill>
+                  <a:srgbClr val="dbf5f9"/>
+                </a:solidFill>
+                <a:uFill>
+                  <a:solidFill>
+                    <a:srgbClr val="ffffff"/>
+                  </a:solidFill>
+                </a:uFill>
+                <a:latin typeface="Source Sans Pro"/>
+              </a:rPr>
+              <a:t>3.º nível da estrutura de tópicos</a:t>
+            </a:r>
+            <a:endParaRPr b="0" lang="pt-BR" sz="2400" spc="-1" strike="noStrike">
+              <a:solidFill>
+                <a:srgbClr val="dbf5f9"/>
+              </a:solidFill>
+              <a:uFill>
+                <a:solidFill>
+                  <a:srgbClr val="ffffff"/>
+                </a:solidFill>
+              </a:uFill>
+              <a:latin typeface="Source Sans Pro"/>
+            </a:endParaRPr>
+          </a:p>
+          <a:p>
+            <a:pPr lvl="3" marL="1728000" indent="-216000">
+              <a:spcAft>
+                <a:spcPts val="567"/>
+              </a:spcAft>
+              <a:buClr>
+                <a:srgbClr val="f49100"/>
               </a:buClr>
               <a:buSzPct val="75000"/>
               <a:buFont typeface="Symbol" charset="2"/>
@@ -3537,112 +5291,36 @@
             <a:r>
               <a:rPr b="0" lang="pt-BR" sz="2000" spc="-1" strike="noStrike">
                 <a:solidFill>
-                  <a:srgbClr val="000000"/>
+                  <a:srgbClr val="dbf5f9"/>
                 </a:solidFill>
                 <a:uFill>
                   <a:solidFill>
                     <a:srgbClr val="ffffff"/>
                   </a:solidFill>
                 </a:uFill>
-                <a:latin typeface="Calibri"/>
-              </a:rPr>
-              <a:t>2.º nível da estrutura de tópicos</a:t>
-            </a:r>
-            <a:endParaRPr b="0" lang="pt-BR" sz="2000" spc="-1" strike="noStrike">
-              <a:solidFill>
-                <a:srgbClr val="000000"/>
-              </a:solidFill>
-              <a:uFill>
-                <a:solidFill>
-                  <a:srgbClr val="ffffff"/>
-                </a:solidFill>
-              </a:uFill>
-              <a:latin typeface="Calibri"/>
-            </a:endParaRPr>
-          </a:p>
-          <a:p>
-            <a:pPr lvl="2" marL="1296000" indent="-288000">
-              <a:spcBef>
-                <a:spcPts val="850"/>
-              </a:spcBef>
-              <a:buClr>
-                <a:srgbClr val="000000"/>
-              </a:buClr>
-              <a:buSzPct val="45000"/>
-              <a:buFont typeface="Wingdings" charset="2"/>
-              <a:buChar char=""/>
-            </a:pPr>
-            <a:r>
-              <a:rPr b="0" lang="pt-BR" sz="1800" spc="-1" strike="noStrike">
-                <a:solidFill>
-                  <a:srgbClr val="000000"/>
-                </a:solidFill>
-                <a:uFill>
-                  <a:solidFill>
-                    <a:srgbClr val="ffffff"/>
-                  </a:solidFill>
-                </a:uFill>
-                <a:latin typeface="Calibri"/>
-              </a:rPr>
-              <a:t>3.º nível da estrutura de tópicos</a:t>
-            </a:r>
-            <a:endParaRPr b="0" lang="pt-BR" sz="1800" spc="-1" strike="noStrike">
-              <a:solidFill>
-                <a:srgbClr val="000000"/>
-              </a:solidFill>
-              <a:uFill>
-                <a:solidFill>
-                  <a:srgbClr val="ffffff"/>
-                </a:solidFill>
-              </a:uFill>
-              <a:latin typeface="Calibri"/>
-            </a:endParaRPr>
-          </a:p>
-          <a:p>
-            <a:pPr lvl="3" marL="1728000" indent="-216000">
-              <a:spcBef>
-                <a:spcPts val="567"/>
-              </a:spcBef>
-              <a:buClr>
-                <a:srgbClr val="000000"/>
-              </a:buClr>
-              <a:buSzPct val="75000"/>
-              <a:buFont typeface="Symbol" charset="2"/>
-              <a:buChar char=""/>
-            </a:pPr>
-            <a:r>
-              <a:rPr b="0" lang="pt-BR" sz="1800" spc="-1" strike="noStrike">
-                <a:solidFill>
-                  <a:srgbClr val="000000"/>
-                </a:solidFill>
-                <a:uFill>
-                  <a:solidFill>
-                    <a:srgbClr val="ffffff"/>
-                  </a:solidFill>
-                </a:uFill>
-                <a:latin typeface="Calibri"/>
+                <a:latin typeface="Source Sans Pro"/>
               </a:rPr>
               <a:t>4.º nível da estrutura de tópicos</a:t>
             </a:r>
-            <a:endParaRPr b="0" lang="pt-BR" sz="1800" spc="-1" strike="noStrike">
-              <a:solidFill>
-                <a:srgbClr val="000000"/>
-              </a:solidFill>
-              <a:uFill>
-                <a:solidFill>
-                  <a:srgbClr val="ffffff"/>
-                </a:solidFill>
-              </a:uFill>
-              <a:latin typeface="Calibri"/>
+            <a:endParaRPr b="0" lang="pt-BR" sz="2000" spc="-1" strike="noStrike">
+              <a:solidFill>
+                <a:srgbClr val="dbf5f9"/>
+              </a:solidFill>
+              <a:uFill>
+                <a:solidFill>
+                  <a:srgbClr val="ffffff"/>
+                </a:solidFill>
+              </a:uFill>
+              <a:latin typeface="Source Sans Pro"/>
             </a:endParaRPr>
           </a:p>
           <a:p>
             <a:pPr lvl="4" marL="2160000" indent="-216000">
-              <a:spcBef>
+              <a:spcAft>
                 <a:spcPts val="283"/>
-              </a:spcBef>
+              </a:spcAft>
               <a:buClr>
-                <a:srgbClr val="000000"/>
+                <a:srgbClr val="f49100"/>
               </a:buClr>
               <a:buSzPct val="45000"/>
               <a:buFont typeface="Wingdings" charset="2"/>
@@ -3651,36 +5329,36 @@
             <a:r>
               <a:rPr b="0" lang="pt-BR" sz="2000" spc="-1" strike="noStrike">
                 <a:solidFill>
-                  <a:srgbClr val="000000"/>
+                  <a:srgbClr val="dbf5f9"/>
                 </a:solidFill>
                 <a:uFill>
                   <a:solidFill>
                     <a:srgbClr val="ffffff"/>
                   </a:solidFill>
                 </a:uFill>
-                <a:latin typeface="Calibri"/>
+                <a:latin typeface="Source Sans Pro"/>
               </a:rPr>
               <a:t>5.º nível da estrutura de tópicos</a:t>
             </a:r>
             <a:endParaRPr b="0" lang="pt-BR" sz="2000" spc="-1" strike="noStrike">
               <a:solidFill>
-                <a:srgbClr val="000000"/>
-              </a:solidFill>
-              <a:uFill>
-                <a:solidFill>
-                  <a:srgbClr val="ffffff"/>
-                </a:solidFill>
-              </a:uFill>
-              <a:latin typeface="Calibri"/>
+                <a:srgbClr val="dbf5f9"/>
+              </a:solidFill>
+              <a:uFill>
+                <a:solidFill>
+                  <a:srgbClr val="ffffff"/>
+                </a:solidFill>
+              </a:uFill>
+              <a:latin typeface="Source Sans Pro"/>
             </a:endParaRPr>
           </a:p>
           <a:p>
             <a:pPr lvl="5" marL="2592000" indent="-216000">
-              <a:spcBef>
+              <a:spcAft>
                 <a:spcPts val="283"/>
-              </a:spcBef>
+              </a:spcAft>
               <a:buClr>
-                <a:srgbClr val="000000"/>
+                <a:srgbClr val="f49100"/>
               </a:buClr>
               <a:buSzPct val="45000"/>
               <a:buFont typeface="Wingdings" charset="2"/>
@@ -3689,36 +5367,36 @@
             <a:r>
               <a:rPr b="0" lang="pt-BR" sz="2000" spc="-1" strike="noStrike">
                 <a:solidFill>
-                  <a:srgbClr val="000000"/>
+                  <a:srgbClr val="dbf5f9"/>
                 </a:solidFill>
                 <a:uFill>
                   <a:solidFill>
                     <a:srgbClr val="ffffff"/>
                   </a:solidFill>
                 </a:uFill>
-                <a:latin typeface="Calibri"/>
+                <a:latin typeface="Source Sans Pro"/>
               </a:rPr>
               <a:t>6.º nível da estrutura de tópicos</a:t>
             </a:r>
             <a:endParaRPr b="0" lang="pt-BR" sz="2000" spc="-1" strike="noStrike">
               <a:solidFill>
-                <a:srgbClr val="000000"/>
-              </a:solidFill>
-              <a:uFill>
-                <a:solidFill>
-                  <a:srgbClr val="ffffff"/>
-                </a:solidFill>
-              </a:uFill>
-              <a:latin typeface="Calibri"/>
+                <a:srgbClr val="dbf5f9"/>
+              </a:solidFill>
+              <a:uFill>
+                <a:solidFill>
+                  <a:srgbClr val="ffffff"/>
+                </a:solidFill>
+              </a:uFill>
+              <a:latin typeface="Source Sans Pro"/>
             </a:endParaRPr>
           </a:p>
           <a:p>
             <a:pPr lvl="6" marL="3024000" indent="-216000">
-              <a:spcBef>
+              <a:spcAft>
                 <a:spcPts val="283"/>
-              </a:spcBef>
+              </a:spcAft>
               <a:buClr>
-                <a:srgbClr val="000000"/>
+                <a:srgbClr val="f49100"/>
               </a:buClr>
               <a:buSzPct val="45000"/>
               <a:buFont typeface="Wingdings" charset="2"/>
@@ -3727,27 +5405,27 @@
             <a:r>
               <a:rPr b="0" lang="pt-BR" sz="2000" spc="-1" strike="noStrike">
                 <a:solidFill>
-                  <a:srgbClr val="000000"/>
+                  <a:srgbClr val="dbf5f9"/>
                 </a:solidFill>
                 <a:uFill>
                   <a:solidFill>
                     <a:srgbClr val="ffffff"/>
                   </a:solidFill>
                 </a:uFill>
-                <a:latin typeface="Calibri"/>
+                <a:latin typeface="Source Sans Pro"/>
               </a:rPr>
               <a:t>7.º nível da estrutura de tópicos</a:t>
             </a:r>
             <a:endParaRPr b="0" lang="pt-BR" sz="2000" spc="-1" strike="noStrike">
               <a:solidFill>
-                <a:srgbClr val="000000"/>
-              </a:solidFill>
-              <a:uFill>
-                <a:solidFill>
-                  <a:srgbClr val="ffffff"/>
-                </a:solidFill>
-              </a:uFill>
-              <a:latin typeface="Calibri"/>
+                <a:srgbClr val="dbf5f9"/>
+              </a:solidFill>
+              <a:uFill>
+                <a:solidFill>
+                  <a:srgbClr val="ffffff"/>
+                </a:solidFill>
+              </a:uFill>
+              <a:latin typeface="Source Sans Pro"/>
             </a:endParaRPr>
           </a:p>
         </p:txBody>
@@ -3756,18 +5434,18 @@
   </p:cSld>
   <p:clrMap bg1="lt1" bg2="lt2" tx1="dk1" tx2="dk2" accent1="accent1" accent2="accent2" accent3="accent3" accent4="accent4" accent5="accent5" accent6="accent6" hlink="hlink" folHlink="folHlink"/>
   <p:sldLayoutIdLst>
-    <p:sldLayoutId id="2147483649" r:id="rId2"/>
-    <p:sldLayoutId id="2147483650" r:id="rId3"/>
-    <p:sldLayoutId id="2147483651" r:id="rId4"/>
-    <p:sldLayoutId id="2147483652" r:id="rId5"/>
-    <p:sldLayoutId id="2147483653" r:id="rId6"/>
-    <p:sldLayoutId id="2147483654" r:id="rId7"/>
-    <p:sldLayoutId id="2147483655" r:id="rId8"/>
-    <p:sldLayoutId id="2147483656" r:id="rId9"/>
-    <p:sldLayoutId id="2147483657" r:id="rId10"/>
-    <p:sldLayoutId id="2147483658" r:id="rId11"/>
-    <p:sldLayoutId id="2147483659" r:id="rId12"/>
-    <p:sldLayoutId id="2147483660" r:id="rId13"/>
+    <p:sldLayoutId id="2147483649" r:id="rId3"/>
+    <p:sldLayoutId id="2147483650" r:id="rId4"/>
+    <p:sldLayoutId id="2147483651" r:id="rId5"/>
+    <p:sldLayoutId id="2147483652" r:id="rId6"/>
+    <p:sldLayoutId id="2147483653" r:id="rId7"/>
+    <p:sldLayoutId id="2147483654" r:id="rId8"/>
+    <p:sldLayoutId id="2147483655" r:id="rId9"/>
+    <p:sldLayoutId id="2147483656" r:id="rId10"/>
+    <p:sldLayoutId id="2147483657" r:id="rId11"/>
+    <p:sldLayoutId id="2147483658" r:id="rId12"/>
+    <p:sldLayoutId id="2147483659" r:id="rId13"/>
+    <p:sldLayoutId id="2147483660" r:id="rId14"/>
   </p:sldLayoutIdLst>
 </p:sldMaster>
 </file>
@@ -3777,9 +5455,12 @@
   <p:cSld>
     <p:bg>
       <p:bgPr>
-        <a:solidFill>
-          <a:srgbClr val="ffffff"/>
-        </a:solidFill>
+        <a:blipFill>
+          <a:blip r:embed="rId2"/>
+          <a:stretch>
+            <a:fillRect/>
+          </a:stretch>
+        </a:blipFill>
       </p:bgPr>
     </p:bg>
     <p:spTree>
@@ -3808,45 +5489,42 @@
         </p:nvSpPr>
         <p:spPr>
           <a:xfrm>
-            <a:off x="838080" y="365040"/>
-            <a:ext cx="10515240" cy="1325160"/>
-          </a:xfrm>
-          <a:prstGeom prst="rect">
-            <a:avLst/>
-          </a:prstGeom>
-        </p:spPr>
-        <p:txBody>
-          <a:bodyPr anchor="ctr"/>
-          <a:p>
-            <a:pPr>
-              <a:lnSpc>
-                <a:spcPct val="90000"/>
-              </a:lnSpc>
-            </a:pPr>
+            <a:off x="599040" y="121320"/>
+            <a:ext cx="10798560" cy="1262160"/>
+          </a:xfrm>
+          <a:prstGeom prst="rect">
+            <a:avLst/>
+          </a:prstGeom>
+        </p:spPr>
+        <p:txBody>
+          <a:bodyPr lIns="0" rIns="0" tIns="0" bIns="0" anchor="b">
+            <a:normAutofit/>
+          </a:bodyPr>
+          <a:p>
             <a:r>
-              <a:rPr b="0" lang="pt-BR" sz="4400" spc="-1" strike="noStrike">
-                <a:solidFill>
-                  <a:srgbClr val="000000"/>
+              <a:rPr b="0" lang="pt-BR" sz="6000" spc="-1" strike="noStrike">
+                <a:solidFill>
+                  <a:srgbClr val="ffffff"/>
                 </a:solidFill>
                 <a:uFill>
                   <a:solidFill>
                     <a:srgbClr val="ffffff"/>
                   </a:solidFill>
                 </a:uFill>
-                <a:latin typeface="Calibri Light"/>
+                <a:latin typeface="Source Sans Pro Light"/>
               </a:rPr>
-              <a:t>Clique para editar o título mestre</a:t>
+              <a:t>Clique para editar o formato do texto do título</a:t>
             </a:r>
-            <a:endParaRPr b="0" lang="pt-BR" sz="4400" spc="-1" strike="noStrike">
-              <a:solidFill>
-                <a:srgbClr val="000000"/>
-              </a:solidFill>
-              <a:uFill>
-                <a:solidFill>
-                  <a:srgbClr val="ffffff"/>
-                </a:solidFill>
-              </a:uFill>
-              <a:latin typeface="Calibri"/>
+            <a:endParaRPr b="0" lang="pt-BR" sz="6000" spc="-1" strike="noStrike">
+              <a:solidFill>
+                <a:srgbClr val="ffffff"/>
+              </a:solidFill>
+              <a:uFill>
+                <a:solidFill>
+                  <a:srgbClr val="ffffff"/>
+                </a:solidFill>
+              </a:uFill>
+              <a:latin typeface="Source Sans Pro Light"/>
             </a:endParaRPr>
           </a:p>
         </p:txBody>
@@ -3863,31 +5541,31 @@
         </p:nvSpPr>
         <p:spPr>
           <a:xfrm>
-            <a:off x="838080" y="1825560"/>
-            <a:ext cx="10515240" cy="4350960"/>
-          </a:xfrm>
-          <a:prstGeom prst="rect">
-            <a:avLst/>
-          </a:prstGeom>
-        </p:spPr>
-        <p:txBody>
-          <a:bodyPr/>
-          <a:p>
-            <a:pPr marL="228600" indent="-228240">
-              <a:lnSpc>
-                <a:spcPct val="100000"/>
-              </a:lnSpc>
-              <a:spcBef>
-                <a:spcPts val="1001"/>
-              </a:spcBef>
+            <a:off x="599040" y="1920240"/>
+            <a:ext cx="10739520" cy="4663440"/>
+          </a:xfrm>
+          <a:prstGeom prst="rect">
+            <a:avLst/>
+          </a:prstGeom>
+        </p:spPr>
+        <p:txBody>
+          <a:bodyPr lIns="0" rIns="0" tIns="0" bIns="0">
+            <a:normAutofit/>
+          </a:bodyPr>
+          <a:p>
+            <a:pPr marL="432000" indent="-324000">
+              <a:spcAft>
+                <a:spcPts val="1409"/>
+              </a:spcAft>
               <a:buClr>
-                <a:srgbClr val="000000"/>
+                <a:srgbClr val="04617b"/>
               </a:buClr>
-              <a:buFont typeface="Arial"/>
-              <a:buChar char="•"/>
+              <a:buSzPct val="45000"/>
+              <a:buFont typeface="Wingdings" charset="2"/>
+              <a:buChar char=""/>
             </a:pPr>
             <a:r>
-              <a:rPr b="0" lang="pt-BR" sz="2800" spc="-1" strike="noStrike">
+              <a:rPr b="0" lang="pt-BR" sz="3200" spc="-1" strike="noStrike">
                 <a:solidFill>
                   <a:srgbClr val="000000"/>
                 </a:solidFill>
@@ -3896,38 +5574,36 @@
                     <a:srgbClr val="ffffff"/>
                   </a:solidFill>
                 </a:uFill>
-                <a:latin typeface="Calibri"/>
+                <a:latin typeface="Source Sans Pro"/>
               </a:rPr>
-              <a:t>Clique para editar o texto mestre</a:t>
+              <a:t>Clique para editar o formato do texto da estrutura de tópicos</a:t>
             </a:r>
-            <a:endParaRPr b="0" lang="pt-BR" sz="2800" spc="-1" strike="noStrike">
-              <a:solidFill>
-                <a:srgbClr val="000000"/>
-              </a:solidFill>
-              <a:uFill>
-                <a:solidFill>
-                  <a:srgbClr val="ffffff"/>
-                </a:solidFill>
-              </a:uFill>
-              <a:latin typeface="Calibri"/>
-            </a:endParaRPr>
-          </a:p>
-          <a:p>
-            <a:pPr lvl="1" marL="685800" indent="-228240">
-              <a:lnSpc>
-                <a:spcPct val="100000"/>
-              </a:lnSpc>
-              <a:spcBef>
-                <a:spcPts val="499"/>
-              </a:spcBef>
+            <a:endParaRPr b="0" lang="pt-BR" sz="3200" spc="-1" strike="noStrike">
+              <a:solidFill>
+                <a:srgbClr val="000000"/>
+              </a:solidFill>
+              <a:uFill>
+                <a:solidFill>
+                  <a:srgbClr val="ffffff"/>
+                </a:solidFill>
+              </a:uFill>
+              <a:latin typeface="Source Sans Pro"/>
+            </a:endParaRPr>
+          </a:p>
+          <a:p>
+            <a:pPr lvl="1" marL="864000" indent="-324000">
+              <a:spcAft>
+                <a:spcPts val="1123"/>
+              </a:spcAft>
               <a:buClr>
-                <a:srgbClr val="000000"/>
+                <a:srgbClr val="04617b"/>
               </a:buClr>
-              <a:buFont typeface="Arial"/>
-              <a:buChar char="•"/>
+              <a:buSzPct val="75000"/>
+              <a:buFont typeface="Symbol" charset="2"/>
+              <a:buChar char=""/>
             </a:pPr>
             <a:r>
-              <a:rPr b="0" lang="pt-BR" sz="2400" spc="-1" strike="noStrike">
+              <a:rPr b="0" lang="pt-BR" sz="2800" spc="-1" strike="noStrike">
                 <a:solidFill>
                   <a:srgbClr val="000000"/>
                 </a:solidFill>
@@ -3936,38 +5612,36 @@
                     <a:srgbClr val="ffffff"/>
                   </a:solidFill>
                 </a:uFill>
-                <a:latin typeface="Calibri"/>
+                <a:latin typeface="Source Sans Pro"/>
               </a:rPr>
-              <a:t>Segundo nível</a:t>
+              <a:t>2.º nível da estrutura de tópicos</a:t>
             </a:r>
-            <a:endParaRPr b="0" lang="pt-BR" sz="2400" spc="-1" strike="noStrike">
-              <a:solidFill>
-                <a:srgbClr val="000000"/>
-              </a:solidFill>
-              <a:uFill>
-                <a:solidFill>
-                  <a:srgbClr val="ffffff"/>
-                </a:solidFill>
-              </a:uFill>
-              <a:latin typeface="Calibri"/>
-            </a:endParaRPr>
-          </a:p>
-          <a:p>
-            <a:pPr lvl="2" marL="1143000" indent="-228240">
-              <a:lnSpc>
-                <a:spcPct val="100000"/>
-              </a:lnSpc>
-              <a:spcBef>
-                <a:spcPts val="499"/>
-              </a:spcBef>
+            <a:endParaRPr b="0" lang="pt-BR" sz="2800" spc="-1" strike="noStrike">
+              <a:solidFill>
+                <a:srgbClr val="000000"/>
+              </a:solidFill>
+              <a:uFill>
+                <a:solidFill>
+                  <a:srgbClr val="ffffff"/>
+                </a:solidFill>
+              </a:uFill>
+              <a:latin typeface="Source Sans Pro"/>
+            </a:endParaRPr>
+          </a:p>
+          <a:p>
+            <a:pPr lvl="2" marL="1296000" indent="-288000">
+              <a:spcAft>
+                <a:spcPts val="850"/>
+              </a:spcAft>
               <a:buClr>
-                <a:srgbClr val="000000"/>
+                <a:srgbClr val="04617b"/>
               </a:buClr>
-              <a:buFont typeface="Arial"/>
-              <a:buChar char="•"/>
+              <a:buSzPct val="45000"/>
+              <a:buFont typeface="Wingdings" charset="2"/>
+              <a:buChar char=""/>
             </a:pPr>
             <a:r>
-              <a:rPr b="0" lang="pt-BR" sz="2000" spc="-1" strike="noStrike">
+              <a:rPr b="0" lang="pt-BR" sz="2400" spc="-1" strike="noStrike">
                 <a:solidFill>
                   <a:srgbClr val="000000"/>
                 </a:solidFill>
@@ -3976,38 +5650,36 @@
                     <a:srgbClr val="ffffff"/>
                   </a:solidFill>
                 </a:uFill>
-                <a:latin typeface="Calibri"/>
+                <a:latin typeface="Source Sans Pro"/>
               </a:rPr>
-              <a:t>Terceiro nível</a:t>
+              <a:t>3.º nível da estrutura de tópicos</a:t>
             </a:r>
-            <a:endParaRPr b="0" lang="pt-BR" sz="2000" spc="-1" strike="noStrike">
-              <a:solidFill>
-                <a:srgbClr val="000000"/>
-              </a:solidFill>
-              <a:uFill>
-                <a:solidFill>
-                  <a:srgbClr val="ffffff"/>
-                </a:solidFill>
-              </a:uFill>
-              <a:latin typeface="Calibri"/>
-            </a:endParaRPr>
-          </a:p>
-          <a:p>
-            <a:pPr lvl="3" marL="1600200" indent="-228240">
-              <a:lnSpc>
-                <a:spcPct val="100000"/>
-              </a:lnSpc>
-              <a:spcBef>
-                <a:spcPts val="499"/>
-              </a:spcBef>
+            <a:endParaRPr b="0" lang="pt-BR" sz="2400" spc="-1" strike="noStrike">
+              <a:solidFill>
+                <a:srgbClr val="000000"/>
+              </a:solidFill>
+              <a:uFill>
+                <a:solidFill>
+                  <a:srgbClr val="ffffff"/>
+                </a:solidFill>
+              </a:uFill>
+              <a:latin typeface="Source Sans Pro"/>
+            </a:endParaRPr>
+          </a:p>
+          <a:p>
+            <a:pPr lvl="3" marL="1728000" indent="-216000">
+              <a:spcAft>
+                <a:spcPts val="567"/>
+              </a:spcAft>
               <a:buClr>
-                <a:srgbClr val="000000"/>
+                <a:srgbClr val="04617b"/>
               </a:buClr>
-              <a:buFont typeface="Arial"/>
-              <a:buChar char="•"/>
+              <a:buSzPct val="75000"/>
+              <a:buFont typeface="Symbol" charset="2"/>
+              <a:buChar char=""/>
             </a:pPr>
             <a:r>
-              <a:rPr b="0" lang="pt-BR" sz="1800" spc="-1" strike="noStrike">
+              <a:rPr b="0" lang="pt-BR" sz="2400" spc="-1" strike="noStrike">
                 <a:solidFill>
                   <a:srgbClr val="000000"/>
                 </a:solidFill>
@@ -4016,38 +5688,36 @@
                     <a:srgbClr val="ffffff"/>
                   </a:solidFill>
                 </a:uFill>
-                <a:latin typeface="Calibri"/>
+                <a:latin typeface="Source Sans Pro"/>
               </a:rPr>
-              <a:t>Quarto nível</a:t>
+              <a:t>4.º nível da estrutura de tópicos</a:t>
             </a:r>
-            <a:endParaRPr b="0" lang="pt-BR" sz="1800" spc="-1" strike="noStrike">
-              <a:solidFill>
-                <a:srgbClr val="000000"/>
-              </a:solidFill>
-              <a:uFill>
-                <a:solidFill>
-                  <a:srgbClr val="ffffff"/>
-                </a:solidFill>
-              </a:uFill>
-              <a:latin typeface="Calibri"/>
-            </a:endParaRPr>
-          </a:p>
-          <a:p>
-            <a:pPr lvl="4" marL="2057400" indent="-228240">
-              <a:lnSpc>
-                <a:spcPct val="100000"/>
-              </a:lnSpc>
-              <a:spcBef>
-                <a:spcPts val="499"/>
-              </a:spcBef>
+            <a:endParaRPr b="0" lang="pt-BR" sz="2400" spc="-1" strike="noStrike">
+              <a:solidFill>
+                <a:srgbClr val="000000"/>
+              </a:solidFill>
+              <a:uFill>
+                <a:solidFill>
+                  <a:srgbClr val="ffffff"/>
+                </a:solidFill>
+              </a:uFill>
+              <a:latin typeface="Source Sans Pro"/>
+            </a:endParaRPr>
+          </a:p>
+          <a:p>
+            <a:pPr lvl="4" marL="2160000" indent="-216000">
+              <a:spcAft>
+                <a:spcPts val="283"/>
+              </a:spcAft>
               <a:buClr>
-                <a:srgbClr val="000000"/>
+                <a:srgbClr val="04617b"/>
               </a:buClr>
-              <a:buFont typeface="Arial"/>
-              <a:buChar char="•"/>
+              <a:buSzPct val="45000"/>
+              <a:buFont typeface="Wingdings" charset="2"/>
+              <a:buChar char=""/>
             </a:pPr>
             <a:r>
-              <a:rPr b="0" lang="pt-BR" sz="1800" spc="-1" strike="noStrike">
+              <a:rPr b="0" lang="pt-BR" sz="2400" spc="-1" strike="noStrike">
                 <a:solidFill>
                   <a:srgbClr val="000000"/>
                 </a:solidFill>
@@ -4056,101 +5726,48 @@
                     <a:srgbClr val="ffffff"/>
                   </a:solidFill>
                 </a:uFill>
-                <a:latin typeface="Calibri"/>
+                <a:latin typeface="Source Sans Pro"/>
               </a:rPr>
-              <a:t>Quinto nível</a:t>
+              <a:t>5.º nível da estrutura de tópicos</a:t>
             </a:r>
-            <a:endParaRPr b="0" lang="pt-BR" sz="1800" spc="-1" strike="noStrike">
-              <a:solidFill>
-                <a:srgbClr val="000000"/>
-              </a:solidFill>
-              <a:uFill>
-                <a:solidFill>
-                  <a:srgbClr val="ffffff"/>
-                </a:solidFill>
-              </a:uFill>
-              <a:latin typeface="Calibri"/>
-            </a:endParaRPr>
-          </a:p>
-        </p:txBody>
-      </p:sp>
-      <p:sp>
-        <p:nvSpPr>
-          <p:cNvPr id="43" name="PlaceHolder 3"/>
-          <p:cNvSpPr>
-            <a:spLocks noGrp="1"/>
-          </p:cNvSpPr>
-          <p:nvPr>
-            <p:ph type="dt"/>
-          </p:nvPr>
-        </p:nvSpPr>
-        <p:spPr>
-          <a:xfrm>
-            <a:off x="838080" y="6356520"/>
-            <a:ext cx="2742840" cy="364680"/>
-          </a:xfrm>
-          <a:prstGeom prst="rect">
-            <a:avLst/>
-          </a:prstGeom>
-        </p:spPr>
-        <p:txBody>
-          <a:bodyPr anchor="ctr"/>
-          <a:p>
-            <a:pPr>
-              <a:lnSpc>
-                <a:spcPct val="100000"/>
-              </a:lnSpc>
+            <a:endParaRPr b="0" lang="pt-BR" sz="2400" spc="-1" strike="noStrike">
+              <a:solidFill>
+                <a:srgbClr val="000000"/>
+              </a:solidFill>
+              <a:uFill>
+                <a:solidFill>
+                  <a:srgbClr val="ffffff"/>
+                </a:solidFill>
+              </a:uFill>
+              <a:latin typeface="Source Sans Pro"/>
+            </a:endParaRPr>
+          </a:p>
+          <a:p>
+            <a:pPr lvl="5" marL="2592000" indent="-216000">
+              <a:spcAft>
+                <a:spcPts val="283"/>
+              </a:spcAft>
+              <a:buClr>
+                <a:srgbClr val="04617b"/>
+              </a:buClr>
+              <a:buSzPct val="45000"/>
+              <a:buFont typeface="Wingdings" charset="2"/>
+              <a:buChar char=""/>
             </a:pPr>
-            <a:fld id="{61C29CAE-A58E-4E01-A482-3A4CF8D4B210}" type="datetime">
-              <a:rPr b="0" lang="pt-BR" sz="1200" spc="-1" strike="noStrike">
-                <a:solidFill>
-                  <a:srgbClr val="8b8b8b"/>
+            <a:r>
+              <a:rPr b="0" lang="pt-BR" sz="2400" spc="-1" strike="noStrike">
+                <a:solidFill>
+                  <a:srgbClr val="000000"/>
                 </a:solidFill>
                 <a:uFill>
                   <a:solidFill>
                     <a:srgbClr val="ffffff"/>
                   </a:solidFill>
                 </a:uFill>
-                <a:latin typeface="Calibri"/>
+                <a:latin typeface="Source Sans Pro"/>
               </a:rPr>
-              <a:t>25/11/17</a:t>
-            </a:fld>
-            <a:endParaRPr b="0" lang="pt-BR" sz="1200" spc="-1" strike="noStrike">
-              <a:solidFill>
-                <a:srgbClr val="000000"/>
-              </a:solidFill>
-              <a:uFill>
-                <a:solidFill>
-                  <a:srgbClr val="ffffff"/>
-                </a:solidFill>
-              </a:uFill>
-              <a:latin typeface="Times New Roman"/>
-            </a:endParaRPr>
-          </a:p>
-        </p:txBody>
-      </p:sp>
-      <p:sp>
-        <p:nvSpPr>
-          <p:cNvPr id="44" name="PlaceHolder 4"/>
-          <p:cNvSpPr>
-            <a:spLocks noGrp="1"/>
-          </p:cNvSpPr>
-          <p:nvPr>
-            <p:ph type="ftr"/>
-          </p:nvPr>
-        </p:nvSpPr>
-        <p:spPr>
-          <a:xfrm>
-            <a:off x="4038480" y="6356520"/>
-            <a:ext cx="4114440" cy="364680"/>
-          </a:xfrm>
-          <a:prstGeom prst="rect">
-            <a:avLst/>
-          </a:prstGeom>
-        </p:spPr>
-        <p:txBody>
-          <a:bodyPr anchor="ctr"/>
-          <a:p>
+              <a:t>6.º nível da estrutura de tópicos</a:t>
+            </a:r>
             <a:endParaRPr b="0" lang="pt-BR" sz="2400" spc="-1" strike="noStrike">
               <a:solidFill>
                 <a:srgbClr val="000000"/>
@@ -4160,62 +5777,197 @@
                   <a:srgbClr val="ffffff"/>
                 </a:solidFill>
               </a:uFill>
-              <a:latin typeface="Times New Roman"/>
-            </a:endParaRPr>
-          </a:p>
-        </p:txBody>
-      </p:sp>
-      <p:sp>
-        <p:nvSpPr>
-          <p:cNvPr id="45" name="PlaceHolder 5"/>
-          <p:cNvSpPr>
-            <a:spLocks noGrp="1"/>
-          </p:cNvSpPr>
-          <p:nvPr>
-            <p:ph type="sldNum"/>
-          </p:nvPr>
-        </p:nvSpPr>
-        <p:spPr>
-          <a:xfrm>
-            <a:off x="8610480" y="6356520"/>
-            <a:ext cx="2742840" cy="364680"/>
-          </a:xfrm>
-          <a:prstGeom prst="rect">
-            <a:avLst/>
-          </a:prstGeom>
-        </p:spPr>
-        <p:txBody>
-          <a:bodyPr anchor="ctr"/>
-          <a:p>
-            <a:pPr algn="r">
-              <a:lnSpc>
-                <a:spcPct val="100000"/>
-              </a:lnSpc>
+              <a:latin typeface="Source Sans Pro"/>
+            </a:endParaRPr>
+          </a:p>
+          <a:p>
+            <a:pPr lvl="6" marL="3024000" indent="-216000">
+              <a:spcAft>
+                <a:spcPts val="283"/>
+              </a:spcAft>
+              <a:buClr>
+                <a:srgbClr val="04617b"/>
+              </a:buClr>
+              <a:buSzPct val="45000"/>
+              <a:buFont typeface="Wingdings" charset="2"/>
+              <a:buChar char=""/>
             </a:pPr>
-            <a:fld id="{BBBAB1C8-5C8F-443B-900C-1798F5789EAF}" type="slidenum">
-              <a:rPr b="0" lang="pt-BR" sz="1200" spc="-1" strike="noStrike">
-                <a:solidFill>
-                  <a:srgbClr val="8b8b8b"/>
+            <a:r>
+              <a:rPr b="0" lang="pt-BR" sz="2400" spc="-1" strike="noStrike">
+                <a:solidFill>
+                  <a:srgbClr val="000000"/>
                 </a:solidFill>
                 <a:uFill>
                   <a:solidFill>
                     <a:srgbClr val="ffffff"/>
                   </a:solidFill>
                 </a:uFill>
-                <a:latin typeface="Calibri"/>
+                <a:latin typeface="Source Sans Pro"/>
+              </a:rPr>
+              <a:t>7.º nível da estrutura de tópicos</a:t>
+            </a:r>
+            <a:endParaRPr b="0" lang="pt-BR" sz="2400" spc="-1" strike="noStrike">
+              <a:solidFill>
+                <a:srgbClr val="000000"/>
+              </a:solidFill>
+              <a:uFill>
+                <a:solidFill>
+                  <a:srgbClr val="ffffff"/>
+                </a:solidFill>
+              </a:uFill>
+              <a:latin typeface="Source Sans Pro"/>
+            </a:endParaRPr>
+          </a:p>
+        </p:txBody>
+      </p:sp>
+      <p:sp>
+        <p:nvSpPr>
+          <p:cNvPr id="43" name="PlaceHolder 3"/>
+          <p:cNvSpPr>
+            <a:spLocks noGrp="1"/>
+          </p:cNvSpPr>
+          <p:nvPr>
+            <p:ph type="dt"/>
+          </p:nvPr>
+        </p:nvSpPr>
+        <p:spPr>
+          <a:xfrm>
+            <a:off x="599040" y="6887160"/>
+            <a:ext cx="2795400" cy="521640"/>
+          </a:xfrm>
+          <a:prstGeom prst="rect">
+            <a:avLst/>
+          </a:prstGeom>
+        </p:spPr>
+        <p:txBody>
+          <a:bodyPr lIns="0" rIns="0" tIns="0" bIns="0"/>
+          <a:p>
+            <a:r>
+              <a:rPr b="0" lang="pt-BR" sz="2400" spc="-1" strike="noStrike">
+                <a:solidFill>
+                  <a:srgbClr val="484848"/>
+                </a:solidFill>
+                <a:uFill>
+                  <a:solidFill>
+                    <a:srgbClr val="ffffff"/>
+                  </a:solidFill>
+                </a:uFill>
+                <a:latin typeface="Source Sans Pro"/>
+              </a:rPr>
+              <a:t> </a:t>
+            </a:r>
+            <a:endParaRPr b="0" lang="pt-BR" sz="2400" spc="-1" strike="noStrike">
+              <a:solidFill>
+                <a:srgbClr val="484848"/>
+              </a:solidFill>
+              <a:uFill>
+                <a:solidFill>
+                  <a:srgbClr val="ffffff"/>
+                </a:solidFill>
+              </a:uFill>
+              <a:latin typeface="Source Sans Pro"/>
+            </a:endParaRPr>
+          </a:p>
+        </p:txBody>
+      </p:sp>
+      <p:sp>
+        <p:nvSpPr>
+          <p:cNvPr id="44" name="PlaceHolder 4"/>
+          <p:cNvSpPr>
+            <a:spLocks noGrp="1"/>
+          </p:cNvSpPr>
+          <p:nvPr>
+            <p:ph type="ftr"/>
+          </p:nvPr>
+        </p:nvSpPr>
+        <p:spPr>
+          <a:xfrm>
+            <a:off x="4102560" y="6887160"/>
+            <a:ext cx="3803040" cy="521640"/>
+          </a:xfrm>
+          <a:prstGeom prst="rect">
+            <a:avLst/>
+          </a:prstGeom>
+        </p:spPr>
+        <p:txBody>
+          <a:bodyPr lIns="0" rIns="0" tIns="0" bIns="0"/>
+          <a:p>
+            <a:pPr algn="ctr"/>
+            <a:r>
+              <a:rPr b="0" lang="pt-BR" sz="2400" spc="-1" strike="noStrike">
+                <a:solidFill>
+                  <a:srgbClr val="484848"/>
+                </a:solidFill>
+                <a:uFill>
+                  <a:solidFill>
+                    <a:srgbClr val="ffffff"/>
+                  </a:solidFill>
+                </a:uFill>
+                <a:latin typeface="Source Sans Pro"/>
+              </a:rPr>
+              <a:t> </a:t>
+            </a:r>
+            <a:endParaRPr b="0" lang="pt-BR" sz="2400" spc="-1" strike="noStrike">
+              <a:solidFill>
+                <a:srgbClr val="484848"/>
+              </a:solidFill>
+              <a:uFill>
+                <a:solidFill>
+                  <a:srgbClr val="ffffff"/>
+                </a:solidFill>
+              </a:uFill>
+              <a:latin typeface="Source Sans Pro"/>
+            </a:endParaRPr>
+          </a:p>
+        </p:txBody>
+      </p:sp>
+      <p:sp>
+        <p:nvSpPr>
+          <p:cNvPr id="45" name="PlaceHolder 5"/>
+          <p:cNvSpPr>
+            <a:spLocks noGrp="1"/>
+          </p:cNvSpPr>
+          <p:nvPr>
+            <p:ph type="sldNum"/>
+          </p:nvPr>
+        </p:nvSpPr>
+        <p:spPr>
+          <a:xfrm>
+            <a:off x="8602200" y="6887160"/>
+            <a:ext cx="2795400" cy="521640"/>
+          </a:xfrm>
+          <a:prstGeom prst="rect">
+            <a:avLst/>
+          </a:prstGeom>
+        </p:spPr>
+        <p:txBody>
+          <a:bodyPr lIns="0" rIns="0" tIns="0" bIns="0"/>
+          <a:p>
+            <a:pPr algn="r"/>
+            <a:fld id="{E0A9EC16-4AE9-499D-9118-FAAE61BD0B14}" type="slidenum">
+              <a:rPr b="0" lang="pt-BR" sz="2400" spc="-1" strike="noStrike">
+                <a:solidFill>
+                  <a:srgbClr val="484848"/>
+                </a:solidFill>
+                <a:uFill>
+                  <a:solidFill>
+                    <a:srgbClr val="ffffff"/>
+                  </a:solidFill>
+                </a:uFill>
+                <a:latin typeface="Source Sans Pro"/>
               </a:rPr>
               <a:t>1</a:t>
             </a:fld>
-            <a:endParaRPr b="0" lang="pt-BR" sz="1200" spc="-1" strike="noStrike">
-              <a:solidFill>
-                <a:srgbClr val="000000"/>
-              </a:solidFill>
-              <a:uFill>
-                <a:solidFill>
-                  <a:srgbClr val="ffffff"/>
-                </a:solidFill>
-              </a:uFill>
-              <a:latin typeface="Times New Roman"/>
+            <a:endParaRPr b="0" lang="pt-BR" sz="2400" spc="-1" strike="noStrike">
+              <a:solidFill>
+                <a:srgbClr val="484848"/>
+              </a:solidFill>
+              <a:uFill>
+                <a:solidFill>
+                  <a:srgbClr val="ffffff"/>
+                </a:solidFill>
+              </a:uFill>
+              <a:latin typeface="Source Sans Pro"/>
             </a:endParaRPr>
           </a:p>
         </p:txBody>
@@ -4224,18 +5976,560 @@
   </p:cSld>
   <p:clrMap bg1="lt1" bg2="lt2" tx1="dk1" tx2="dk2" accent1="accent1" accent2="accent2" accent3="accent3" accent4="accent4" accent5="accent5" accent6="accent6" hlink="hlink" folHlink="folHlink"/>
   <p:sldLayoutIdLst>
-    <p:sldLayoutId id="2147483662" r:id="rId2"/>
-    <p:sldLayoutId id="2147483663" r:id="rId3"/>
-    <p:sldLayoutId id="2147483664" r:id="rId4"/>
-    <p:sldLayoutId id="2147483665" r:id="rId5"/>
-    <p:sldLayoutId id="2147483666" r:id="rId6"/>
-    <p:sldLayoutId id="2147483667" r:id="rId7"/>
-    <p:sldLayoutId id="2147483668" r:id="rId8"/>
-    <p:sldLayoutId id="2147483669" r:id="rId9"/>
-    <p:sldLayoutId id="2147483670" r:id="rId10"/>
-    <p:sldLayoutId id="2147483671" r:id="rId11"/>
-    <p:sldLayoutId id="2147483672" r:id="rId12"/>
-    <p:sldLayoutId id="2147483673" r:id="rId13"/>
+    <p:sldLayoutId id="2147483662" r:id="rId3"/>
+    <p:sldLayoutId id="2147483663" r:id="rId4"/>
+    <p:sldLayoutId id="2147483664" r:id="rId5"/>
+    <p:sldLayoutId id="2147483665" r:id="rId6"/>
+    <p:sldLayoutId id="2147483666" r:id="rId7"/>
+    <p:sldLayoutId id="2147483667" r:id="rId8"/>
+    <p:sldLayoutId id="2147483668" r:id="rId9"/>
+    <p:sldLayoutId id="2147483669" r:id="rId10"/>
+    <p:sldLayoutId id="2147483670" r:id="rId11"/>
+    <p:sldLayoutId id="2147483671" r:id="rId12"/>
+    <p:sldLayoutId id="2147483672" r:id="rId13"/>
+    <p:sldLayoutId id="2147483673" r:id="rId14"/>
+  </p:sldLayoutIdLst>
+</p:sldMaster>
+</file>
+
+<file path=ppt/slideMasters/slideMaster3.xml><?xml version="1.0" encoding="utf-8"?>
+<p:sldMaster xmlns:a="http://schemas.openxmlformats.org/drawingml/2006/main" xmlns:p="http://schemas.openxmlformats.org/presentationml/2006/main" xmlns:r="http://schemas.openxmlformats.org/officeDocument/2006/relationships" xmlns:p14="http://schemas.microsoft.com/office/powerpoint/2010/main" xmlns:p15="http://schemas.microsoft.com/office/powerpoint/2012/main" xmlns:mc="http://schemas.openxmlformats.org/markup-compatibility/2006">
+  <p:cSld>
+    <p:bg>
+      <p:bgPr>
+        <a:blipFill>
+          <a:blip r:embed="rId2"/>
+          <a:stretch>
+            <a:fillRect/>
+          </a:stretch>
+        </a:blipFill>
+      </p:bgPr>
+    </p:bg>
+    <p:spTree>
+      <p:nvGrpSpPr>
+        <p:cNvPr id="1" name=""/>
+        <p:cNvGrpSpPr/>
+        <p:nvPr/>
+      </p:nvGrpSpPr>
+      <p:grpSpPr>
+        <a:xfrm>
+          <a:off x="0" y="0"/>
+          <a:ext cx="0" cy="0"/>
+          <a:chOff x="0" y="0"/>
+          <a:chExt cx="0" cy="0"/>
+        </a:xfrm>
+      </p:grpSpPr>
+      <p:sp>
+        <p:nvSpPr>
+          <p:cNvPr id="82" name="PlaceHolder 1"/>
+          <p:cNvSpPr>
+            <a:spLocks noGrp="1"/>
+          </p:cNvSpPr>
+          <p:nvPr>
+            <p:ph type="title"/>
+          </p:nvPr>
+        </p:nvSpPr>
+        <p:spPr>
+          <a:xfrm>
+            <a:off x="599040" y="301320"/>
+            <a:ext cx="10798560" cy="1262160"/>
+          </a:xfrm>
+          <a:prstGeom prst="rect">
+            <a:avLst/>
+          </a:prstGeom>
+        </p:spPr>
+        <p:txBody>
+          <a:bodyPr lIns="0" rIns="0" tIns="0" bIns="0" anchor="ctr">
+            <a:normAutofit/>
+          </a:bodyPr>
+          <a:p>
+            <a:r>
+              <a:rPr b="0" lang="pt-BR" sz="6000" spc="-1" strike="noStrike">
+                <a:solidFill>
+                  <a:srgbClr val="04617b"/>
+                </a:solidFill>
+                <a:uFill>
+                  <a:solidFill>
+                    <a:srgbClr val="ffffff"/>
+                  </a:solidFill>
+                </a:uFill>
+                <a:latin typeface="Source Sans Pro Light"/>
+              </a:rPr>
+              <a:t>Clique para editar o formato do texto do título</a:t>
+            </a:r>
+            <a:endParaRPr b="0" lang="pt-BR" sz="6000" spc="-1" strike="noStrike">
+              <a:solidFill>
+                <a:srgbClr val="04617b"/>
+              </a:solidFill>
+              <a:uFill>
+                <a:solidFill>
+                  <a:srgbClr val="ffffff"/>
+                </a:solidFill>
+              </a:uFill>
+              <a:latin typeface="Source Sans Pro Light"/>
+            </a:endParaRPr>
+          </a:p>
+        </p:txBody>
+      </p:sp>
+      <p:sp>
+        <p:nvSpPr>
+          <p:cNvPr id="83" name="PlaceHolder 2"/>
+          <p:cNvSpPr>
+            <a:spLocks noGrp="1"/>
+          </p:cNvSpPr>
+          <p:nvPr>
+            <p:ph type="body"/>
+          </p:nvPr>
+        </p:nvSpPr>
+        <p:spPr>
+          <a:xfrm>
+            <a:off x="599040" y="1828800"/>
+            <a:ext cx="10830960" cy="5394960"/>
+          </a:xfrm>
+          <a:prstGeom prst="rect">
+            <a:avLst/>
+          </a:prstGeom>
+        </p:spPr>
+        <p:txBody>
+          <a:bodyPr lIns="0" rIns="0" tIns="0" bIns="0">
+            <a:normAutofit/>
+          </a:bodyPr>
+          <a:p>
+            <a:pPr marL="432000" indent="-324000">
+              <a:spcAft>
+                <a:spcPts val="1412"/>
+              </a:spcAft>
+              <a:buClr>
+                <a:srgbClr val="04617b"/>
+              </a:buClr>
+              <a:buSzPct val="45000"/>
+              <a:buFont typeface="Wingdings" charset="2"/>
+              <a:buChar char=""/>
+            </a:pPr>
+            <a:r>
+              <a:rPr b="0" lang="pt-BR" sz="3200" spc="-1" strike="noStrike">
+                <a:solidFill>
+                  <a:srgbClr val="000000"/>
+                </a:solidFill>
+                <a:uFill>
+                  <a:solidFill>
+                    <a:srgbClr val="ffffff"/>
+                  </a:solidFill>
+                </a:uFill>
+                <a:latin typeface="Source Sans Pro"/>
+              </a:rPr>
+              <a:t>Clique para editar o formato do texto da estrutura de tópicos</a:t>
+            </a:r>
+            <a:endParaRPr b="0" lang="pt-BR" sz="3200" spc="-1" strike="noStrike">
+              <a:solidFill>
+                <a:srgbClr val="000000"/>
+              </a:solidFill>
+              <a:uFill>
+                <a:solidFill>
+                  <a:srgbClr val="ffffff"/>
+                </a:solidFill>
+              </a:uFill>
+              <a:latin typeface="Source Sans Pro"/>
+            </a:endParaRPr>
+          </a:p>
+          <a:p>
+            <a:pPr lvl="1" marL="864000" indent="-324000">
+              <a:spcAft>
+                <a:spcPts val="1123"/>
+              </a:spcAft>
+              <a:buClr>
+                <a:srgbClr val="04617b"/>
+              </a:buClr>
+              <a:buSzPct val="75000"/>
+              <a:buFont typeface="Symbol" charset="2"/>
+              <a:buChar char=""/>
+            </a:pPr>
+            <a:r>
+              <a:rPr b="0" lang="pt-BR" sz="2800" spc="-1" strike="noStrike">
+                <a:solidFill>
+                  <a:srgbClr val="000000"/>
+                </a:solidFill>
+                <a:uFill>
+                  <a:solidFill>
+                    <a:srgbClr val="ffffff"/>
+                  </a:solidFill>
+                </a:uFill>
+                <a:latin typeface="Source Sans Pro"/>
+              </a:rPr>
+              <a:t>2.º nível da estrutura de tópicos</a:t>
+            </a:r>
+            <a:endParaRPr b="0" lang="pt-BR" sz="2800" spc="-1" strike="noStrike">
+              <a:solidFill>
+                <a:srgbClr val="000000"/>
+              </a:solidFill>
+              <a:uFill>
+                <a:solidFill>
+                  <a:srgbClr val="ffffff"/>
+                </a:solidFill>
+              </a:uFill>
+              <a:latin typeface="Source Sans Pro"/>
+            </a:endParaRPr>
+          </a:p>
+          <a:p>
+            <a:pPr lvl="2" marL="1296000" indent="-288000">
+              <a:spcAft>
+                <a:spcPts val="850"/>
+              </a:spcAft>
+              <a:buClr>
+                <a:srgbClr val="04617b"/>
+              </a:buClr>
+              <a:buSzPct val="45000"/>
+              <a:buFont typeface="Wingdings" charset="2"/>
+              <a:buChar char=""/>
+            </a:pPr>
+            <a:r>
+              <a:rPr b="0" lang="pt-BR" sz="2400" spc="-1" strike="noStrike">
+                <a:solidFill>
+                  <a:srgbClr val="000000"/>
+                </a:solidFill>
+                <a:uFill>
+                  <a:solidFill>
+                    <a:srgbClr val="ffffff"/>
+                  </a:solidFill>
+                </a:uFill>
+                <a:latin typeface="Source Sans Pro"/>
+              </a:rPr>
+              <a:t>3.º nível da estrutura de tópicos</a:t>
+            </a:r>
+            <a:endParaRPr b="0" lang="pt-BR" sz="2400" spc="-1" strike="noStrike">
+              <a:solidFill>
+                <a:srgbClr val="000000"/>
+              </a:solidFill>
+              <a:uFill>
+                <a:solidFill>
+                  <a:srgbClr val="ffffff"/>
+                </a:solidFill>
+              </a:uFill>
+              <a:latin typeface="Source Sans Pro"/>
+            </a:endParaRPr>
+          </a:p>
+          <a:p>
+            <a:pPr lvl="3" marL="1728000" indent="-216000">
+              <a:spcAft>
+                <a:spcPts val="567"/>
+              </a:spcAft>
+              <a:buClr>
+                <a:srgbClr val="04617b"/>
+              </a:buClr>
+              <a:buSzPct val="75000"/>
+              <a:buFont typeface="Symbol" charset="2"/>
+              <a:buChar char=""/>
+            </a:pPr>
+            <a:r>
+              <a:rPr b="0" lang="pt-BR" sz="2400" spc="-1" strike="noStrike">
+                <a:solidFill>
+                  <a:srgbClr val="000000"/>
+                </a:solidFill>
+                <a:uFill>
+                  <a:solidFill>
+                    <a:srgbClr val="ffffff"/>
+                  </a:solidFill>
+                </a:uFill>
+                <a:latin typeface="Source Sans Pro"/>
+              </a:rPr>
+              <a:t>4.º nível da estrutura de tópicos</a:t>
+            </a:r>
+            <a:endParaRPr b="0" lang="pt-BR" sz="2400" spc="-1" strike="noStrike">
+              <a:solidFill>
+                <a:srgbClr val="000000"/>
+              </a:solidFill>
+              <a:uFill>
+                <a:solidFill>
+                  <a:srgbClr val="ffffff"/>
+                </a:solidFill>
+              </a:uFill>
+              <a:latin typeface="Source Sans Pro"/>
+            </a:endParaRPr>
+          </a:p>
+          <a:p>
+            <a:pPr lvl="4" marL="2160000" indent="-216000">
+              <a:spcAft>
+                <a:spcPts val="283"/>
+              </a:spcAft>
+              <a:buClr>
+                <a:srgbClr val="04617b"/>
+              </a:buClr>
+              <a:buSzPct val="45000"/>
+              <a:buFont typeface="Wingdings" charset="2"/>
+              <a:buChar char=""/>
+            </a:pPr>
+            <a:r>
+              <a:rPr b="0" lang="pt-BR" sz="2400" spc="-1" strike="noStrike">
+                <a:solidFill>
+                  <a:srgbClr val="000000"/>
+                </a:solidFill>
+                <a:uFill>
+                  <a:solidFill>
+                    <a:srgbClr val="ffffff"/>
+                  </a:solidFill>
+                </a:uFill>
+                <a:latin typeface="Source Sans Pro"/>
+              </a:rPr>
+              <a:t>5.º nível da estrutura de tópicos</a:t>
+            </a:r>
+            <a:endParaRPr b="0" lang="pt-BR" sz="2400" spc="-1" strike="noStrike">
+              <a:solidFill>
+                <a:srgbClr val="000000"/>
+              </a:solidFill>
+              <a:uFill>
+                <a:solidFill>
+                  <a:srgbClr val="ffffff"/>
+                </a:solidFill>
+              </a:uFill>
+              <a:latin typeface="Source Sans Pro"/>
+            </a:endParaRPr>
+          </a:p>
+          <a:p>
+            <a:pPr lvl="5" marL="2592000" indent="-216000">
+              <a:spcAft>
+                <a:spcPts val="283"/>
+              </a:spcAft>
+              <a:buClr>
+                <a:srgbClr val="04617b"/>
+              </a:buClr>
+              <a:buSzPct val="45000"/>
+              <a:buFont typeface="Wingdings" charset="2"/>
+              <a:buChar char=""/>
+            </a:pPr>
+            <a:r>
+              <a:rPr b="0" lang="pt-BR" sz="2400" spc="-1" strike="noStrike">
+                <a:solidFill>
+                  <a:srgbClr val="000000"/>
+                </a:solidFill>
+                <a:uFill>
+                  <a:solidFill>
+                    <a:srgbClr val="ffffff"/>
+                  </a:solidFill>
+                </a:uFill>
+                <a:latin typeface="Source Sans Pro"/>
+              </a:rPr>
+              <a:t>6.º nível da estrutura de tópicos</a:t>
+            </a:r>
+            <a:endParaRPr b="0" lang="pt-BR" sz="2400" spc="-1" strike="noStrike">
+              <a:solidFill>
+                <a:srgbClr val="000000"/>
+              </a:solidFill>
+              <a:uFill>
+                <a:solidFill>
+                  <a:srgbClr val="ffffff"/>
+                </a:solidFill>
+              </a:uFill>
+              <a:latin typeface="Source Sans Pro"/>
+            </a:endParaRPr>
+          </a:p>
+          <a:p>
+            <a:pPr lvl="6" marL="3024000" indent="-216000">
+              <a:spcAft>
+                <a:spcPts val="283"/>
+              </a:spcAft>
+              <a:buClr>
+                <a:srgbClr val="04617b"/>
+              </a:buClr>
+              <a:buSzPct val="45000"/>
+              <a:buFont typeface="Wingdings" charset="2"/>
+              <a:buChar char=""/>
+            </a:pPr>
+            <a:r>
+              <a:rPr b="0" lang="pt-BR" sz="2400" spc="-1" strike="noStrike">
+                <a:solidFill>
+                  <a:srgbClr val="000000"/>
+                </a:solidFill>
+                <a:uFill>
+                  <a:solidFill>
+                    <a:srgbClr val="ffffff"/>
+                  </a:solidFill>
+                </a:uFill>
+                <a:latin typeface="Source Sans Pro"/>
+              </a:rPr>
+              <a:t>7.º nível da estrutura de tópicos</a:t>
+            </a:r>
+            <a:endParaRPr b="0" lang="pt-BR" sz="2400" spc="-1" strike="noStrike">
+              <a:solidFill>
+                <a:srgbClr val="000000"/>
+              </a:solidFill>
+              <a:uFill>
+                <a:solidFill>
+                  <a:srgbClr val="ffffff"/>
+                </a:solidFill>
+              </a:uFill>
+              <a:latin typeface="Source Sans Pro"/>
+            </a:endParaRPr>
+          </a:p>
+        </p:txBody>
+      </p:sp>
+      <p:sp>
+        <p:nvSpPr>
+          <p:cNvPr id="84" name="PlaceHolder 3"/>
+          <p:cNvSpPr>
+            <a:spLocks noGrp="1"/>
+          </p:cNvSpPr>
+          <p:nvPr>
+            <p:ph type="dt"/>
+          </p:nvPr>
+        </p:nvSpPr>
+        <p:spPr>
+          <a:xfrm>
+            <a:off x="599040" y="6827760"/>
+            <a:ext cx="2795400" cy="521640"/>
+          </a:xfrm>
+          <a:prstGeom prst="rect">
+            <a:avLst/>
+          </a:prstGeom>
+        </p:spPr>
+        <p:txBody>
+          <a:bodyPr lIns="0" rIns="0" tIns="0" bIns="0"/>
+          <a:p>
+            <a:r>
+              <a:rPr b="0" lang="pt-BR" sz="2400" spc="-1" strike="noStrike">
+                <a:solidFill>
+                  <a:srgbClr val="484848"/>
+                </a:solidFill>
+                <a:uFill>
+                  <a:solidFill>
+                    <a:srgbClr val="ffffff"/>
+                  </a:solidFill>
+                </a:uFill>
+                <a:latin typeface="Source Sans Pro"/>
+              </a:rPr>
+              <a:t> </a:t>
+            </a:r>
+            <a:endParaRPr b="0" lang="pt-BR" sz="2400" spc="-1" strike="noStrike">
+              <a:solidFill>
+                <a:srgbClr val="484848"/>
+              </a:solidFill>
+              <a:uFill>
+                <a:solidFill>
+                  <a:srgbClr val="ffffff"/>
+                </a:solidFill>
+              </a:uFill>
+              <a:latin typeface="Source Sans Pro"/>
+            </a:endParaRPr>
+          </a:p>
+        </p:txBody>
+      </p:sp>
+      <p:sp>
+        <p:nvSpPr>
+          <p:cNvPr id="85" name="PlaceHolder 4"/>
+          <p:cNvSpPr>
+            <a:spLocks noGrp="1"/>
+          </p:cNvSpPr>
+          <p:nvPr>
+            <p:ph type="ftr"/>
+          </p:nvPr>
+        </p:nvSpPr>
+        <p:spPr>
+          <a:xfrm>
+            <a:off x="4102560" y="6827760"/>
+            <a:ext cx="3803040" cy="521640"/>
+          </a:xfrm>
+          <a:prstGeom prst="rect">
+            <a:avLst/>
+          </a:prstGeom>
+        </p:spPr>
+        <p:txBody>
+          <a:bodyPr lIns="0" rIns="0" tIns="0" bIns="0"/>
+          <a:p>
+            <a:pPr algn="ctr"/>
+            <a:r>
+              <a:rPr b="0" lang="pt-BR" sz="2400" spc="-1" strike="noStrike">
+                <a:solidFill>
+                  <a:srgbClr val="484848"/>
+                </a:solidFill>
+                <a:uFill>
+                  <a:solidFill>
+                    <a:srgbClr val="ffffff"/>
+                  </a:solidFill>
+                </a:uFill>
+                <a:latin typeface="Source Sans Pro"/>
+              </a:rPr>
+              <a:t> </a:t>
+            </a:r>
+            <a:endParaRPr b="0" lang="pt-BR" sz="2400" spc="-1" strike="noStrike">
+              <a:solidFill>
+                <a:srgbClr val="484848"/>
+              </a:solidFill>
+              <a:uFill>
+                <a:solidFill>
+                  <a:srgbClr val="ffffff"/>
+                </a:solidFill>
+              </a:uFill>
+              <a:latin typeface="Source Sans Pro"/>
+            </a:endParaRPr>
+          </a:p>
+        </p:txBody>
+      </p:sp>
+      <p:sp>
+        <p:nvSpPr>
+          <p:cNvPr id="86" name="PlaceHolder 5"/>
+          <p:cNvSpPr>
+            <a:spLocks noGrp="1"/>
+          </p:cNvSpPr>
+          <p:nvPr>
+            <p:ph type="sldNum"/>
+          </p:nvPr>
+        </p:nvSpPr>
+        <p:spPr>
+          <a:xfrm>
+            <a:off x="9188640" y="6827760"/>
+            <a:ext cx="2253600" cy="521640"/>
+          </a:xfrm>
+          <a:prstGeom prst="rect">
+            <a:avLst/>
+          </a:prstGeom>
+        </p:spPr>
+        <p:txBody>
+          <a:bodyPr lIns="0" rIns="0" tIns="0" bIns="0"/>
+          <a:p>
+            <a:pPr algn="r"/>
+            <a:fld id="{834028FC-89B7-4C28-A4B2-F5F039926485}" type="slidenum">
+              <a:rPr b="0" lang="pt-BR" sz="2400" spc="-1" strike="noStrike">
+                <a:solidFill>
+                  <a:srgbClr val="484848"/>
+                </a:solidFill>
+                <a:uFill>
+                  <a:solidFill>
+                    <a:srgbClr val="ffffff"/>
+                  </a:solidFill>
+                </a:uFill>
+                <a:latin typeface="Source Sans Pro"/>
+              </a:rPr>
+              <a:t>1</a:t>
+            </a:fld>
+            <a:endParaRPr b="0" lang="pt-BR" sz="2400" spc="-1" strike="noStrike">
+              <a:solidFill>
+                <a:srgbClr val="484848"/>
+              </a:solidFill>
+              <a:uFill>
+                <a:solidFill>
+                  <a:srgbClr val="ffffff"/>
+                </a:solidFill>
+              </a:uFill>
+              <a:latin typeface="Source Sans Pro"/>
+            </a:endParaRPr>
+          </a:p>
+        </p:txBody>
+      </p:sp>
+    </p:spTree>
+  </p:cSld>
+  <p:clrMap bg1="lt1" bg2="lt2" tx1="dk1" tx2="dk2" accent1="accent1" accent2="accent2" accent3="accent3" accent4="accent4" accent5="accent5" accent6="accent6" hlink="hlink" folHlink="folHlink"/>
+  <p:sldLayoutIdLst>
+    <p:sldLayoutId id="2147483675" r:id="rId3"/>
+    <p:sldLayoutId id="2147483676" r:id="rId4"/>
+    <p:sldLayoutId id="2147483677" r:id="rId5"/>
+    <p:sldLayoutId id="2147483678" r:id="rId6"/>
+    <p:sldLayoutId id="2147483679" r:id="rId7"/>
+    <p:sldLayoutId id="2147483680" r:id="rId8"/>
+    <p:sldLayoutId id="2147483681" r:id="rId9"/>
+    <p:sldLayoutId id="2147483682" r:id="rId10"/>
+    <p:sldLayoutId id="2147483683" r:id="rId11"/>
+    <p:sldLayoutId id="2147483684" r:id="rId12"/>
+    <p:sldLayoutId id="2147483685" r:id="rId13"/>
+    <p:sldLayoutId id="2147483686" r:id="rId14"/>
   </p:sldLayoutIdLst>
 </p:sldMaster>
 </file>
@@ -4259,14 +6553,14 @@
       </p:grpSpPr>
       <p:sp>
         <p:nvSpPr>
-          <p:cNvPr id="82" name="TextShape 1"/>
+          <p:cNvPr id="123" name="TextShape 1"/>
           <p:cNvSpPr txBox="1"/>
           <p:nvPr/>
         </p:nvSpPr>
         <p:spPr>
           <a:xfrm>
-            <a:off x="609480" y="1604520"/>
-            <a:ext cx="10972440" cy="3977280"/>
+            <a:off x="548640" y="301320"/>
+            <a:ext cx="10798560" cy="4453560"/>
           </a:xfrm>
           <a:prstGeom prst="rect">
             <a:avLst/>
@@ -4277,81 +6571,145 @@
           </a:ln>
         </p:spPr>
         <p:txBody>
-          <a:bodyPr lIns="0" rIns="0" tIns="0" bIns="0" anchor="ctr"/>
-          <a:p>
-            <a:pPr algn="ctr"/>
-            <a:endParaRPr b="0" lang="pt-BR" sz="3200" spc="-1" strike="noStrike">
-              <a:solidFill>
-                <a:srgbClr val="000000"/>
-              </a:solidFill>
-              <a:uFill>
-                <a:solidFill>
-                  <a:srgbClr val="ffffff"/>
-                </a:solidFill>
-              </a:uFill>
-              <a:latin typeface="Arial"/>
-            </a:endParaRPr>
-          </a:p>
-        </p:txBody>
-      </p:sp>
-      <p:sp>
-        <p:nvSpPr>
-          <p:cNvPr id="83" name="TextShape 2"/>
-          <p:cNvSpPr txBox="1"/>
-          <p:nvPr/>
-        </p:nvSpPr>
-        <p:spPr>
-          <a:xfrm>
-            <a:off x="1523880" y="579600"/>
-            <a:ext cx="9143640" cy="1049760"/>
-          </a:xfrm>
-          <a:prstGeom prst="rect">
-            <a:avLst/>
-          </a:prstGeom>
-          <a:noFill/>
-          <a:ln>
-            <a:noFill/>
-          </a:ln>
-        </p:spPr>
-        <p:txBody>
-          <a:bodyPr anchor="b"/>
-          <a:p>
-            <a:pPr algn="ctr">
-              <a:lnSpc>
-                <a:spcPct val="100000"/>
-              </a:lnSpc>
-            </a:pPr>
+          <a:bodyPr lIns="0" rIns="0" tIns="0" bIns="0" anchor="b">
+            <a:normAutofit/>
+          </a:bodyPr>
+          <a:p>
             <a:r>
-              <a:rPr b="0" lang="pt-BR" sz="6000" spc="-1" strike="noStrike">
-                <a:solidFill>
-                  <a:srgbClr val="000000"/>
+              <a:rPr b="0" lang="pt-BR" sz="8000" spc="-1" strike="noStrike">
+                <a:solidFill>
+                  <a:srgbClr val="04617b"/>
                 </a:solidFill>
                 <a:uFill>
                   <a:solidFill>
                     <a:srgbClr val="ffffff"/>
                   </a:solidFill>
                 </a:uFill>
-                <a:latin typeface="Calibri Light"/>
+                <a:latin typeface="Source Sans Pro Light"/>
               </a:rPr>
-              <a:t>Jerimum</a:t>
+              <a:t>Desafio Hackathon VL!</a:t>
             </a:r>
-            <a:endParaRPr b="0" lang="pt-BR" sz="6000" spc="-1" strike="noStrike">
-              <a:solidFill>
-                <a:srgbClr val="000000"/>
-              </a:solidFill>
-              <a:uFill>
-                <a:solidFill>
-                  <a:srgbClr val="ffffff"/>
-                </a:solidFill>
-              </a:uFill>
-              <a:latin typeface="Calibri"/>
+            <a:endParaRPr b="0" lang="pt-BR" sz="8000" spc="-1" strike="noStrike">
+              <a:solidFill>
+                <a:srgbClr val="04617b"/>
+              </a:solidFill>
+              <a:uFill>
+                <a:solidFill>
+                  <a:srgbClr val="ffffff"/>
+                </a:solidFill>
+              </a:uFill>
+              <a:latin typeface="Source Sans Pro Light"/>
+            </a:endParaRPr>
+          </a:p>
+        </p:txBody>
+      </p:sp>
+      <p:sp>
+        <p:nvSpPr>
+          <p:cNvPr id="124" name="TextShape 2"/>
+          <p:cNvSpPr txBox="1"/>
+          <p:nvPr/>
+        </p:nvSpPr>
+        <p:spPr>
+          <a:xfrm>
+            <a:off x="552960" y="5216400"/>
+            <a:ext cx="10789920" cy="1719720"/>
+          </a:xfrm>
+          <a:prstGeom prst="rect">
+            <a:avLst/>
+          </a:prstGeom>
+          <a:noFill/>
+          <a:ln>
+            <a:noFill/>
+          </a:ln>
+        </p:spPr>
+        <p:txBody>
+          <a:bodyPr lIns="0" rIns="0" tIns="0" bIns="0"/>
+          <a:p>
+            <a:r>
+              <a:rPr b="1" lang="pt-BR" sz="3600" spc="-1" strike="noStrike">
+                <a:solidFill>
+                  <a:srgbClr val="dbf5f9"/>
+                </a:solidFill>
+                <a:uFill>
+                  <a:solidFill>
+                    <a:srgbClr val="ffffff"/>
+                  </a:solidFill>
+                </a:uFill>
+                <a:latin typeface="Source Sans Pro"/>
+              </a:rPr>
+              <a:t>Eduardo Silva Rosa</a:t>
+            </a:r>
+            <a:endParaRPr b="1" lang="pt-BR" sz="3600" spc="-1" strike="noStrike">
+              <a:solidFill>
+                <a:srgbClr val="dbf5f9"/>
+              </a:solidFill>
+              <a:uFill>
+                <a:solidFill>
+                  <a:srgbClr val="ffffff"/>
+                </a:solidFill>
+              </a:uFill>
+              <a:latin typeface="Source Sans Pro"/>
+            </a:endParaRPr>
+          </a:p>
+          <a:p>
+            <a:r>
+              <a:rPr b="1" lang="pt-BR" sz="3600" spc="-1" strike="noStrike">
+                <a:solidFill>
+                  <a:srgbClr val="dbf5f9"/>
+                </a:solidFill>
+                <a:uFill>
+                  <a:solidFill>
+                    <a:srgbClr val="ffffff"/>
+                  </a:solidFill>
+                </a:uFill>
+                <a:latin typeface="Source Sans Pro"/>
+              </a:rPr>
+              <a:t>Lauro Oliveira Freitas</a:t>
+            </a:r>
+            <a:endParaRPr b="1" lang="pt-BR" sz="3600" spc="-1" strike="noStrike">
+              <a:solidFill>
+                <a:srgbClr val="dbf5f9"/>
+              </a:solidFill>
+              <a:uFill>
+                <a:solidFill>
+                  <a:srgbClr val="ffffff"/>
+                </a:solidFill>
+              </a:uFill>
+              <a:latin typeface="Source Sans Pro"/>
+            </a:endParaRPr>
+          </a:p>
+          <a:p>
+            <a:r>
+              <a:rPr b="1" lang="pt-BR" sz="3600" spc="-1" strike="noStrike">
+                <a:solidFill>
+                  <a:srgbClr val="dbf5f9"/>
+                </a:solidFill>
+                <a:uFill>
+                  <a:solidFill>
+                    <a:srgbClr val="ffffff"/>
+                  </a:solidFill>
+                </a:uFill>
+                <a:latin typeface="Source Sans Pro"/>
+              </a:rPr>
+              <a:t>Éderson Gervásio</a:t>
+            </a:r>
+            <a:endParaRPr b="1" lang="pt-BR" sz="3600" spc="-1" strike="noStrike">
+              <a:solidFill>
+                <a:srgbClr val="dbf5f9"/>
+              </a:solidFill>
+              <a:uFill>
+                <a:solidFill>
+                  <a:srgbClr val="ffffff"/>
+                </a:solidFill>
+              </a:uFill>
+              <a:latin typeface="Source Sans Pro"/>
             </a:endParaRPr>
           </a:p>
         </p:txBody>
       </p:sp>
       <p:pic>
         <p:nvPicPr>
-          <p:cNvPr id="84" name="" descr=""/>
+          <p:cNvPr id="125" name="" descr=""/>
           <p:cNvPicPr/>
           <p:nvPr/>
         </p:nvPicPr>
@@ -4361,8 +6719,54 @@
         </p:blipFill>
         <p:spPr>
           <a:xfrm>
-            <a:off x="3942720" y="1919520"/>
-            <a:ext cx="3925800" cy="4050360"/>
+            <a:off x="653040" y="445320"/>
+            <a:ext cx="1506960" cy="1642680"/>
+          </a:xfrm>
+          <a:prstGeom prst="rect">
+            <a:avLst/>
+          </a:prstGeom>
+          <a:ln>
+            <a:noFill/>
+          </a:ln>
+        </p:spPr>
+      </p:pic>
+      <p:pic>
+        <p:nvPicPr>
+          <p:cNvPr id="126" name="" descr=""/>
+          <p:cNvPicPr/>
+          <p:nvPr/>
+        </p:nvPicPr>
+        <p:blipFill>
+          <a:blip r:embed="rId2"/>
+          <a:stretch/>
+        </p:blipFill>
+        <p:spPr>
+          <a:xfrm>
+            <a:off x="5994000" y="398160"/>
+            <a:ext cx="4230000" cy="3201840"/>
+          </a:xfrm>
+          <a:prstGeom prst="rect">
+            <a:avLst/>
+          </a:prstGeom>
+          <a:ln>
+            <a:noFill/>
+          </a:ln>
+        </p:spPr>
+      </p:pic>
+      <p:pic>
+        <p:nvPicPr>
+          <p:cNvPr id="127" name="" descr=""/>
+          <p:cNvPicPr/>
+          <p:nvPr/>
+        </p:nvPicPr>
+        <p:blipFill>
+          <a:blip r:embed="rId3"/>
+          <a:stretch/>
+        </p:blipFill>
+        <p:spPr>
+          <a:xfrm>
+            <a:off x="10152000" y="6671160"/>
+            <a:ext cx="880560" cy="456840"/>
           </a:xfrm>
           <a:prstGeom prst="rect">
             <a:avLst/>
@@ -4407,6 +6811,16 @@
 <file path=ppt/slides/slide2.xml><?xml version="1.0" encoding="utf-8"?>
 <p:sld xmlns:a="http://schemas.openxmlformats.org/drawingml/2006/main" xmlns:p="http://schemas.openxmlformats.org/presentationml/2006/main" xmlns:r="http://schemas.openxmlformats.org/officeDocument/2006/relationships" xmlns:p14="http://schemas.microsoft.com/office/powerpoint/2010/main" xmlns:p15="http://schemas.microsoft.com/office/powerpoint/2012/main" xmlns:mc="http://schemas.openxmlformats.org/markup-compatibility/2006">
   <p:cSld>
+    <p:bg>
+      <p:bgPr>
+        <a:blipFill>
+          <a:blip r:embed="rId1"/>
+          <a:stretch>
+            <a:fillRect/>
+          </a:stretch>
+        </a:blipFill>
+      </p:bgPr>
+    </p:bg>
     <p:spTree>
       <p:nvGrpSpPr>
         <p:cNvPr id="1" name=""/>
@@ -4423,14 +6837,14 @@
       </p:grpSpPr>
       <p:sp>
         <p:nvSpPr>
-          <p:cNvPr id="85" name="TextShape 1"/>
+          <p:cNvPr id="128" name="TextShape 1"/>
           <p:cNvSpPr txBox="1"/>
           <p:nvPr/>
         </p:nvSpPr>
         <p:spPr>
           <a:xfrm>
-            <a:off x="838080" y="365040"/>
-            <a:ext cx="10515240" cy="1325160"/>
+            <a:off x="599040" y="121320"/>
+            <a:ext cx="10798560" cy="1262160"/>
           </a:xfrm>
           <a:prstGeom prst="rect">
             <a:avLst/>
@@ -4441,43 +6855,9 @@
           </a:ln>
         </p:spPr>
         <p:txBody>
-          <a:bodyPr lIns="0" rIns="0" tIns="0" bIns="0" anchor="ctr"/>
-          <a:p>
-            <a:endParaRPr b="0" lang="pt-BR" sz="1800" spc="-1" strike="noStrike">
-              <a:solidFill>
-                <a:srgbClr val="000000"/>
-              </a:solidFill>
-              <a:uFill>
-                <a:solidFill>
-                  <a:srgbClr val="ffffff"/>
-                </a:solidFill>
-              </a:uFill>
-              <a:latin typeface="Calibri"/>
-            </a:endParaRPr>
-          </a:p>
-        </p:txBody>
-      </p:sp>
-      <p:sp>
-        <p:nvSpPr>
-          <p:cNvPr id="86" name="TextShape 2"/>
-          <p:cNvSpPr txBox="1"/>
-          <p:nvPr/>
-        </p:nvSpPr>
-        <p:spPr>
-          <a:xfrm>
-            <a:off x="838080" y="365040"/>
-            <a:ext cx="10515240" cy="1325160"/>
-          </a:xfrm>
-          <a:prstGeom prst="rect">
-            <a:avLst/>
-          </a:prstGeom>
-          <a:noFill/>
-          <a:ln>
-            <a:noFill/>
-          </a:ln>
-        </p:spPr>
-        <p:txBody>
-          <a:bodyPr anchor="ctr"/>
+          <a:bodyPr lIns="0" rIns="0" tIns="0" bIns="0" anchor="b">
+            <a:normAutofit/>
+          </a:bodyPr>
           <a:p>
             <a:pPr>
               <a:lnSpc>
@@ -4496,32 +6876,32 @@
                 </a:uFill>
                 <a:latin typeface="Calibri Light"/>
               </a:rPr>
-              <a:t>Objetivos da solução</a:t>
+              <a:t>Problema proposto</a:t>
             </a:r>
             <a:endParaRPr b="0" lang="pt-BR" sz="4400" spc="-1" strike="noStrike">
               <a:solidFill>
-                <a:srgbClr val="000000"/>
-              </a:solidFill>
-              <a:uFill>
-                <a:solidFill>
-                  <a:srgbClr val="ffffff"/>
-                </a:solidFill>
-              </a:uFill>
-              <a:latin typeface="Calibri"/>
-            </a:endParaRPr>
-          </a:p>
-        </p:txBody>
-      </p:sp>
-      <p:sp>
-        <p:nvSpPr>
-          <p:cNvPr id="87" name="TextShape 3"/>
+                <a:srgbClr val="ffffff"/>
+              </a:solidFill>
+              <a:uFill>
+                <a:solidFill>
+                  <a:srgbClr val="ffffff"/>
+                </a:solidFill>
+              </a:uFill>
+              <a:latin typeface="Source Sans Pro Light"/>
+            </a:endParaRPr>
+          </a:p>
+        </p:txBody>
+      </p:sp>
+      <p:sp>
+        <p:nvSpPr>
+          <p:cNvPr id="129" name="TextShape 2"/>
           <p:cNvSpPr txBox="1"/>
           <p:nvPr/>
         </p:nvSpPr>
         <p:spPr>
           <a:xfrm>
-            <a:off x="838080" y="1825560"/>
-            <a:ext cx="10515240" cy="4350960"/>
+            <a:off x="2219040" y="3828240"/>
+            <a:ext cx="7932960" cy="671760"/>
           </a:xfrm>
           <a:prstGeom prst="rect">
             <a:avLst/>
@@ -4532,7 +6912,9 @@
           </a:ln>
         </p:spPr>
         <p:txBody>
-          <a:bodyPr/>
+          <a:bodyPr lIns="0" rIns="0" tIns="0" bIns="0">
+            <a:normAutofit/>
+          </a:bodyPr>
           <a:p>
             <a:pPr marL="228600" indent="-228240">
               <a:lnSpc>
@@ -4559,7 +6941,7 @@
                 </a:uFill>
                 <a:latin typeface="Calibri"/>
               </a:rPr>
-              <a:t>Criar rede de informações dos componentes</a:t>
+              <a:t>Como fazer a gestão dos componentes dos ativos ?</a:t>
             </a:r>
             <a:endParaRPr b="0" lang="pt-BR" sz="2800" spc="-1" strike="noStrike">
               <a:solidFill>
@@ -4570,207 +6952,7 @@
                   <a:srgbClr val="ffffff"/>
                 </a:solidFill>
               </a:uFill>
-              <a:latin typeface="Calibri"/>
-            </a:endParaRPr>
-          </a:p>
-          <a:p>
-            <a:pPr marL="228600" indent="-228240">
-              <a:lnSpc>
-                <a:spcPct val="90000"/>
-              </a:lnSpc>
-              <a:spcBef>
-                <a:spcPts val="1001"/>
-              </a:spcBef>
-              <a:buClr>
-                <a:srgbClr val="000000"/>
-              </a:buClr>
-              <a:buFont typeface="Arial"/>
-              <a:buChar char="•"/>
-            </a:pPr>
-            <a:r>
-              <a:rPr b="0" lang="pt-BR" sz="2800" spc="-1" strike="noStrike">
-                <a:solidFill>
-                  <a:srgbClr val="000000"/>
-                </a:solidFill>
-                <a:uFill>
-                  <a:solidFill>
-                    <a:srgbClr val="ffffff"/>
-                  </a:solidFill>
-                </a:uFill>
-                <a:latin typeface="Calibri"/>
-              </a:rPr>
-              <a:t>Gerenciar estoque nos terminais</a:t>
-            </a:r>
-            <a:endParaRPr b="0" lang="pt-BR" sz="2800" spc="-1" strike="noStrike">
-              <a:solidFill>
-                <a:srgbClr val="000000"/>
-              </a:solidFill>
-              <a:uFill>
-                <a:solidFill>
-                  <a:srgbClr val="ffffff"/>
-                </a:solidFill>
-              </a:uFill>
-              <a:latin typeface="Calibri"/>
-            </a:endParaRPr>
-          </a:p>
-          <a:p>
-            <a:pPr marL="228600" indent="-228240">
-              <a:lnSpc>
-                <a:spcPct val="90000"/>
-              </a:lnSpc>
-              <a:spcBef>
-                <a:spcPts val="1001"/>
-              </a:spcBef>
-              <a:buClr>
-                <a:srgbClr val="000000"/>
-              </a:buClr>
-              <a:buFont typeface="Arial"/>
-              <a:buChar char="•"/>
-            </a:pPr>
-            <a:r>
-              <a:rPr b="0" lang="pt-BR" sz="2800" spc="-1" strike="noStrike">
-                <a:solidFill>
-                  <a:srgbClr val="000000"/>
-                </a:solidFill>
-                <a:uFill>
-                  <a:solidFill>
-                    <a:srgbClr val="ffffff"/>
-                  </a:solidFill>
-                </a:uFill>
-                <a:latin typeface="Calibri"/>
-              </a:rPr>
-              <a:t>Controlar as transferências de componentes</a:t>
-            </a:r>
-            <a:endParaRPr b="0" lang="pt-BR" sz="2800" spc="-1" strike="noStrike">
-              <a:solidFill>
-                <a:srgbClr val="000000"/>
-              </a:solidFill>
-              <a:uFill>
-                <a:solidFill>
-                  <a:srgbClr val="ffffff"/>
-                </a:solidFill>
-              </a:uFill>
-              <a:latin typeface="Calibri"/>
-            </a:endParaRPr>
-          </a:p>
-          <a:p>
-            <a:pPr marL="228600" indent="-228240">
-              <a:lnSpc>
-                <a:spcPct val="90000"/>
-              </a:lnSpc>
-              <a:spcBef>
-                <a:spcPts val="1001"/>
-              </a:spcBef>
-              <a:buClr>
-                <a:srgbClr val="000000"/>
-              </a:buClr>
-              <a:buFont typeface="Arial"/>
-              <a:buChar char="•"/>
-            </a:pPr>
-            <a:r>
-              <a:rPr b="0" lang="pt-BR" sz="2800" spc="-1" strike="noStrike">
-                <a:solidFill>
-                  <a:srgbClr val="000000"/>
-                </a:solidFill>
-                <a:uFill>
-                  <a:solidFill>
-                    <a:srgbClr val="ffffff"/>
-                  </a:solidFill>
-                </a:uFill>
-                <a:latin typeface="Calibri"/>
-              </a:rPr>
-              <a:t>Prever falhas dos componentes com base em funções de probabilidade de quebra por tempo de uso e preditivas</a:t>
-            </a:r>
-            <a:endParaRPr b="0" lang="pt-BR" sz="2800" spc="-1" strike="noStrike">
-              <a:solidFill>
-                <a:srgbClr val="000000"/>
-              </a:solidFill>
-              <a:uFill>
-                <a:solidFill>
-                  <a:srgbClr val="ffffff"/>
-                </a:solidFill>
-              </a:uFill>
-              <a:latin typeface="Calibri"/>
-            </a:endParaRPr>
-          </a:p>
-          <a:p>
-            <a:pPr marL="228600" indent="-228240">
-              <a:lnSpc>
-                <a:spcPct val="90000"/>
-              </a:lnSpc>
-              <a:spcBef>
-                <a:spcPts val="1001"/>
-              </a:spcBef>
-              <a:buClr>
-                <a:srgbClr val="000000"/>
-              </a:buClr>
-              <a:buFont typeface="Arial"/>
-              <a:buChar char="•"/>
-            </a:pPr>
-            <a:r>
-              <a:rPr b="0" lang="pt-BR" sz="2800" spc="-1" strike="noStrike">
-                <a:solidFill>
-                  <a:srgbClr val="000000"/>
-                </a:solidFill>
-                <a:uFill>
-                  <a:solidFill>
-                    <a:srgbClr val="ffffff"/>
-                  </a:solidFill>
-                </a:uFill>
-                <a:latin typeface="Calibri"/>
-              </a:rPr>
-              <a:t>Possibilitar compartilhamento de componentes sobressalentes</a:t>
-            </a:r>
-            <a:endParaRPr b="0" lang="pt-BR" sz="2800" spc="-1" strike="noStrike">
-              <a:solidFill>
-                <a:srgbClr val="000000"/>
-              </a:solidFill>
-              <a:uFill>
-                <a:solidFill>
-                  <a:srgbClr val="ffffff"/>
-                </a:solidFill>
-              </a:uFill>
-              <a:latin typeface="Calibri"/>
-            </a:endParaRPr>
-          </a:p>
-          <a:p>
-            <a:pPr marL="228600" indent="-228240">
-              <a:lnSpc>
-                <a:spcPct val="90000"/>
-              </a:lnSpc>
-              <a:spcBef>
-                <a:spcPts val="1001"/>
-              </a:spcBef>
-              <a:buClr>
-                <a:srgbClr val="000000"/>
-              </a:buClr>
-              <a:buFont typeface="Arial"/>
-              <a:buChar char="•"/>
-            </a:pPr>
-            <a:r>
-              <a:rPr b="0" lang="pt-BR" sz="2800" spc="-1" strike="noStrike">
-                <a:solidFill>
-                  <a:srgbClr val="000000"/>
-                </a:solidFill>
-                <a:uFill>
-                  <a:solidFill>
-                    <a:srgbClr val="ffffff"/>
-                  </a:solidFill>
-                </a:uFill>
-                <a:latin typeface="Calibri"/>
-              </a:rPr>
-              <a:t>e análise dos Terminais mais adequado para terem os sobressalente.</a:t>
-            </a:r>
-            <a:endParaRPr b="0" lang="pt-BR" sz="2800" spc="-1" strike="noStrike">
-              <a:solidFill>
-                <a:srgbClr val="000000"/>
-              </a:solidFill>
-              <a:uFill>
-                <a:solidFill>
-                  <a:srgbClr val="ffffff"/>
-                </a:solidFill>
-              </a:uFill>
-              <a:latin typeface="Calibri"/>
+              <a:latin typeface="Source Sans Pro"/>
             </a:endParaRPr>
           </a:p>
           <a:p>
@@ -4791,11 +6973,34 @@
                   <a:srgbClr val="ffffff"/>
                 </a:solidFill>
               </a:uFill>
-              <a:latin typeface="Calibri"/>
-            </a:endParaRPr>
-          </a:p>
-        </p:txBody>
-      </p:sp>
+              <a:latin typeface="Times New Roman"/>
+            </a:endParaRPr>
+          </a:p>
+        </p:txBody>
+      </p:sp>
+      <p:pic>
+        <p:nvPicPr>
+          <p:cNvPr id="130" name="" descr=""/>
+          <p:cNvPicPr/>
+          <p:nvPr/>
+        </p:nvPicPr>
+        <p:blipFill>
+          <a:blip r:embed="rId2"/>
+          <a:stretch/>
+        </p:blipFill>
+        <p:spPr>
+          <a:xfrm>
+            <a:off x="10512000" y="792000"/>
+            <a:ext cx="880560" cy="456840"/>
+          </a:xfrm>
+          <a:prstGeom prst="rect">
+            <a:avLst/>
+          </a:prstGeom>
+          <a:ln>
+            <a:noFill/>
+          </a:ln>
+        </p:spPr>
+      </p:pic>
     </p:spTree>
   </p:cSld>
   <p:timing>
@@ -4831,6 +7036,16 @@
 <file path=ppt/slides/slide3.xml><?xml version="1.0" encoding="utf-8"?>
 <p:sld xmlns:a="http://schemas.openxmlformats.org/drawingml/2006/main" xmlns:p="http://schemas.openxmlformats.org/presentationml/2006/main" xmlns:r="http://schemas.openxmlformats.org/officeDocument/2006/relationships" xmlns:p14="http://schemas.microsoft.com/office/powerpoint/2010/main" xmlns:p15="http://schemas.microsoft.com/office/powerpoint/2012/main" xmlns:mc="http://schemas.openxmlformats.org/markup-compatibility/2006">
   <p:cSld>
+    <p:bg>
+      <p:bgPr>
+        <a:blipFill>
+          <a:blip r:embed="rId1"/>
+          <a:stretch>
+            <a:fillRect/>
+          </a:stretch>
+        </a:blipFill>
+      </p:bgPr>
+    </p:bg>
     <p:spTree>
       <p:nvGrpSpPr>
         <p:cNvPr id="1" name=""/>
@@ -4847,14 +7062,14 @@
       </p:grpSpPr>
       <p:sp>
         <p:nvSpPr>
-          <p:cNvPr id="88" name="TextShape 1"/>
+          <p:cNvPr id="131" name="TextShape 1"/>
           <p:cNvSpPr txBox="1"/>
           <p:nvPr/>
         </p:nvSpPr>
         <p:spPr>
           <a:xfrm>
-            <a:off x="838080" y="365040"/>
-            <a:ext cx="10515240" cy="1325160"/>
+            <a:off x="599040" y="121320"/>
+            <a:ext cx="10798560" cy="1262160"/>
           </a:xfrm>
           <a:prstGeom prst="rect">
             <a:avLst/>
@@ -4865,43 +7080,9 @@
           </a:ln>
         </p:spPr>
         <p:txBody>
-          <a:bodyPr lIns="0" rIns="0" tIns="0" bIns="0" anchor="ctr"/>
-          <a:p>
-            <a:endParaRPr b="0" lang="pt-BR" sz="1800" spc="-1" strike="noStrike">
-              <a:solidFill>
-                <a:srgbClr val="000000"/>
-              </a:solidFill>
-              <a:uFill>
-                <a:solidFill>
-                  <a:srgbClr val="ffffff"/>
-                </a:solidFill>
-              </a:uFill>
-              <a:latin typeface="Calibri"/>
-            </a:endParaRPr>
-          </a:p>
-        </p:txBody>
-      </p:sp>
-      <p:sp>
-        <p:nvSpPr>
-          <p:cNvPr id="89" name="TextShape 2"/>
-          <p:cNvSpPr txBox="1"/>
-          <p:nvPr/>
-        </p:nvSpPr>
-        <p:spPr>
-          <a:xfrm>
-            <a:off x="838080" y="365040"/>
-            <a:ext cx="10515240" cy="1325160"/>
-          </a:xfrm>
-          <a:prstGeom prst="rect">
-            <a:avLst/>
-          </a:prstGeom>
-          <a:noFill/>
-          <a:ln>
-            <a:noFill/>
-          </a:ln>
-        </p:spPr>
-        <p:txBody>
-          <a:bodyPr anchor="ctr"/>
+          <a:bodyPr lIns="0" rIns="0" tIns="0" bIns="0" anchor="b">
+            <a:normAutofit/>
+          </a:bodyPr>
           <a:p>
             <a:pPr>
               <a:lnSpc>
@@ -4920,32 +7101,46 @@
                 </a:uFill>
                 <a:latin typeface="Calibri Light"/>
               </a:rPr>
-              <a:t>Fluxograma</a:t>
+              <a:t>Objetivos da solução</a:t>
+            </a:r>
+            <a:r>
+              <a:rPr b="0" lang="pt-BR" sz="4400" spc="-1" strike="noStrike">
+                <a:solidFill>
+                  <a:srgbClr val="000000"/>
+                </a:solidFill>
+                <a:uFill>
+                  <a:solidFill>
+                    <a:srgbClr val="ffffff"/>
+                  </a:solidFill>
+                </a:uFill>
+                <a:latin typeface="Calibri Light"/>
+              </a:rPr>
+              <a:t>	</a:t>
             </a:r>
             <a:endParaRPr b="0" lang="pt-BR" sz="4400" spc="-1" strike="noStrike">
               <a:solidFill>
-                <a:srgbClr val="000000"/>
-              </a:solidFill>
-              <a:uFill>
-                <a:solidFill>
-                  <a:srgbClr val="ffffff"/>
-                </a:solidFill>
-              </a:uFill>
-              <a:latin typeface="Calibri"/>
-            </a:endParaRPr>
-          </a:p>
-        </p:txBody>
-      </p:sp>
-      <p:sp>
-        <p:nvSpPr>
-          <p:cNvPr id="90" name="TextShape 3"/>
+                <a:srgbClr val="ffffff"/>
+              </a:solidFill>
+              <a:uFill>
+                <a:solidFill>
+                  <a:srgbClr val="ffffff"/>
+                </a:solidFill>
+              </a:uFill>
+              <a:latin typeface="Source Sans Pro Light"/>
+            </a:endParaRPr>
+          </a:p>
+        </p:txBody>
+      </p:sp>
+      <p:sp>
+        <p:nvSpPr>
+          <p:cNvPr id="132" name="TextShape 2"/>
           <p:cNvSpPr txBox="1"/>
           <p:nvPr/>
         </p:nvSpPr>
         <p:spPr>
           <a:xfrm>
-            <a:off x="838080" y="1825560"/>
-            <a:ext cx="10515240" cy="4350960"/>
+            <a:off x="599040" y="1920240"/>
+            <a:ext cx="10739520" cy="4663440"/>
           </a:xfrm>
           <a:prstGeom prst="rect">
             <a:avLst/>
@@ -4956,7 +7151,9 @@
           </a:ln>
         </p:spPr>
         <p:txBody>
-          <a:bodyPr/>
+          <a:bodyPr lIns="0" rIns="0" tIns="0" bIns="0">
+            <a:normAutofit/>
+          </a:bodyPr>
           <a:p>
             <a:pPr marL="228600" indent="-228240">
               <a:lnSpc>
@@ -4983,7 +7180,7 @@
                 </a:uFill>
                 <a:latin typeface="Calibri"/>
               </a:rPr>
-              <a:t>Colocar imagem</a:t>
+              <a:t>Rede de informações.</a:t>
             </a:r>
             <a:endParaRPr b="0" lang="pt-BR" sz="2800" spc="-1" strike="noStrike">
               <a:solidFill>
@@ -4994,11 +7191,345 @@
                   <a:srgbClr val="ffffff"/>
                 </a:solidFill>
               </a:uFill>
-              <a:latin typeface="Calibri"/>
-            </a:endParaRPr>
-          </a:p>
-        </p:txBody>
-      </p:sp>
+              <a:latin typeface="Source Sans Pro"/>
+            </a:endParaRPr>
+          </a:p>
+          <a:p>
+            <a:pPr marL="228600" indent="-228240">
+              <a:lnSpc>
+                <a:spcPct val="90000"/>
+              </a:lnSpc>
+              <a:spcBef>
+                <a:spcPts val="1001"/>
+              </a:spcBef>
+              <a:buClr>
+                <a:srgbClr val="000000"/>
+              </a:buClr>
+              <a:buFont typeface="Arial"/>
+              <a:buChar char="•"/>
+            </a:pPr>
+            <a:endParaRPr b="0" lang="pt-BR" sz="2800" spc="-1" strike="noStrike">
+              <a:solidFill>
+                <a:srgbClr val="000000"/>
+              </a:solidFill>
+              <a:uFill>
+                <a:solidFill>
+                  <a:srgbClr val="ffffff"/>
+                </a:solidFill>
+              </a:uFill>
+              <a:latin typeface="Source Sans Pro"/>
+            </a:endParaRPr>
+          </a:p>
+          <a:p>
+            <a:pPr marL="228600" indent="-228240">
+              <a:lnSpc>
+                <a:spcPct val="90000"/>
+              </a:lnSpc>
+              <a:spcBef>
+                <a:spcPts val="1001"/>
+              </a:spcBef>
+              <a:buClr>
+                <a:srgbClr val="000000"/>
+              </a:buClr>
+              <a:buFont typeface="Arial"/>
+              <a:buChar char="•"/>
+            </a:pPr>
+            <a:r>
+              <a:rPr b="0" lang="pt-BR" sz="2800" spc="-1" strike="noStrike">
+                <a:solidFill>
+                  <a:srgbClr val="000000"/>
+                </a:solidFill>
+                <a:uFill>
+                  <a:solidFill>
+                    <a:srgbClr val="ffffff"/>
+                  </a:solidFill>
+                </a:uFill>
+                <a:latin typeface="Calibri"/>
+              </a:rPr>
+              <a:t>Gerenciar estoque</a:t>
+            </a:r>
+            <a:endParaRPr b="0" lang="pt-BR" sz="2800" spc="-1" strike="noStrike">
+              <a:solidFill>
+                <a:srgbClr val="000000"/>
+              </a:solidFill>
+              <a:uFill>
+                <a:solidFill>
+                  <a:srgbClr val="ffffff"/>
+                </a:solidFill>
+              </a:uFill>
+              <a:latin typeface="Source Sans Pro"/>
+            </a:endParaRPr>
+          </a:p>
+          <a:p>
+            <a:pPr marL="228600" indent="-228240">
+              <a:lnSpc>
+                <a:spcPct val="90000"/>
+              </a:lnSpc>
+              <a:spcBef>
+                <a:spcPts val="1001"/>
+              </a:spcBef>
+              <a:buClr>
+                <a:srgbClr val="000000"/>
+              </a:buClr>
+              <a:buFont typeface="Arial"/>
+              <a:buChar char="•"/>
+            </a:pPr>
+            <a:endParaRPr b="0" lang="pt-BR" sz="2800" spc="-1" strike="noStrike">
+              <a:solidFill>
+                <a:srgbClr val="000000"/>
+              </a:solidFill>
+              <a:uFill>
+                <a:solidFill>
+                  <a:srgbClr val="ffffff"/>
+                </a:solidFill>
+              </a:uFill>
+              <a:latin typeface="Source Sans Pro"/>
+            </a:endParaRPr>
+          </a:p>
+          <a:p>
+            <a:pPr marL="228600" indent="-228240">
+              <a:lnSpc>
+                <a:spcPct val="90000"/>
+              </a:lnSpc>
+              <a:spcBef>
+                <a:spcPts val="1001"/>
+              </a:spcBef>
+              <a:buClr>
+                <a:srgbClr val="000000"/>
+              </a:buClr>
+              <a:buFont typeface="Arial"/>
+              <a:buChar char="•"/>
+            </a:pPr>
+            <a:r>
+              <a:rPr b="0" lang="pt-BR" sz="2800" spc="-1" strike="noStrike">
+                <a:solidFill>
+                  <a:srgbClr val="000000"/>
+                </a:solidFill>
+                <a:uFill>
+                  <a:solidFill>
+                    <a:srgbClr val="ffffff"/>
+                  </a:solidFill>
+                </a:uFill>
+                <a:latin typeface="Calibri"/>
+              </a:rPr>
+              <a:t>Transferências/compartilhamento de componentes</a:t>
+            </a:r>
+            <a:endParaRPr b="0" lang="pt-BR" sz="2800" spc="-1" strike="noStrike">
+              <a:solidFill>
+                <a:srgbClr val="000000"/>
+              </a:solidFill>
+              <a:uFill>
+                <a:solidFill>
+                  <a:srgbClr val="ffffff"/>
+                </a:solidFill>
+              </a:uFill>
+              <a:latin typeface="Source Sans Pro"/>
+            </a:endParaRPr>
+          </a:p>
+          <a:p>
+            <a:pPr marL="228600" indent="-228240">
+              <a:lnSpc>
+                <a:spcPct val="90000"/>
+              </a:lnSpc>
+              <a:spcBef>
+                <a:spcPts val="1001"/>
+              </a:spcBef>
+              <a:buClr>
+                <a:srgbClr val="000000"/>
+              </a:buClr>
+              <a:buFont typeface="Arial"/>
+              <a:buChar char="•"/>
+            </a:pPr>
+            <a:endParaRPr b="0" lang="pt-BR" sz="2800" spc="-1" strike="noStrike">
+              <a:solidFill>
+                <a:srgbClr val="000000"/>
+              </a:solidFill>
+              <a:uFill>
+                <a:solidFill>
+                  <a:srgbClr val="ffffff"/>
+                </a:solidFill>
+              </a:uFill>
+              <a:latin typeface="Source Sans Pro"/>
+            </a:endParaRPr>
+          </a:p>
+          <a:p>
+            <a:pPr marL="228600" indent="-228240">
+              <a:lnSpc>
+                <a:spcPct val="90000"/>
+              </a:lnSpc>
+              <a:spcBef>
+                <a:spcPts val="1001"/>
+              </a:spcBef>
+              <a:buClr>
+                <a:srgbClr val="000000"/>
+              </a:buClr>
+              <a:buFont typeface="Arial"/>
+              <a:buChar char="•"/>
+            </a:pPr>
+            <a:r>
+              <a:rPr b="0" lang="pt-BR" sz="2800" spc="-1" strike="noStrike">
+                <a:solidFill>
+                  <a:srgbClr val="000000"/>
+                </a:solidFill>
+                <a:uFill>
+                  <a:solidFill>
+                    <a:srgbClr val="ffffff"/>
+                  </a:solidFill>
+                </a:uFill>
+                <a:latin typeface="Calibri"/>
+              </a:rPr>
+              <a:t>Gerenciamento de risco de falhas</a:t>
+            </a:r>
+            <a:endParaRPr b="0" lang="pt-BR" sz="2800" spc="-1" strike="noStrike">
+              <a:solidFill>
+                <a:srgbClr val="000000"/>
+              </a:solidFill>
+              <a:uFill>
+                <a:solidFill>
+                  <a:srgbClr val="ffffff"/>
+                </a:solidFill>
+              </a:uFill>
+              <a:latin typeface="Source Sans Pro"/>
+            </a:endParaRPr>
+          </a:p>
+          <a:p>
+            <a:pPr marL="228600" indent="-228240">
+              <a:lnSpc>
+                <a:spcPct val="90000"/>
+              </a:lnSpc>
+              <a:spcBef>
+                <a:spcPts val="1001"/>
+              </a:spcBef>
+              <a:buClr>
+                <a:srgbClr val="000000"/>
+              </a:buClr>
+              <a:buFont typeface="Arial"/>
+              <a:buChar char="•"/>
+            </a:pPr>
+            <a:endParaRPr b="0" lang="pt-BR" sz="2800" spc="-1" strike="noStrike">
+              <a:solidFill>
+                <a:srgbClr val="000000"/>
+              </a:solidFill>
+              <a:uFill>
+                <a:solidFill>
+                  <a:srgbClr val="ffffff"/>
+                </a:solidFill>
+              </a:uFill>
+              <a:latin typeface="Source Sans Pro"/>
+            </a:endParaRPr>
+          </a:p>
+          <a:p>
+            <a:pPr marL="228600" indent="-228240">
+              <a:lnSpc>
+                <a:spcPct val="90000"/>
+              </a:lnSpc>
+              <a:spcBef>
+                <a:spcPts val="1001"/>
+              </a:spcBef>
+              <a:buClr>
+                <a:srgbClr val="000000"/>
+              </a:buClr>
+              <a:buFont typeface="Arial"/>
+              <a:buChar char="•"/>
+            </a:pPr>
+            <a:r>
+              <a:rPr b="0" lang="pt-BR" sz="2800" spc="-1" strike="noStrike">
+                <a:solidFill>
+                  <a:srgbClr val="000000"/>
+                </a:solidFill>
+                <a:uFill>
+                  <a:solidFill>
+                    <a:srgbClr val="ffffff"/>
+                  </a:solidFill>
+                </a:uFill>
+                <a:latin typeface="Calibri"/>
+              </a:rPr>
+              <a:t>Portal do Fornecedor</a:t>
+            </a:r>
+            <a:endParaRPr b="0" lang="pt-BR" sz="2800" spc="-1" strike="noStrike">
+              <a:solidFill>
+                <a:srgbClr val="000000"/>
+              </a:solidFill>
+              <a:uFill>
+                <a:solidFill>
+                  <a:srgbClr val="ffffff"/>
+                </a:solidFill>
+              </a:uFill>
+              <a:latin typeface="Source Sans Pro"/>
+            </a:endParaRPr>
+          </a:p>
+          <a:p>
+            <a:pPr marL="228600" indent="-228240">
+              <a:lnSpc>
+                <a:spcPct val="90000"/>
+              </a:lnSpc>
+              <a:spcBef>
+                <a:spcPts val="1001"/>
+              </a:spcBef>
+              <a:buClr>
+                <a:srgbClr val="000000"/>
+              </a:buClr>
+              <a:buFont typeface="Arial"/>
+              <a:buChar char="•"/>
+            </a:pPr>
+            <a:endParaRPr b="0" lang="pt-BR" sz="2800" spc="-1" strike="noStrike">
+              <a:solidFill>
+                <a:srgbClr val="000000"/>
+              </a:solidFill>
+              <a:uFill>
+                <a:solidFill>
+                  <a:srgbClr val="ffffff"/>
+                </a:solidFill>
+              </a:uFill>
+              <a:latin typeface="Source Sans Pro"/>
+            </a:endParaRPr>
+          </a:p>
+          <a:p>
+            <a:pPr>
+              <a:lnSpc>
+                <a:spcPct val="100000"/>
+              </a:lnSpc>
+              <a:spcBef>
+                <a:spcPts val="1001"/>
+              </a:spcBef>
+            </a:pPr>
+            <a:endParaRPr b="0" lang="pt-BR" sz="2800" spc="-1" strike="noStrike">
+              <a:solidFill>
+                <a:srgbClr val="000000"/>
+              </a:solidFill>
+              <a:uFill>
+                <a:solidFill>
+                  <a:srgbClr val="ffffff"/>
+                </a:solidFill>
+              </a:uFill>
+              <a:latin typeface="Times New Roman"/>
+            </a:endParaRPr>
+          </a:p>
+        </p:txBody>
+      </p:sp>
+      <p:pic>
+        <p:nvPicPr>
+          <p:cNvPr id="133" name="" descr=""/>
+          <p:cNvPicPr/>
+          <p:nvPr/>
+        </p:nvPicPr>
+        <p:blipFill>
+          <a:blip r:embed="rId2"/>
+          <a:stretch/>
+        </p:blipFill>
+        <p:spPr>
+          <a:xfrm>
+            <a:off x="10512000" y="792000"/>
+            <a:ext cx="880560" cy="456840"/>
+          </a:xfrm>
+          <a:prstGeom prst="rect">
+            <a:avLst/>
+          </a:prstGeom>
+          <a:ln>
+            <a:noFill/>
+          </a:ln>
+        </p:spPr>
+      </p:pic>
     </p:spTree>
   </p:cSld>
   <p:timing>
@@ -5050,14 +7581,14 @@
       </p:grpSpPr>
       <p:sp>
         <p:nvSpPr>
-          <p:cNvPr id="91" name="TextShape 1"/>
+          <p:cNvPr id="134" name="TextShape 1"/>
           <p:cNvSpPr txBox="1"/>
           <p:nvPr/>
         </p:nvSpPr>
         <p:spPr>
           <a:xfrm>
-            <a:off x="838080" y="365040"/>
-            <a:ext cx="10515240" cy="1325160"/>
+            <a:off x="599040" y="121320"/>
+            <a:ext cx="10798560" cy="1262160"/>
           </a:xfrm>
           <a:prstGeom prst="rect">
             <a:avLst/>
@@ -5068,32 +7599,34 @@
           </a:ln>
         </p:spPr>
         <p:txBody>
-          <a:bodyPr lIns="0" rIns="0" tIns="0" bIns="0" anchor="ctr"/>
-          <a:p>
-            <a:endParaRPr b="0" lang="pt-BR" sz="1800" spc="-1" strike="noStrike">
-              <a:solidFill>
-                <a:srgbClr val="000000"/>
-              </a:solidFill>
-              <a:uFill>
-                <a:solidFill>
-                  <a:srgbClr val="ffffff"/>
-                </a:solidFill>
-              </a:uFill>
-              <a:latin typeface="Calibri"/>
-            </a:endParaRPr>
-          </a:p>
-        </p:txBody>
-      </p:sp>
-      <p:sp>
-        <p:nvSpPr>
-          <p:cNvPr id="92" name="TextShape 2"/>
+          <a:bodyPr lIns="0" rIns="0" tIns="0" bIns="0" anchor="b">
+            <a:normAutofit/>
+          </a:bodyPr>
+          <a:p>
+            <a:endParaRPr b="0" lang="pt-BR" sz="6000" spc="-1" strike="noStrike">
+              <a:solidFill>
+                <a:srgbClr val="ffffff"/>
+              </a:solidFill>
+              <a:uFill>
+                <a:solidFill>
+                  <a:srgbClr val="ffffff"/>
+                </a:solidFill>
+              </a:uFill>
+              <a:latin typeface="Source Sans Pro Light"/>
+            </a:endParaRPr>
+          </a:p>
+        </p:txBody>
+      </p:sp>
+      <p:sp>
+        <p:nvSpPr>
+          <p:cNvPr id="135" name="TextShape 2"/>
           <p:cNvSpPr txBox="1"/>
           <p:nvPr/>
         </p:nvSpPr>
         <p:spPr>
           <a:xfrm>
-            <a:off x="838080" y="365040"/>
-            <a:ext cx="10515240" cy="1325160"/>
+            <a:off x="599040" y="1920240"/>
+            <a:ext cx="10739520" cy="4663440"/>
           </a:xfrm>
           <a:prstGeom prst="rect">
             <a:avLst/>
@@ -5104,7 +7637,221 @@
           </a:ln>
         </p:spPr>
         <p:txBody>
-          <a:bodyPr anchor="ctr"/>
+          <a:bodyPr lIns="0" rIns="0" tIns="0" bIns="0">
+            <a:normAutofit/>
+          </a:bodyPr>
+          <a:p>
+            <a:endParaRPr b="0" lang="pt-BR" sz="3200" spc="-1" strike="noStrike">
+              <a:solidFill>
+                <a:srgbClr val="000000"/>
+              </a:solidFill>
+              <a:uFill>
+                <a:solidFill>
+                  <a:srgbClr val="ffffff"/>
+                </a:solidFill>
+              </a:uFill>
+              <a:latin typeface="Source Sans Pro"/>
+            </a:endParaRPr>
+          </a:p>
+        </p:txBody>
+      </p:sp>
+      <p:pic>
+        <p:nvPicPr>
+          <p:cNvPr id="136" name="" descr=""/>
+          <p:cNvPicPr/>
+          <p:nvPr/>
+        </p:nvPicPr>
+        <p:blipFill>
+          <a:blip r:embed="rId1"/>
+          <a:stretch/>
+        </p:blipFill>
+        <p:spPr>
+          <a:xfrm>
+            <a:off x="792000" y="1531080"/>
+            <a:ext cx="4752000" cy="2671920"/>
+          </a:xfrm>
+          <a:prstGeom prst="rect">
+            <a:avLst/>
+          </a:prstGeom>
+          <a:ln>
+            <a:noFill/>
+          </a:ln>
+        </p:spPr>
+      </p:pic>
+      <p:pic>
+        <p:nvPicPr>
+          <p:cNvPr id="137" name="" descr=""/>
+          <p:cNvPicPr/>
+          <p:nvPr/>
+        </p:nvPicPr>
+        <p:blipFill>
+          <a:blip r:embed="rId2"/>
+          <a:stretch/>
+        </p:blipFill>
+        <p:spPr>
+          <a:xfrm>
+            <a:off x="6553080" y="1512000"/>
+            <a:ext cx="4822920" cy="2711520"/>
+          </a:xfrm>
+          <a:prstGeom prst="rect">
+            <a:avLst/>
+          </a:prstGeom>
+          <a:ln>
+            <a:noFill/>
+          </a:ln>
+        </p:spPr>
+      </p:pic>
+      <p:pic>
+        <p:nvPicPr>
+          <p:cNvPr id="138" name="" descr=""/>
+          <p:cNvPicPr/>
+          <p:nvPr/>
+        </p:nvPicPr>
+        <p:blipFill>
+          <a:blip r:embed="rId3"/>
+          <a:stretch/>
+        </p:blipFill>
+        <p:spPr>
+          <a:xfrm>
+            <a:off x="792000" y="4536000"/>
+            <a:ext cx="4680000" cy="2631240"/>
+          </a:xfrm>
+          <a:prstGeom prst="rect">
+            <a:avLst/>
+          </a:prstGeom>
+          <a:ln>
+            <a:noFill/>
+          </a:ln>
+        </p:spPr>
+      </p:pic>
+      <p:pic>
+        <p:nvPicPr>
+          <p:cNvPr id="139" name="" descr=""/>
+          <p:cNvPicPr/>
+          <p:nvPr/>
+        </p:nvPicPr>
+        <p:blipFill>
+          <a:blip r:embed="rId4"/>
+          <a:stretch/>
+        </p:blipFill>
+        <p:spPr>
+          <a:xfrm>
+            <a:off x="6552000" y="4392000"/>
+            <a:ext cx="4765680" cy="2679480"/>
+          </a:xfrm>
+          <a:prstGeom prst="rect">
+            <a:avLst/>
+          </a:prstGeom>
+          <a:ln>
+            <a:noFill/>
+          </a:ln>
+        </p:spPr>
+      </p:pic>
+      <p:pic>
+        <p:nvPicPr>
+          <p:cNvPr id="140" name="" descr=""/>
+          <p:cNvPicPr/>
+          <p:nvPr/>
+        </p:nvPicPr>
+        <p:blipFill>
+          <a:blip r:embed="rId5"/>
+          <a:stretch/>
+        </p:blipFill>
+        <p:spPr>
+          <a:xfrm>
+            <a:off x="10512000" y="792360"/>
+            <a:ext cx="880560" cy="456840"/>
+          </a:xfrm>
+          <a:prstGeom prst="rect">
+            <a:avLst/>
+          </a:prstGeom>
+          <a:ln>
+            <a:noFill/>
+          </a:ln>
+        </p:spPr>
+      </p:pic>
+    </p:spTree>
+  </p:cSld>
+  <p:timing>
+    <p:tnLst>
+      <p:par>
+        <p:cTn id="7" dur="indefinite" restart="never" nodeType="tmRoot">
+          <p:childTnLst>
+            <p:seq>
+              <p:cTn id="8" nodeType="mainSeq"/>
+              <p:prevCondLst>
+                <p:cond delay="0" evt="onPrev">
+                  <p:tgtEl>
+                    <p:sldTgt/>
+                  </p:tgtEl>
+                </p:cond>
+              </p:prevCondLst>
+              <p:nextCondLst>
+                <p:cond delay="0" evt="onNext">
+                  <p:tgtEl>
+                    <p:sldTgt/>
+                  </p:tgtEl>
+                </p:cond>
+              </p:nextCondLst>
+            </p:seq>
+          </p:childTnLst>
+        </p:cTn>
+      </p:par>
+    </p:tnLst>
+  </p:timing>
+</p:sld>
+</file>
+
+<file path=ppt/slides/slide5.xml><?xml version="1.0" encoding="utf-8"?>
+<p:sld xmlns:a="http://schemas.openxmlformats.org/drawingml/2006/main" xmlns:p="http://schemas.openxmlformats.org/presentationml/2006/main" xmlns:r="http://schemas.openxmlformats.org/officeDocument/2006/relationships" xmlns:p14="http://schemas.microsoft.com/office/powerpoint/2010/main" xmlns:p15="http://schemas.microsoft.com/office/powerpoint/2012/main" xmlns:mc="http://schemas.openxmlformats.org/markup-compatibility/2006">
+  <p:cSld>
+    <p:bg>
+      <p:bgPr>
+        <a:blipFill>
+          <a:blip r:embed="rId1"/>
+          <a:stretch>
+            <a:fillRect/>
+          </a:stretch>
+        </a:blipFill>
+      </p:bgPr>
+    </p:bg>
+    <p:spTree>
+      <p:nvGrpSpPr>
+        <p:cNvPr id="1" name=""/>
+        <p:cNvGrpSpPr/>
+        <p:nvPr/>
+      </p:nvGrpSpPr>
+      <p:grpSpPr>
+        <a:xfrm>
+          <a:off x="0" y="0"/>
+          <a:ext cx="0" cy="0"/>
+          <a:chOff x="0" y="0"/>
+          <a:chExt cx="0" cy="0"/>
+        </a:xfrm>
+      </p:grpSpPr>
+      <p:sp>
+        <p:nvSpPr>
+          <p:cNvPr id="141" name="TextShape 1"/>
+          <p:cNvSpPr txBox="1"/>
+          <p:nvPr/>
+        </p:nvSpPr>
+        <p:spPr>
+          <a:xfrm>
+            <a:off x="599040" y="121320"/>
+            <a:ext cx="10798560" cy="1262160"/>
+          </a:xfrm>
+          <a:prstGeom prst="rect">
+            <a:avLst/>
+          </a:prstGeom>
+          <a:noFill/>
+          <a:ln>
+            <a:noFill/>
+          </a:ln>
+        </p:spPr>
+        <p:txBody>
+          <a:bodyPr lIns="0" rIns="0" tIns="0" bIns="0" anchor="b">
+            <a:normAutofit/>
+          </a:bodyPr>
           <a:p>
             <a:pPr>
               <a:lnSpc>
@@ -5127,28 +7874,51 @@
             </a:r>
             <a:endParaRPr b="0" lang="pt-BR" sz="4400" spc="-1" strike="noStrike">
               <a:solidFill>
-                <a:srgbClr val="000000"/>
-              </a:solidFill>
-              <a:uFill>
-                <a:solidFill>
-                  <a:srgbClr val="ffffff"/>
-                </a:solidFill>
-              </a:uFill>
-              <a:latin typeface="Calibri"/>
-            </a:endParaRPr>
-          </a:p>
-        </p:txBody>
-      </p:sp>
-      <p:sp>
-        <p:nvSpPr>
-          <p:cNvPr id="93" name="TextShape 3"/>
+                <a:srgbClr val="ffffff"/>
+              </a:solidFill>
+              <a:uFill>
+                <a:solidFill>
+                  <a:srgbClr val="ffffff"/>
+                </a:solidFill>
+              </a:uFill>
+              <a:latin typeface="Source Sans Pro Light"/>
+            </a:endParaRPr>
+          </a:p>
+        </p:txBody>
+      </p:sp>
+      <p:pic>
+        <p:nvPicPr>
+          <p:cNvPr id="142" name="" descr=""/>
+          <p:cNvPicPr/>
+          <p:nvPr/>
+        </p:nvPicPr>
+        <p:blipFill>
+          <a:blip r:embed="rId2"/>
+          <a:stretch/>
+        </p:blipFill>
+        <p:spPr>
+          <a:xfrm>
+            <a:off x="10512000" y="792000"/>
+            <a:ext cx="880560" cy="456840"/>
+          </a:xfrm>
+          <a:prstGeom prst="rect">
+            <a:avLst/>
+          </a:prstGeom>
+          <a:ln>
+            <a:noFill/>
+          </a:ln>
+        </p:spPr>
+      </p:pic>
+      <p:sp>
+        <p:nvSpPr>
+          <p:cNvPr id="143" name="TextShape 2"/>
           <p:cNvSpPr txBox="1"/>
           <p:nvPr/>
         </p:nvSpPr>
         <p:spPr>
           <a:xfrm>
-            <a:off x="838080" y="1825560"/>
-            <a:ext cx="10515240" cy="4350960"/>
+            <a:off x="-169920" y="1396080"/>
+            <a:ext cx="10798560" cy="5059800"/>
           </a:xfrm>
           <a:prstGeom prst="rect">
             <a:avLst/>
@@ -5159,20 +7929,24 @@
           </a:ln>
         </p:spPr>
         <p:txBody>
-          <a:bodyPr/>
-          <a:p>
-            <a:pPr marL="228600" indent="-228240">
+          <a:bodyPr lIns="0" rIns="0" tIns="0" bIns="0" anchor="ctr"/>
+          <a:p>
+            <a:pPr marL="448200">
               <a:lnSpc>
                 <a:spcPct val="90000"/>
               </a:lnSpc>
               <a:spcBef>
                 <a:spcPts val="1001"/>
               </a:spcBef>
+              <a:spcAft>
+                <a:spcPts val="283"/>
+              </a:spcAft>
               <a:buClr>
                 <a:srgbClr val="000000"/>
               </a:buClr>
-              <a:buFont typeface="Arial"/>
-              <a:buChar char="•"/>
+              <a:buSzPct val="45000"/>
+              <a:buFont typeface="Wingdings" charset="2"/>
+              <a:buChar char=""/>
             </a:pPr>
             <a:r>
               <a:rPr b="0" lang="pt-BR" sz="2800" spc="-1" strike="noStrike">
@@ -5188,31 +7962,36 @@
               </a:rPr>
               <a:t>Eduardo Silva Rosa</a:t>
             </a:r>
-            <a:endParaRPr b="0" lang="pt-BR" sz="2800" spc="-1" strike="noStrike">
-              <a:solidFill>
-                <a:srgbClr val="000000"/>
-              </a:solidFill>
-              <a:uFill>
-                <a:solidFill>
-                  <a:srgbClr val="ffffff"/>
-                </a:solidFill>
-              </a:uFill>
-              <a:latin typeface="Calibri"/>
-            </a:endParaRPr>
-          </a:p>
-          <a:p>
-            <a:pPr lvl="1" marL="685800" indent="-228240">
+            <a:endParaRPr b="1" lang="pt-BR" sz="2800" spc="-1" strike="noStrike">
+              <a:solidFill>
+                <a:srgbClr val="04617b"/>
+              </a:solidFill>
+              <a:uFill>
+                <a:solidFill>
+                  <a:srgbClr val="ffffff"/>
+                </a:solidFill>
+              </a:uFill>
+              <a:latin typeface="Source Sans Pro Black"/>
+              <a:ea typeface="Droid Sans"/>
+            </a:endParaRPr>
+          </a:p>
+          <a:p>
+            <a:pPr lvl="1" marL="448200">
               <a:lnSpc>
                 <a:spcPct val="100000"/>
               </a:lnSpc>
               <a:spcBef>
                 <a:spcPts val="499"/>
               </a:spcBef>
+              <a:spcAft>
+                <a:spcPts val="283"/>
+              </a:spcAft>
               <a:buClr>
                 <a:srgbClr val="000000"/>
               </a:buClr>
-              <a:buFont typeface="Arial"/>
-              <a:buChar char="•"/>
+              <a:buSzPct val="45000"/>
+              <a:buFont typeface="Wingdings" charset="2"/>
+              <a:buChar char=""/>
             </a:pPr>
             <a:r>
               <a:rPr b="0" lang="pt-BR" sz="2400" spc="-1" strike="noStrike">
@@ -5228,31 +8007,36 @@
               </a:rPr>
               <a:t>edus.silva.rosa@gmail.com</a:t>
             </a:r>
-            <a:endParaRPr b="0" lang="pt-BR" sz="2400" spc="-1" strike="noStrike">
-              <a:solidFill>
-                <a:srgbClr val="000000"/>
-              </a:solidFill>
-              <a:uFill>
-                <a:solidFill>
-                  <a:srgbClr val="ffffff"/>
-                </a:solidFill>
-              </a:uFill>
-              <a:latin typeface="Calibri"/>
-            </a:endParaRPr>
-          </a:p>
-          <a:p>
-            <a:pPr lvl="1" marL="685800" indent="-228240">
+            <a:endParaRPr b="1" lang="pt-BR" sz="2400" spc="-1" strike="noStrike">
+              <a:solidFill>
+                <a:srgbClr val="04617b"/>
+              </a:solidFill>
+              <a:uFill>
+                <a:solidFill>
+                  <a:srgbClr val="ffffff"/>
+                </a:solidFill>
+              </a:uFill>
+              <a:latin typeface="Source Sans Pro Black"/>
+              <a:ea typeface="Droid Sans"/>
+            </a:endParaRPr>
+          </a:p>
+          <a:p>
+            <a:pPr lvl="1" marL="448200">
               <a:lnSpc>
                 <a:spcPct val="100000"/>
               </a:lnSpc>
               <a:spcBef>
                 <a:spcPts val="499"/>
               </a:spcBef>
+              <a:spcAft>
+                <a:spcPts val="283"/>
+              </a:spcAft>
               <a:buClr>
                 <a:srgbClr val="000000"/>
               </a:buClr>
-              <a:buFont typeface="Arial"/>
-              <a:buChar char="•"/>
+              <a:buSzPct val="45000"/>
+              <a:buFont typeface="Wingdings" charset="2"/>
+              <a:buChar char=""/>
             </a:pPr>
             <a:r>
               <a:rPr b="0" lang="pt-BR" sz="2400" spc="-1" strike="noStrike">
@@ -5268,31 +8052,36 @@
               </a:rPr>
               <a:t>linkedin.com/in/eduardo-rosa</a:t>
             </a:r>
-            <a:endParaRPr b="0" lang="pt-BR" sz="2400" spc="-1" strike="noStrike">
-              <a:solidFill>
-                <a:srgbClr val="000000"/>
-              </a:solidFill>
-              <a:uFill>
-                <a:solidFill>
-                  <a:srgbClr val="ffffff"/>
-                </a:solidFill>
-              </a:uFill>
-              <a:latin typeface="Calibri"/>
-            </a:endParaRPr>
-          </a:p>
-          <a:p>
-            <a:pPr lvl="1" marL="685800" indent="-228240">
+            <a:endParaRPr b="1" lang="pt-BR" sz="2400" spc="-1" strike="noStrike">
+              <a:solidFill>
+                <a:srgbClr val="04617b"/>
+              </a:solidFill>
+              <a:uFill>
+                <a:solidFill>
+                  <a:srgbClr val="ffffff"/>
+                </a:solidFill>
+              </a:uFill>
+              <a:latin typeface="Source Sans Pro Black"/>
+              <a:ea typeface="Droid Sans"/>
+            </a:endParaRPr>
+          </a:p>
+          <a:p>
+            <a:pPr lvl="1" marL="448200">
               <a:lnSpc>
                 <a:spcPct val="100000"/>
               </a:lnSpc>
               <a:spcBef>
                 <a:spcPts val="499"/>
               </a:spcBef>
+              <a:spcAft>
+                <a:spcPts val="283"/>
+              </a:spcAft>
               <a:buClr>
                 <a:srgbClr val="000000"/>
               </a:buClr>
-              <a:buFont typeface="Arial"/>
-              <a:buChar char="•"/>
+              <a:buSzPct val="45000"/>
+              <a:buFont typeface="Wingdings" charset="2"/>
+              <a:buChar char=""/>
             </a:pPr>
             <a:r>
               <a:rPr b="0" lang="pt-BR" sz="2400" spc="-1" strike="noStrike">
@@ -5308,31 +8097,36 @@
               </a:rPr>
               <a:t>https://github.com/edusr</a:t>
             </a:r>
-            <a:endParaRPr b="0" lang="pt-BR" sz="2400" spc="-1" strike="noStrike">
-              <a:solidFill>
-                <a:srgbClr val="000000"/>
-              </a:solidFill>
-              <a:uFill>
-                <a:solidFill>
-                  <a:srgbClr val="ffffff"/>
-                </a:solidFill>
-              </a:uFill>
-              <a:latin typeface="Calibri"/>
-            </a:endParaRPr>
-          </a:p>
-          <a:p>
-            <a:pPr marL="228600" indent="-228240">
+            <a:endParaRPr b="1" lang="pt-BR" sz="2400" spc="-1" strike="noStrike">
+              <a:solidFill>
+                <a:srgbClr val="04617b"/>
+              </a:solidFill>
+              <a:uFill>
+                <a:solidFill>
+                  <a:srgbClr val="ffffff"/>
+                </a:solidFill>
+              </a:uFill>
+              <a:latin typeface="Source Sans Pro Black"/>
+              <a:ea typeface="Droid Sans"/>
+            </a:endParaRPr>
+          </a:p>
+          <a:p>
+            <a:pPr marL="448200">
               <a:lnSpc>
                 <a:spcPct val="90000"/>
               </a:lnSpc>
               <a:spcBef>
                 <a:spcPts val="1001"/>
               </a:spcBef>
+              <a:spcAft>
+                <a:spcPts val="283"/>
+              </a:spcAft>
               <a:buClr>
                 <a:srgbClr val="000000"/>
               </a:buClr>
-              <a:buFont typeface="Arial"/>
-              <a:buChar char="•"/>
+              <a:buSzPct val="45000"/>
+              <a:buFont typeface="Wingdings" charset="2"/>
+              <a:buChar char=""/>
             </a:pPr>
             <a:r>
               <a:rPr b="0" lang="pt-BR" sz="2800" spc="-1" strike="noStrike">
@@ -5348,31 +8142,36 @@
               </a:rPr>
               <a:t>Éderson Gervasio</a:t>
             </a:r>
-            <a:endParaRPr b="0" lang="pt-BR" sz="2800" spc="-1" strike="noStrike">
-              <a:solidFill>
-                <a:srgbClr val="000000"/>
-              </a:solidFill>
-              <a:uFill>
-                <a:solidFill>
-                  <a:srgbClr val="ffffff"/>
-                </a:solidFill>
-              </a:uFill>
-              <a:latin typeface="Calibri"/>
-            </a:endParaRPr>
-          </a:p>
-          <a:p>
-            <a:pPr lvl="1" marL="685800" indent="-228240">
+            <a:endParaRPr b="1" lang="pt-BR" sz="2800" spc="-1" strike="noStrike">
+              <a:solidFill>
+                <a:srgbClr val="04617b"/>
+              </a:solidFill>
+              <a:uFill>
+                <a:solidFill>
+                  <a:srgbClr val="ffffff"/>
+                </a:solidFill>
+              </a:uFill>
+              <a:latin typeface="Source Sans Pro Black"/>
+              <a:ea typeface="Droid Sans"/>
+            </a:endParaRPr>
+          </a:p>
+          <a:p>
+            <a:pPr lvl="1" marL="448200">
               <a:lnSpc>
                 <a:spcPct val="100000"/>
               </a:lnSpc>
               <a:spcBef>
                 <a:spcPts val="499"/>
               </a:spcBef>
+              <a:spcAft>
+                <a:spcPts val="283"/>
+              </a:spcAft>
               <a:buClr>
                 <a:srgbClr val="000000"/>
               </a:buClr>
-              <a:buFont typeface="Arial"/>
-              <a:buChar char="•"/>
+              <a:buSzPct val="45000"/>
+              <a:buFont typeface="Wingdings" charset="2"/>
+              <a:buChar char=""/>
             </a:pPr>
             <a:r>
               <a:rPr b="0" lang="pt-BR" sz="2400" spc="-1" strike="noStrike">
@@ -5388,31 +8187,36 @@
               </a:rPr>
               <a:t>edersongervasiosilva@gmail.com</a:t>
             </a:r>
-            <a:endParaRPr b="0" lang="pt-BR" sz="2400" spc="-1" strike="noStrike">
-              <a:solidFill>
-                <a:srgbClr val="000000"/>
-              </a:solidFill>
-              <a:uFill>
-                <a:solidFill>
-                  <a:srgbClr val="ffffff"/>
-                </a:solidFill>
-              </a:uFill>
-              <a:latin typeface="Calibri"/>
-            </a:endParaRPr>
-          </a:p>
-          <a:p>
-            <a:pPr lvl="1" marL="685800" indent="-228240">
+            <a:endParaRPr b="1" lang="pt-BR" sz="2400" spc="-1" strike="noStrike">
+              <a:solidFill>
+                <a:srgbClr val="04617b"/>
+              </a:solidFill>
+              <a:uFill>
+                <a:solidFill>
+                  <a:srgbClr val="ffffff"/>
+                </a:solidFill>
+              </a:uFill>
+              <a:latin typeface="Source Sans Pro Black"/>
+              <a:ea typeface="Droid Sans"/>
+            </a:endParaRPr>
+          </a:p>
+          <a:p>
+            <a:pPr lvl="1" marL="448200">
               <a:lnSpc>
                 <a:spcPct val="100000"/>
               </a:lnSpc>
               <a:spcBef>
                 <a:spcPts val="499"/>
               </a:spcBef>
+              <a:spcAft>
+                <a:spcPts val="283"/>
+              </a:spcAft>
               <a:buClr>
                 <a:srgbClr val="000000"/>
               </a:buClr>
-              <a:buFont typeface="Arial"/>
-              <a:buChar char="•"/>
+              <a:buSzPct val="45000"/>
+              <a:buFont typeface="Wingdings" charset="2"/>
+              <a:buChar char=""/>
             </a:pPr>
             <a:r>
               <a:rPr b="0" lang="pt-BR" sz="2400" spc="-1" strike="noStrike">
@@ -5428,31 +8232,36 @@
               </a:rPr>
               <a:t>linkedin.com/in/edersongs</a:t>
             </a:r>
-            <a:endParaRPr b="0" lang="pt-BR" sz="2400" spc="-1" strike="noStrike">
-              <a:solidFill>
-                <a:srgbClr val="000000"/>
-              </a:solidFill>
-              <a:uFill>
-                <a:solidFill>
-                  <a:srgbClr val="ffffff"/>
-                </a:solidFill>
-              </a:uFill>
-              <a:latin typeface="Calibri"/>
-            </a:endParaRPr>
-          </a:p>
-          <a:p>
-            <a:pPr marL="228600" indent="-228240">
+            <a:endParaRPr b="1" lang="pt-BR" sz="2400" spc="-1" strike="noStrike">
+              <a:solidFill>
+                <a:srgbClr val="04617b"/>
+              </a:solidFill>
+              <a:uFill>
+                <a:solidFill>
+                  <a:srgbClr val="ffffff"/>
+                </a:solidFill>
+              </a:uFill>
+              <a:latin typeface="Source Sans Pro Black"/>
+              <a:ea typeface="Droid Sans"/>
+            </a:endParaRPr>
+          </a:p>
+          <a:p>
+            <a:pPr marL="448200">
               <a:lnSpc>
                 <a:spcPct val="90000"/>
               </a:lnSpc>
               <a:spcBef>
                 <a:spcPts val="1001"/>
               </a:spcBef>
+              <a:spcAft>
+                <a:spcPts val="283"/>
+              </a:spcAft>
               <a:buClr>
                 <a:srgbClr val="000000"/>
               </a:buClr>
-              <a:buFont typeface="Arial"/>
-              <a:buChar char="•"/>
+              <a:buSzPct val="45000"/>
+              <a:buFont typeface="Wingdings" charset="2"/>
+              <a:buChar char=""/>
             </a:pPr>
             <a:r>
               <a:rPr b="0" lang="pt-BR" sz="2800" spc="-1" strike="noStrike">
@@ -5468,31 +8277,36 @@
               </a:rPr>
               <a:t>Lauro Oliveira Freitas</a:t>
             </a:r>
-            <a:endParaRPr b="0" lang="pt-BR" sz="2800" spc="-1" strike="noStrike">
-              <a:solidFill>
-                <a:srgbClr val="000000"/>
-              </a:solidFill>
-              <a:uFill>
-                <a:solidFill>
-                  <a:srgbClr val="ffffff"/>
-                </a:solidFill>
-              </a:uFill>
-              <a:latin typeface="Calibri"/>
-            </a:endParaRPr>
-          </a:p>
-          <a:p>
-            <a:pPr lvl="1" marL="685800" indent="-228240">
+            <a:endParaRPr b="1" lang="pt-BR" sz="2800" spc="-1" strike="noStrike">
+              <a:solidFill>
+                <a:srgbClr val="04617b"/>
+              </a:solidFill>
+              <a:uFill>
+                <a:solidFill>
+                  <a:srgbClr val="ffffff"/>
+                </a:solidFill>
+              </a:uFill>
+              <a:latin typeface="Source Sans Pro Black"/>
+              <a:ea typeface="Droid Sans"/>
+            </a:endParaRPr>
+          </a:p>
+          <a:p>
+            <a:pPr lvl="1" marL="448200">
               <a:lnSpc>
                 <a:spcPct val="100000"/>
               </a:lnSpc>
               <a:spcBef>
                 <a:spcPts val="499"/>
               </a:spcBef>
+              <a:spcAft>
+                <a:spcPts val="283"/>
+              </a:spcAft>
               <a:buClr>
                 <a:srgbClr val="000000"/>
               </a:buClr>
-              <a:buFont typeface="Arial"/>
-              <a:buChar char="•"/>
+              <a:buSzPct val="45000"/>
+              <a:buFont typeface="Wingdings" charset="2"/>
+              <a:buChar char=""/>
             </a:pPr>
             <a:r>
               <a:rPr b="0" lang="pt-BR" sz="2400" spc="-1" strike="noStrike">
@@ -5508,16 +8322,17 @@
               </a:rPr>
               <a:t>lauro88of@gmail.com</a:t>
             </a:r>
-            <a:endParaRPr b="0" lang="pt-BR" sz="2400" spc="-1" strike="noStrike">
-              <a:solidFill>
-                <a:srgbClr val="000000"/>
-              </a:solidFill>
-              <a:uFill>
-                <a:solidFill>
-                  <a:srgbClr val="ffffff"/>
-                </a:solidFill>
-              </a:uFill>
-              <a:latin typeface="Calibri"/>
+            <a:endParaRPr b="1" lang="pt-BR" sz="2400" spc="-1" strike="noStrike">
+              <a:solidFill>
+                <a:srgbClr val="04617b"/>
+              </a:solidFill>
+              <a:uFill>
+                <a:solidFill>
+                  <a:srgbClr val="ffffff"/>
+                </a:solidFill>
+              </a:uFill>
+              <a:latin typeface="Source Sans Pro Black"/>
+              <a:ea typeface="Droid Sans"/>
             </a:endParaRPr>
           </a:p>
         </p:txBody>
@@ -5527,10 +8342,10 @@
   <p:timing>
     <p:tnLst>
       <p:par>
-        <p:cTn id="7" dur="indefinite" restart="never" nodeType="tmRoot">
+        <p:cTn id="9" dur="indefinite" restart="never" nodeType="tmRoot">
           <p:childTnLst>
             <p:seq>
-              <p:cTn id="8" nodeType="mainSeq"/>
+              <p:cTn id="10" nodeType="mainSeq"/>
               <p:prevCondLst>
                 <p:cond delay="0" evt="onPrev">
                   <p:tgtEl>
@@ -5998,4 +8813,227 @@
     </a:fmtScheme>
   </a:themeElements>
 </a:theme>
+</file>
+
+<file path=ppt/theme/theme3.xml><?xml version="1.0" encoding="utf-8"?>
+<a:theme xmlns:a="http://schemas.openxmlformats.org/drawingml/2006/main" name="Office Theme">
+  <a:themeElements>
+    <a:clrScheme name="Office">
+      <a:dk1>
+        <a:sysClr val="windowText" lastClr="000000"/>
+      </a:dk1>
+      <a:lt1>
+        <a:sysClr val="window" lastClr="FFFFFF"/>
+      </a:lt1>
+      <a:dk2>
+        <a:srgbClr val="1F497D"/>
+      </a:dk2>
+      <a:lt2>
+        <a:srgbClr val="EEECE1"/>
+      </a:lt2>
+      <a:accent1>
+        <a:srgbClr val="4F81BD"/>
+      </a:accent1>
+      <a:accent2>
+        <a:srgbClr val="C0504D"/>
+      </a:accent2>
+      <a:accent3>
+        <a:srgbClr val="9BBB59"/>
+      </a:accent3>
+      <a:accent4>
+        <a:srgbClr val="8064A2"/>
+      </a:accent4>
+      <a:accent5>
+        <a:srgbClr val="4BACC6"/>
+      </a:accent5>
+      <a:accent6>
+        <a:srgbClr val="F79646"/>
+      </a:accent6>
+      <a:hlink>
+        <a:srgbClr val="0000FF"/>
+      </a:hlink>
+      <a:folHlink>
+        <a:srgbClr val="800080"/>
+      </a:folHlink>
+    </a:clrScheme>
+    <a:fontScheme name="Office">
+      <a:majorFont>
+        <a:latin typeface="Arial"/>
+        <a:ea typeface="DejaVu Sans"/>
+        <a:cs typeface="DejaVu Sans"/>
+      </a:majorFont>
+      <a:minorFont>
+        <a:latin typeface="Arial"/>
+        <a:ea typeface="DejaVu Sans"/>
+        <a:cs typeface="DejaVu Sans"/>
+      </a:minorFont>
+    </a:fontScheme>
+    <a:fmtScheme name="Office">
+      <a:fillStyleLst>
+        <a:solidFill>
+          <a:schemeClr val="phClr"/>
+        </a:solidFill>
+        <a:gradFill rotWithShape="1">
+          <a:gsLst>
+            <a:gs pos="0">
+              <a:schemeClr val="phClr">
+                <a:tint val="50000"/>
+                <a:satMod val="300000"/>
+              </a:schemeClr>
+            </a:gs>
+            <a:gs pos="35000">
+              <a:schemeClr val="phClr">
+                <a:tint val="37000"/>
+                <a:satMod val="300000"/>
+              </a:schemeClr>
+            </a:gs>
+            <a:gs pos="100000">
+              <a:schemeClr val="phClr">
+                <a:tint val="15000"/>
+                <a:satMod val="350000"/>
+              </a:schemeClr>
+            </a:gs>
+          </a:gsLst>
+          <a:lin ang="16200000" scaled="1"/>
+        </a:gradFill>
+        <a:gradFill rotWithShape="1">
+          <a:gsLst>
+            <a:gs pos="0">
+              <a:schemeClr val="phClr">
+                <a:shade val="51000"/>
+                <a:satMod val="130000"/>
+              </a:schemeClr>
+            </a:gs>
+            <a:gs pos="80000">
+              <a:schemeClr val="phClr">
+                <a:shade val="93000"/>
+                <a:satMod val="130000"/>
+              </a:schemeClr>
+            </a:gs>
+            <a:gs pos="100000">
+              <a:schemeClr val="phClr">
+                <a:shade val="94000"/>
+                <a:satMod val="135000"/>
+              </a:schemeClr>
+            </a:gs>
+          </a:gsLst>
+          <a:lin ang="16200000" scaled="0"/>
+        </a:gradFill>
+      </a:fillStyleLst>
+      <a:lnStyleLst>
+        <a:ln w="9525" cap="flat" cmpd="sng" algn="ctr">
+          <a:solidFill>
+            <a:schemeClr val="phClr">
+              <a:shade val="95000"/>
+              <a:satMod val="105000"/>
+            </a:schemeClr>
+          </a:solidFill>
+          <a:prstDash val="solid"/>
+        </a:ln>
+        <a:ln w="25400" cap="flat" cmpd="sng" algn="ctr">
+          <a:solidFill>
+            <a:schemeClr val="phClr"/>
+          </a:solidFill>
+          <a:prstDash val="solid"/>
+        </a:ln>
+        <a:ln w="38100" cap="flat" cmpd="sng" algn="ctr">
+          <a:solidFill>
+            <a:schemeClr val="phClr"/>
+          </a:solidFill>
+          <a:prstDash val="solid"/>
+        </a:ln>
+      </a:lnStyleLst>
+      <a:effectStyleLst>
+        <a:effectStyle>
+          <a:effectLst>
+            <a:outerShdw blurRad="40000" dist="20000" dir="5400000" rotWithShape="0">
+              <a:srgbClr val="000000">
+                <a:alpha val="38000"/>
+              </a:srgbClr>
+            </a:outerShdw>
+          </a:effectLst>
+        </a:effectStyle>
+        <a:effectStyle>
+          <a:effectLst>
+            <a:outerShdw blurRad="40000" dist="23000" dir="5400000" rotWithShape="0">
+              <a:srgbClr val="000000">
+                <a:alpha val="35000"/>
+              </a:srgbClr>
+            </a:outerShdw>
+          </a:effectLst>
+        </a:effectStyle>
+        <a:effectStyle>
+          <a:effectLst>
+            <a:outerShdw blurRad="40000" dist="23000" dir="5400000" rotWithShape="0">
+              <a:srgbClr val="000000">
+                <a:alpha val="35000"/>
+              </a:srgbClr>
+            </a:outerShdw>
+          </a:effectLst>
+          <a:scene3d>
+            <a:camera prst="orthographicFront">
+              <a:rot lat="0" lon="0" rev="0"/>
+            </a:camera>
+            <a:lightRig rig="threePt" dir="t">
+              <a:rot lat="0" lon="0" rev="1200000"/>
+            </a:lightRig>
+          </a:scene3d>
+          <a:sp3d>
+            <a:bevelT w="63500" h="25400"/>
+          </a:sp3d>
+        </a:effectStyle>
+      </a:effectStyleLst>
+      <a:bgFillStyleLst>
+        <a:solidFill>
+          <a:schemeClr val="phClr"/>
+        </a:solidFill>
+        <a:gradFill rotWithShape="1">
+          <a:gsLst>
+            <a:gs pos="0">
+              <a:schemeClr val="phClr">
+                <a:tint val="40000"/>
+                <a:satMod val="350000"/>
+              </a:schemeClr>
+            </a:gs>
+            <a:gs pos="40000">
+              <a:schemeClr val="phClr">
+                <a:tint val="45000"/>
+                <a:shade val="99000"/>
+                <a:satMod val="350000"/>
+              </a:schemeClr>
+            </a:gs>
+            <a:gs pos="100000">
+              <a:schemeClr val="phClr">
+                <a:shade val="20000"/>
+                <a:satMod val="255000"/>
+              </a:schemeClr>
+            </a:gs>
+          </a:gsLst>
+          <a:path path="circle">
+            <a:fillToRect l="50000" t="-80000" r="50000" b="180000"/>
+          </a:path>
+        </a:gradFill>
+        <a:gradFill rotWithShape="1">
+          <a:gsLst>
+            <a:gs pos="0">
+              <a:schemeClr val="phClr">
+                <a:tint val="80000"/>
+                <a:satMod val="300000"/>
+              </a:schemeClr>
+            </a:gs>
+            <a:gs pos="100000">
+              <a:schemeClr val="phClr">
+                <a:shade val="30000"/>
+                <a:satMod val="200000"/>
+              </a:schemeClr>
+            </a:gs>
+          </a:gsLst>
+          <a:path path="circle">
+            <a:fillToRect l="50000" t="50000" r="50000" b="50000"/>
+          </a:path>
+        </a:gradFill>
+      </a:bgFillStyleLst>
+    </a:fmtScheme>
+  </a:themeElements>
+</a:theme>
 </file>